--- a/Probability_Statistics/Probability_Statistics_intro.pptx
+++ b/Probability_Statistics/Probability_Statistics_intro.pptx
@@ -23,11 +23,14 @@
     <p:sldId id="274" r:id="rId17"/>
     <p:sldId id="273" r:id="rId18"/>
     <p:sldId id="282" r:id="rId19"/>
-    <p:sldId id="276" r:id="rId20"/>
-    <p:sldId id="277" r:id="rId21"/>
-    <p:sldId id="278" r:id="rId22"/>
-    <p:sldId id="283" r:id="rId23"/>
-    <p:sldId id="261" r:id="rId24"/>
+    <p:sldId id="289" r:id="rId20"/>
+    <p:sldId id="290" r:id="rId21"/>
+    <p:sldId id="291" r:id="rId22"/>
+    <p:sldId id="276" r:id="rId23"/>
+    <p:sldId id="277" r:id="rId24"/>
+    <p:sldId id="278" r:id="rId25"/>
+    <p:sldId id="283" r:id="rId26"/>
+    <p:sldId id="261" r:id="rId27"/>
   </p:sldIdLst>
   <p:sldSz cx="12192000" cy="6858000"/>
   <p:notesSz cx="6858000" cy="9144000"/>
@@ -443,7 +446,7 @@
           <a:p>
             <a:fld id="{C369705D-41FE-4C2A-AD94-64E2E5127CB0}" type="datetimeFigureOut">
               <a:rPr lang="it-IT" smtClean="0"/>
-              <a:t>15/05/2022</a:t>
+              <a:t>16/05/2022</a:t>
             </a:fld>
             <a:endParaRPr lang="it-IT"/>
           </a:p>
@@ -643,7 +646,7 @@
           <a:p>
             <a:fld id="{C369705D-41FE-4C2A-AD94-64E2E5127CB0}" type="datetimeFigureOut">
               <a:rPr lang="it-IT" smtClean="0"/>
-              <a:t>15/05/2022</a:t>
+              <a:t>16/05/2022</a:t>
             </a:fld>
             <a:endParaRPr lang="it-IT"/>
           </a:p>
@@ -853,7 +856,7 @@
           <a:p>
             <a:fld id="{C369705D-41FE-4C2A-AD94-64E2E5127CB0}" type="datetimeFigureOut">
               <a:rPr lang="it-IT" smtClean="0"/>
-              <a:t>15/05/2022</a:t>
+              <a:t>16/05/2022</a:t>
             </a:fld>
             <a:endParaRPr lang="it-IT"/>
           </a:p>
@@ -1053,7 +1056,7 @@
           <a:p>
             <a:fld id="{C369705D-41FE-4C2A-AD94-64E2E5127CB0}" type="datetimeFigureOut">
               <a:rPr lang="it-IT" smtClean="0"/>
-              <a:t>15/05/2022</a:t>
+              <a:t>16/05/2022</a:t>
             </a:fld>
             <a:endParaRPr lang="it-IT"/>
           </a:p>
@@ -1329,7 +1332,7 @@
           <a:p>
             <a:fld id="{C369705D-41FE-4C2A-AD94-64E2E5127CB0}" type="datetimeFigureOut">
               <a:rPr lang="it-IT" smtClean="0"/>
-              <a:t>15/05/2022</a:t>
+              <a:t>16/05/2022</a:t>
             </a:fld>
             <a:endParaRPr lang="it-IT"/>
           </a:p>
@@ -1597,7 +1600,7 @@
           <a:p>
             <a:fld id="{C369705D-41FE-4C2A-AD94-64E2E5127CB0}" type="datetimeFigureOut">
               <a:rPr lang="it-IT" smtClean="0"/>
-              <a:t>15/05/2022</a:t>
+              <a:t>16/05/2022</a:t>
             </a:fld>
             <a:endParaRPr lang="it-IT"/>
           </a:p>
@@ -2012,7 +2015,7 @@
           <a:p>
             <a:fld id="{C369705D-41FE-4C2A-AD94-64E2E5127CB0}" type="datetimeFigureOut">
               <a:rPr lang="it-IT" smtClean="0"/>
-              <a:t>15/05/2022</a:t>
+              <a:t>16/05/2022</a:t>
             </a:fld>
             <a:endParaRPr lang="it-IT"/>
           </a:p>
@@ -2154,7 +2157,7 @@
           <a:p>
             <a:fld id="{C369705D-41FE-4C2A-AD94-64E2E5127CB0}" type="datetimeFigureOut">
               <a:rPr lang="it-IT" smtClean="0"/>
-              <a:t>15/05/2022</a:t>
+              <a:t>16/05/2022</a:t>
             </a:fld>
             <a:endParaRPr lang="it-IT"/>
           </a:p>
@@ -2267,7 +2270,7 @@
           <a:p>
             <a:fld id="{C369705D-41FE-4C2A-AD94-64E2E5127CB0}" type="datetimeFigureOut">
               <a:rPr lang="it-IT" smtClean="0"/>
-              <a:t>15/05/2022</a:t>
+              <a:t>16/05/2022</a:t>
             </a:fld>
             <a:endParaRPr lang="it-IT"/>
           </a:p>
@@ -2580,7 +2583,7 @@
           <a:p>
             <a:fld id="{C369705D-41FE-4C2A-AD94-64E2E5127CB0}" type="datetimeFigureOut">
               <a:rPr lang="it-IT" smtClean="0"/>
-              <a:t>15/05/2022</a:t>
+              <a:t>16/05/2022</a:t>
             </a:fld>
             <a:endParaRPr lang="it-IT"/>
           </a:p>
@@ -2869,7 +2872,7 @@
           <a:p>
             <a:fld id="{C369705D-41FE-4C2A-AD94-64E2E5127CB0}" type="datetimeFigureOut">
               <a:rPr lang="it-IT" smtClean="0"/>
-              <a:t>15/05/2022</a:t>
+              <a:t>16/05/2022</a:t>
             </a:fld>
             <a:endParaRPr lang="it-IT"/>
           </a:p>
@@ -3112,7 +3115,7 @@
           <a:p>
             <a:fld id="{C369705D-41FE-4C2A-AD94-64E2E5127CB0}" type="datetimeFigureOut">
               <a:rPr lang="it-IT" smtClean="0"/>
-              <a:t>15/05/2022</a:t>
+              <a:t>16/05/2022</a:t>
             </a:fld>
             <a:endParaRPr lang="it-IT"/>
           </a:p>
@@ -4850,8 +4853,8 @@
           </a:p>
         </p:txBody>
       </p:sp>
-      <mc:AlternateContent xmlns:mc="http://schemas.openxmlformats.org/markup-compatibility/2006">
-        <mc:Choice xmlns:a14="http://schemas.microsoft.com/office/drawing/2010/main" Requires="a14">
+      <mc:AlternateContent xmlns:mc="http://schemas.openxmlformats.org/markup-compatibility/2006" xmlns:a14="http://schemas.microsoft.com/office/drawing/2010/main">
+        <mc:Choice Requires="a14">
           <p:graphicFrame>
             <p:nvGraphicFramePr>
               <p:cNvPr id="6" name="Table 6">
@@ -5761,7 +5764,7 @@
             </a:graphic>
           </p:graphicFrame>
         </mc:Choice>
-        <mc:Fallback>
+        <mc:Fallback xmlns="">
           <p:graphicFrame>
             <p:nvGraphicFramePr>
               <p:cNvPr id="6" name="Table 6">
@@ -6123,7 +6126,7 @@
                   <a:schemeClr val="accent2"/>
                 </a:solidFill>
               </a:rPr>
-              <a:t>σ = 10</a:t>
+              <a:t>σ = 2</a:t>
             </a:r>
           </a:p>
         </p:txBody>
@@ -6193,8 +6196,8 @@
           </a:p>
         </p:txBody>
       </p:sp>
-      <mc:AlternateContent xmlns:mc="http://schemas.openxmlformats.org/markup-compatibility/2006">
-        <mc:Choice xmlns:a14="http://schemas.microsoft.com/office/drawing/2010/main" Requires="a14">
+      <mc:AlternateContent xmlns:mc="http://schemas.openxmlformats.org/markup-compatibility/2006" xmlns:a14="http://schemas.microsoft.com/office/drawing/2010/main">
+        <mc:Choice Requires="a14">
           <p:sp>
             <p:nvSpPr>
               <p:cNvPr id="6" name="TextBox 5">
@@ -6447,7 +6450,7 @@
             </p:txBody>
           </p:sp>
         </mc:Choice>
-        <mc:Fallback>
+        <mc:Fallback xmlns="">
           <p:sp>
             <p:nvSpPr>
               <p:cNvPr id="6" name="TextBox 5">
@@ -6608,8 +6611,8 @@
           </a:p>
         </p:txBody>
       </p:sp>
-      <mc:AlternateContent xmlns:mc="http://schemas.openxmlformats.org/markup-compatibility/2006">
-        <mc:Choice xmlns:a14="http://schemas.microsoft.com/office/drawing/2010/main" Requires="a14">
+      <mc:AlternateContent xmlns:mc="http://schemas.openxmlformats.org/markup-compatibility/2006" xmlns:a14="http://schemas.microsoft.com/office/drawing/2010/main">
+        <mc:Choice Requires="a14">
           <p:sp>
             <p:nvSpPr>
               <p:cNvPr id="10" name="TextBox 9">
@@ -6772,7 +6775,7 @@
             </p:txBody>
           </p:sp>
         </mc:Choice>
-        <mc:Fallback>
+        <mc:Fallback xmlns="">
           <p:sp>
             <p:nvSpPr>
               <p:cNvPr id="10" name="TextBox 9">
@@ -9845,171 +9848,6 @@
           </p:sp>
         </mc:Fallback>
       </mc:AlternateContent>
-      <p:sp>
-        <p:nvSpPr>
-          <p:cNvPr id="10" name="TextBox 9">
-            <a:extLst>
-              <a:ext uri="{FF2B5EF4-FFF2-40B4-BE49-F238E27FC236}">
-                <a16:creationId xmlns:a16="http://schemas.microsoft.com/office/drawing/2014/main" id="{93338E2D-2559-287D-F975-A9F3FB0FC275}"/>
-              </a:ext>
-            </a:extLst>
-          </p:cNvPr>
-          <p:cNvSpPr txBox="1"/>
-          <p:nvPr/>
-        </p:nvSpPr>
-        <p:spPr>
-          <a:xfrm>
-            <a:off x="391413" y="5601020"/>
-            <a:ext cx="5734134" cy="861774"/>
-          </a:xfrm>
-          <a:prstGeom prst="rect">
-            <a:avLst/>
-          </a:prstGeom>
-          <a:noFill/>
-        </p:spPr>
-        <p:txBody>
-          <a:bodyPr wrap="none" rtlCol="0">
-            <a:spAutoFit/>
-          </a:bodyPr>
-          <a:lstStyle/>
-          <a:p>
-            <a:r>
-              <a:rPr lang="it-IT" sz="1600" b="1" dirty="0"/>
-              <a:t>Confidence </a:t>
-            </a:r>
-            <a:r>
-              <a:rPr lang="it-IT" sz="1600" b="1" dirty="0" err="1"/>
-              <a:t>interval</a:t>
-            </a:r>
-            <a:r>
-              <a:rPr lang="it-IT" sz="1600" dirty="0"/>
-              <a:t> </a:t>
-            </a:r>
-            <a:r>
-              <a:rPr lang="it-IT" sz="1600" dirty="0" err="1"/>
-              <a:t>provides</a:t>
-            </a:r>
-            <a:r>
-              <a:rPr lang="it-IT" sz="1600" dirty="0"/>
-              <a:t> a range </a:t>
-            </a:r>
-            <a:r>
-              <a:rPr lang="it-IT" sz="1600" dirty="0" err="1"/>
-              <a:t>that</a:t>
-            </a:r>
-            <a:r>
-              <a:rPr lang="it-IT" sz="1600" dirty="0"/>
-              <a:t> </a:t>
-            </a:r>
-            <a:r>
-              <a:rPr lang="it-IT" sz="1600" dirty="0" err="1"/>
-              <a:t>is</a:t>
-            </a:r>
-            <a:r>
-              <a:rPr lang="it-IT" sz="1600" dirty="0"/>
-              <a:t> </a:t>
-            </a:r>
-            <a:r>
-              <a:rPr lang="it-IT" sz="1600" dirty="0" err="1"/>
-              <a:t>likely</a:t>
-            </a:r>
-            <a:r>
-              <a:rPr lang="it-IT" sz="1600" dirty="0"/>
-              <a:t> to </a:t>
-            </a:r>
-            <a:r>
-              <a:rPr lang="it-IT" sz="1600" dirty="0" err="1"/>
-              <a:t>contain</a:t>
-            </a:r>
-            <a:endParaRPr lang="it-IT" sz="1600" dirty="0"/>
-          </a:p>
-          <a:p>
-            <a:r>
-              <a:rPr lang="it-IT" sz="1600" dirty="0"/>
-              <a:t> the </a:t>
-            </a:r>
-            <a:r>
-              <a:rPr lang="it-IT" sz="1600" dirty="0" err="1"/>
-              <a:t>unknown</a:t>
-            </a:r>
-            <a:r>
-              <a:rPr lang="it-IT" sz="1600" dirty="0"/>
-              <a:t> </a:t>
-            </a:r>
-            <a:r>
-              <a:rPr lang="it-IT" sz="1600" dirty="0" err="1"/>
-              <a:t>value</a:t>
-            </a:r>
-            <a:r>
-              <a:rPr lang="it-IT" sz="1600" dirty="0"/>
-              <a:t> and a degree of confidence (</a:t>
-            </a:r>
-            <a:r>
-              <a:rPr lang="it-IT" sz="1600" b="1" dirty="0"/>
-              <a:t>confidence </a:t>
-            </a:r>
-            <a:r>
-              <a:rPr lang="it-IT" sz="1600" b="1" dirty="0" err="1"/>
-              <a:t>level</a:t>
-            </a:r>
-            <a:r>
-              <a:rPr lang="it-IT" sz="1600" dirty="0"/>
-              <a:t>) </a:t>
-            </a:r>
-          </a:p>
-          <a:p>
-            <a:r>
-              <a:rPr lang="it-IT" sz="1600" dirty="0" err="1"/>
-              <a:t>that</a:t>
-            </a:r>
-            <a:r>
-              <a:rPr lang="it-IT" sz="1600" dirty="0"/>
-              <a:t> the </a:t>
-            </a:r>
-            <a:r>
-              <a:rPr lang="it-IT" sz="1600" dirty="0" err="1"/>
-              <a:t>unknown</a:t>
-            </a:r>
-            <a:r>
-              <a:rPr lang="it-IT" sz="1600" dirty="0"/>
-              <a:t> </a:t>
-            </a:r>
-            <a:r>
-              <a:rPr lang="it-IT" sz="1600" dirty="0" err="1"/>
-              <a:t>value</a:t>
-            </a:r>
-            <a:r>
-              <a:rPr lang="it-IT" sz="1600" dirty="0"/>
-              <a:t> </a:t>
-            </a:r>
-            <a:r>
-              <a:rPr lang="it-IT" sz="1600" dirty="0" err="1"/>
-              <a:t>lies</a:t>
-            </a:r>
-            <a:r>
-              <a:rPr lang="it-IT" sz="1600" dirty="0"/>
-              <a:t> </a:t>
-            </a:r>
-            <a:r>
-              <a:rPr lang="it-IT" sz="1600" dirty="0" err="1"/>
-              <a:t>within</a:t>
-            </a:r>
-            <a:r>
-              <a:rPr lang="it-IT" sz="1600" dirty="0"/>
-              <a:t> </a:t>
-            </a:r>
-            <a:r>
-              <a:rPr lang="it-IT" sz="1600" dirty="0" err="1"/>
-              <a:t>that</a:t>
-            </a:r>
-            <a:r>
-              <a:rPr lang="it-IT" sz="1600" dirty="0"/>
-              <a:t> range.</a:t>
-            </a:r>
-            <a:endParaRPr lang="en-GB" sz="1600" dirty="0"/>
-          </a:p>
-        </p:txBody>
-      </p:sp>
     </p:spTree>
     <p:extLst>
       <p:ext uri="{BB962C8B-B14F-4D97-AF65-F5344CB8AC3E}">
@@ -10055,7 +9893,7 @@
         <p:spPr>
           <a:xfrm>
             <a:off x="503853" y="531845"/>
-            <a:ext cx="11243388" cy="1846659"/>
+            <a:ext cx="11243388" cy="954107"/>
           </a:xfrm>
           <a:prstGeom prst="rect">
             <a:avLst/>
@@ -10070,617 +9908,23 @@
           <a:p>
             <a:r>
               <a:rPr lang="en-GB" sz="2400" b="1" dirty="0"/>
-              <a:t>Central limit theorem</a:t>
-            </a:r>
-          </a:p>
-          <a:p>
-            <a:endParaRPr lang="en-GB" b="1" dirty="0"/>
-          </a:p>
-          <a:p>
-            <a:pPr marL="285750" indent="-285750">
-              <a:buFont typeface="Arial" panose="020B0604020202020204" pitchFamily="34" charset="0"/>
-              <a:buChar char="•"/>
-            </a:pPr>
-            <a:r>
-              <a:rPr lang="en-GB" dirty="0"/>
-              <a:t>Given</a:t>
-            </a:r>
-            <a:r>
-              <a:rPr lang="en-GB" b="1" dirty="0"/>
-              <a:t> </a:t>
-            </a:r>
-            <a:r>
-              <a:rPr lang="en-GB" dirty="0"/>
-              <a:t>a set of sufficiently large samples drawn from the same population, the means of the samples will be approximately normally distributed.</a:t>
-            </a:r>
-          </a:p>
-          <a:p>
-            <a:pPr marL="285750" indent="-285750">
-              <a:buFont typeface="Arial" panose="020B0604020202020204" pitchFamily="34" charset="0"/>
-              <a:buChar char="•"/>
-            </a:pPr>
-            <a:r>
-              <a:rPr lang="en-GB" dirty="0"/>
-              <a:t>The normal distribution will have a mean close to the mean of the population.</a:t>
-            </a:r>
-          </a:p>
-          <a:p>
-            <a:pPr marL="285750" indent="-285750">
-              <a:buFont typeface="Arial" panose="020B0604020202020204" pitchFamily="34" charset="0"/>
-              <a:buChar char="•"/>
-            </a:pPr>
-            <a:r>
-              <a:rPr lang="en-GB" dirty="0"/>
-              <a:t>The variance of the sample mean will be close to the variance of the population divided by the sample size.</a:t>
+              <a:t>T distribution</a:t>
+            </a:r>
+          </a:p>
+          <a:p>
+            <a:r>
+              <a:rPr lang="en-GB" sz="1600" dirty="0"/>
+              <a:t>The T distribution, also known as the Student's t-distribution, is a type of probability distribution that is similar to the normal distribution but with a greater chance for extreme values, hence the fatter tails.</a:t>
             </a:r>
           </a:p>
         </p:txBody>
       </p:sp>
-      <p:sp>
-        <p:nvSpPr>
-          <p:cNvPr id="7" name="TextBox 6">
+      <p:pic>
+        <p:nvPicPr>
+          <p:cNvPr id="1026" name="Picture 2">
             <a:extLst>
               <a:ext uri="{FF2B5EF4-FFF2-40B4-BE49-F238E27FC236}">
-                <a16:creationId xmlns:a16="http://schemas.microsoft.com/office/drawing/2014/main" id="{90CB089E-8DDE-7F25-1192-71BB323C6C6A}"/>
-              </a:ext>
-            </a:extLst>
-          </p:cNvPr>
-          <p:cNvSpPr txBox="1"/>
-          <p:nvPr/>
-        </p:nvSpPr>
-        <p:spPr>
-          <a:xfrm>
-            <a:off x="1215957" y="6080690"/>
-            <a:ext cx="10243226" cy="523220"/>
-          </a:xfrm>
-          <a:prstGeom prst="rect">
-            <a:avLst/>
-          </a:prstGeom>
-          <a:noFill/>
-        </p:spPr>
-        <p:txBody>
-          <a:bodyPr wrap="square" rtlCol="0">
-            <a:spAutoFit/>
-          </a:bodyPr>
-          <a:lstStyle/>
-          <a:p>
-            <a:r>
-              <a:rPr lang="it-IT" sz="1400" dirty="0"/>
-              <a:t>The </a:t>
-            </a:r>
-            <a:r>
-              <a:rPr lang="it-IT" sz="1400" dirty="0" err="1"/>
-              <a:t>primary</a:t>
-            </a:r>
-            <a:r>
-              <a:rPr lang="it-IT" sz="1400" dirty="0"/>
-              <a:t> </a:t>
-            </a:r>
-            <a:r>
-              <a:rPr lang="it-IT" sz="1400" dirty="0" err="1"/>
-              <a:t>value</a:t>
-            </a:r>
-            <a:r>
-              <a:rPr lang="it-IT" sz="1400" dirty="0"/>
-              <a:t> of the CLT </a:t>
-            </a:r>
-            <a:r>
-              <a:rPr lang="it-IT" sz="1400" dirty="0" err="1"/>
-              <a:t>is</a:t>
-            </a:r>
-            <a:r>
-              <a:rPr lang="it-IT" sz="1400" dirty="0"/>
-              <a:t> </a:t>
-            </a:r>
-            <a:r>
-              <a:rPr lang="it-IT" sz="1400" dirty="0" err="1"/>
-              <a:t>that</a:t>
-            </a:r>
-            <a:r>
-              <a:rPr lang="it-IT" sz="1400" dirty="0"/>
-              <a:t> </a:t>
-            </a:r>
-            <a:r>
-              <a:rPr lang="it-IT" sz="1400" dirty="0" err="1"/>
-              <a:t>it</a:t>
-            </a:r>
-            <a:r>
-              <a:rPr lang="it-IT" sz="1400" dirty="0"/>
-              <a:t> </a:t>
-            </a:r>
-            <a:r>
-              <a:rPr lang="it-IT" sz="1400" dirty="0" err="1"/>
-              <a:t>allows</a:t>
-            </a:r>
-            <a:r>
-              <a:rPr lang="it-IT" sz="1400" dirty="0"/>
-              <a:t> </a:t>
-            </a:r>
-            <a:r>
-              <a:rPr lang="it-IT" sz="1400" dirty="0" err="1"/>
-              <a:t>us</a:t>
-            </a:r>
-            <a:r>
-              <a:rPr lang="it-IT" sz="1400" dirty="0"/>
-              <a:t> to compute confidence </a:t>
-            </a:r>
-            <a:r>
-              <a:rPr lang="it-IT" sz="1400" dirty="0" err="1"/>
-              <a:t>levels</a:t>
-            </a:r>
-            <a:r>
-              <a:rPr lang="it-IT" sz="1400" dirty="0"/>
-              <a:t> and </a:t>
-            </a:r>
-            <a:r>
-              <a:rPr lang="it-IT" sz="1400" dirty="0" err="1"/>
-              <a:t>intervals</a:t>
-            </a:r>
-            <a:r>
-              <a:rPr lang="it-IT" sz="1400" dirty="0"/>
-              <a:t> </a:t>
-            </a:r>
-            <a:r>
-              <a:rPr lang="it-IT" sz="1400" dirty="0" err="1"/>
-              <a:t>even</a:t>
-            </a:r>
-            <a:r>
-              <a:rPr lang="it-IT" sz="1400" dirty="0"/>
-              <a:t> </a:t>
-            </a:r>
-            <a:r>
-              <a:rPr lang="it-IT" sz="1400" dirty="0" err="1"/>
-              <a:t>when</a:t>
-            </a:r>
-            <a:r>
-              <a:rPr lang="it-IT" sz="1400" dirty="0"/>
-              <a:t> the </a:t>
-            </a:r>
-            <a:r>
-              <a:rPr lang="it-IT" sz="1400" dirty="0" err="1"/>
-              <a:t>underlying</a:t>
-            </a:r>
-            <a:r>
-              <a:rPr lang="it-IT" sz="1400" dirty="0"/>
-              <a:t> </a:t>
-            </a:r>
-            <a:r>
-              <a:rPr lang="it-IT" sz="1400" dirty="0" err="1"/>
-              <a:t>population</a:t>
-            </a:r>
-            <a:r>
-              <a:rPr lang="it-IT" sz="1400" dirty="0"/>
-              <a:t>  </a:t>
-            </a:r>
-            <a:r>
-              <a:rPr lang="it-IT" sz="1400" dirty="0" err="1"/>
-              <a:t>distribution</a:t>
-            </a:r>
-            <a:r>
-              <a:rPr lang="it-IT" sz="1400" dirty="0"/>
-              <a:t> </a:t>
-            </a:r>
-            <a:r>
-              <a:rPr lang="it-IT" sz="1400" dirty="0" err="1"/>
-              <a:t>is</a:t>
-            </a:r>
-            <a:r>
-              <a:rPr lang="it-IT" sz="1400" dirty="0"/>
-              <a:t> </a:t>
-            </a:r>
-            <a:r>
-              <a:rPr lang="it-IT" sz="1400" dirty="0" err="1"/>
-              <a:t>not</a:t>
-            </a:r>
-            <a:r>
-              <a:rPr lang="it-IT" sz="1400" dirty="0"/>
-              <a:t> </a:t>
-            </a:r>
-            <a:r>
-              <a:rPr lang="it-IT" sz="1400" dirty="0" err="1"/>
-              <a:t>normal</a:t>
-            </a:r>
-            <a:r>
-              <a:rPr lang="it-IT" sz="1400" dirty="0"/>
-              <a:t>.</a:t>
-            </a:r>
-            <a:endParaRPr lang="en-GB" sz="1400" dirty="0"/>
-          </a:p>
-        </p:txBody>
-      </p:sp>
-      <p:grpSp>
-        <p:nvGrpSpPr>
-          <p:cNvPr id="11" name="Group 10">
-            <a:extLst>
-              <a:ext uri="{FF2B5EF4-FFF2-40B4-BE49-F238E27FC236}">
-                <a16:creationId xmlns:a16="http://schemas.microsoft.com/office/drawing/2014/main" id="{7AF58E45-A338-DD6C-31A3-CFFC921079B5}"/>
-              </a:ext>
-            </a:extLst>
-          </p:cNvPr>
-          <p:cNvGrpSpPr/>
-          <p:nvPr/>
-        </p:nvGrpSpPr>
-        <p:grpSpPr>
-          <a:xfrm>
-            <a:off x="503853" y="2831271"/>
-            <a:ext cx="11315253" cy="3141512"/>
-            <a:chOff x="243191" y="2785350"/>
-            <a:chExt cx="11575915" cy="3187433"/>
-          </a:xfrm>
-        </p:grpSpPr>
-        <p:grpSp>
-          <p:nvGrpSpPr>
-            <p:cNvPr id="8" name="Group 7">
-              <a:extLst>
-                <a:ext uri="{FF2B5EF4-FFF2-40B4-BE49-F238E27FC236}">
-                  <a16:creationId xmlns:a16="http://schemas.microsoft.com/office/drawing/2014/main" id="{973DDA88-64B8-E172-6E96-DC124733D4AB}"/>
-                </a:ext>
-              </a:extLst>
-            </p:cNvPr>
-            <p:cNvGrpSpPr/>
-            <p:nvPr/>
-          </p:nvGrpSpPr>
-          <p:grpSpPr>
-            <a:xfrm>
-              <a:off x="301996" y="2834700"/>
-              <a:ext cx="11043052" cy="3023354"/>
-              <a:chOff x="301996" y="2834700"/>
-              <a:chExt cx="11043052" cy="3023354"/>
-            </a:xfrm>
-          </p:grpSpPr>
-          <p:sp>
-            <p:nvSpPr>
-              <p:cNvPr id="2" name="TextBox 1">
-                <a:extLst>
-                  <a:ext uri="{FF2B5EF4-FFF2-40B4-BE49-F238E27FC236}">
-                    <a16:creationId xmlns:a16="http://schemas.microsoft.com/office/drawing/2014/main" id="{E1D8BD6E-9E78-0E01-1DE4-C57CC41B2994}"/>
-                  </a:ext>
-                </a:extLst>
-              </p:cNvPr>
-              <p:cNvSpPr txBox="1"/>
-              <p:nvPr/>
-            </p:nvSpPr>
-            <p:spPr>
-              <a:xfrm>
-                <a:off x="1160120" y="2844572"/>
-                <a:ext cx="2216184" cy="461665"/>
-              </a:xfrm>
-              <a:prstGeom prst="rect">
-                <a:avLst/>
-              </a:prstGeom>
-              <a:noFill/>
-            </p:spPr>
-            <p:txBody>
-              <a:bodyPr wrap="none" rtlCol="0">
-                <a:spAutoFit/>
-              </a:bodyPr>
-              <a:lstStyle/>
-              <a:p>
-                <a:r>
-                  <a:rPr lang="it-IT" sz="1200" dirty="0" err="1"/>
-                  <a:t>Population</a:t>
-                </a:r>
-                <a:r>
-                  <a:rPr lang="it-IT" sz="1200" dirty="0"/>
-                  <a:t> with 10000 </a:t>
-                </a:r>
-                <a:r>
-                  <a:rPr lang="it-IT" sz="1200" dirty="0" err="1"/>
-                  <a:t>elements</a:t>
-                </a:r>
-                <a:endParaRPr lang="it-IT" sz="1200" dirty="0"/>
-              </a:p>
-              <a:p>
-                <a:r>
-                  <a:rPr lang="it-IT" sz="1200" dirty="0"/>
-                  <a:t>following </a:t>
-                </a:r>
-                <a:r>
-                  <a:rPr lang="it-IT" sz="1200" dirty="0" err="1"/>
-                  <a:t>uniform</a:t>
-                </a:r>
-                <a:r>
-                  <a:rPr lang="it-IT" sz="1200" dirty="0"/>
-                  <a:t> </a:t>
-                </a:r>
-                <a:r>
-                  <a:rPr lang="it-IT" sz="1200" dirty="0" err="1"/>
-                  <a:t>distribution</a:t>
-                </a:r>
-                <a:endParaRPr lang="en-GB" sz="1200" dirty="0"/>
-              </a:p>
-            </p:txBody>
-          </p:sp>
-          <p:sp>
-            <p:nvSpPr>
-              <p:cNvPr id="3" name="Arrow: Right 2">
-                <a:extLst>
-                  <a:ext uri="{FF2B5EF4-FFF2-40B4-BE49-F238E27FC236}">
-                    <a16:creationId xmlns:a16="http://schemas.microsoft.com/office/drawing/2014/main" id="{FE233351-61F4-E38E-BF09-EF0B6C8B410A}"/>
-                  </a:ext>
-                </a:extLst>
-              </p:cNvPr>
-              <p:cNvSpPr/>
-              <p:nvPr/>
-            </p:nvSpPr>
-            <p:spPr>
-              <a:xfrm>
-                <a:off x="4305300" y="4414126"/>
-                <a:ext cx="3467100" cy="304800"/>
-              </a:xfrm>
-              <a:prstGeom prst="rightArrow">
-                <a:avLst/>
-              </a:prstGeom>
-            </p:spPr>
-            <p:style>
-              <a:lnRef idx="2">
-                <a:schemeClr val="accent1">
-                  <a:shade val="50000"/>
-                </a:schemeClr>
-              </a:lnRef>
-              <a:fillRef idx="1">
-                <a:schemeClr val="accent1"/>
-              </a:fillRef>
-              <a:effectRef idx="0">
-                <a:schemeClr val="accent1"/>
-              </a:effectRef>
-              <a:fontRef idx="minor">
-                <a:schemeClr val="lt1"/>
-              </a:fontRef>
-            </p:style>
-            <p:txBody>
-              <a:bodyPr rtlCol="0" anchor="ctr"/>
-              <a:lstStyle/>
-              <a:p>
-                <a:pPr algn="ctr"/>
-                <a:endParaRPr lang="en-GB"/>
-              </a:p>
-            </p:txBody>
-          </p:sp>
-          <p:sp>
-            <p:nvSpPr>
-              <p:cNvPr id="6" name="TextBox 5">
-                <a:extLst>
-                  <a:ext uri="{FF2B5EF4-FFF2-40B4-BE49-F238E27FC236}">
-                    <a16:creationId xmlns:a16="http://schemas.microsoft.com/office/drawing/2014/main" id="{337DBF21-BCDE-3E29-7695-CB3B3AEC8A1F}"/>
-                  </a:ext>
-                </a:extLst>
-              </p:cNvPr>
-              <p:cNvSpPr txBox="1"/>
-              <p:nvPr/>
-            </p:nvSpPr>
-            <p:spPr>
-              <a:xfrm>
-                <a:off x="4378973" y="3937876"/>
-                <a:ext cx="3098925" cy="461665"/>
-              </a:xfrm>
-              <a:prstGeom prst="rect">
-                <a:avLst/>
-              </a:prstGeom>
-              <a:noFill/>
-            </p:spPr>
-            <p:txBody>
-              <a:bodyPr wrap="none" rtlCol="0">
-                <a:spAutoFit/>
-              </a:bodyPr>
-              <a:lstStyle/>
-              <a:p>
-                <a:r>
-                  <a:rPr lang="it-IT" sz="1200" dirty="0"/>
-                  <a:t>Take 100 samples with a </a:t>
-                </a:r>
-                <a:r>
-                  <a:rPr lang="it-IT" sz="1200" dirty="0" err="1"/>
-                  <a:t>fixed</a:t>
-                </a:r>
-                <a:r>
-                  <a:rPr lang="it-IT" sz="1200" dirty="0"/>
-                  <a:t> size and </a:t>
-                </a:r>
-                <a:r>
-                  <a:rPr lang="it-IT" sz="1200" dirty="0" err="1"/>
-                  <a:t>calulate</a:t>
-                </a:r>
-                <a:endParaRPr lang="it-IT" sz="1200" dirty="0"/>
-              </a:p>
-              <a:p>
-                <a:r>
-                  <a:rPr lang="it-IT" sz="1200" dirty="0"/>
-                  <a:t> the </a:t>
-                </a:r>
-                <a:r>
-                  <a:rPr lang="it-IT" sz="1200" dirty="0" err="1"/>
-                  <a:t>average</a:t>
-                </a:r>
-                <a:r>
-                  <a:rPr lang="it-IT" sz="1200" dirty="0"/>
-                  <a:t> of </a:t>
-                </a:r>
-                <a:r>
-                  <a:rPr lang="it-IT" sz="1200" dirty="0" err="1"/>
-                  <a:t>each</a:t>
-                </a:r>
-                <a:r>
-                  <a:rPr lang="it-IT" sz="1200" dirty="0"/>
-                  <a:t> sample</a:t>
-                </a:r>
-                <a:endParaRPr lang="en-GB" sz="1200" dirty="0"/>
-              </a:p>
-            </p:txBody>
-          </p:sp>
-          <p:sp>
-            <p:nvSpPr>
-              <p:cNvPr id="9" name="TextBox 8">
-                <a:extLst>
-                  <a:ext uri="{FF2B5EF4-FFF2-40B4-BE49-F238E27FC236}">
-                    <a16:creationId xmlns:a16="http://schemas.microsoft.com/office/drawing/2014/main" id="{E44413D1-9AC7-478F-E697-2C3E3D9D116F}"/>
-                  </a:ext>
-                </a:extLst>
-              </p:cNvPr>
-              <p:cNvSpPr txBox="1"/>
-              <p:nvPr/>
-            </p:nvSpPr>
-            <p:spPr>
-              <a:xfrm>
-                <a:off x="8246123" y="2834700"/>
-                <a:ext cx="3098925" cy="461665"/>
-              </a:xfrm>
-              <a:prstGeom prst="rect">
-                <a:avLst/>
-              </a:prstGeom>
-              <a:noFill/>
-            </p:spPr>
-            <p:txBody>
-              <a:bodyPr wrap="none" rtlCol="0">
-                <a:spAutoFit/>
-              </a:bodyPr>
-              <a:lstStyle/>
-              <a:p>
-                <a:r>
-                  <a:rPr lang="it-IT" sz="1200" dirty="0"/>
-                  <a:t>Take 100 samples with a </a:t>
-                </a:r>
-                <a:r>
-                  <a:rPr lang="it-IT" sz="1200" dirty="0" err="1"/>
-                  <a:t>fixed</a:t>
-                </a:r>
-                <a:r>
-                  <a:rPr lang="it-IT" sz="1200" dirty="0"/>
-                  <a:t> size and </a:t>
-                </a:r>
-                <a:r>
-                  <a:rPr lang="it-IT" sz="1200" dirty="0" err="1"/>
-                  <a:t>calulate</a:t>
-                </a:r>
-                <a:endParaRPr lang="it-IT" sz="1200" dirty="0"/>
-              </a:p>
-              <a:p>
-                <a:r>
-                  <a:rPr lang="it-IT" sz="1200" dirty="0"/>
-                  <a:t> the </a:t>
-                </a:r>
-                <a:r>
-                  <a:rPr lang="it-IT" sz="1200" dirty="0" err="1"/>
-                  <a:t>average</a:t>
-                </a:r>
-                <a:r>
-                  <a:rPr lang="it-IT" sz="1200" dirty="0"/>
-                  <a:t> of </a:t>
-                </a:r>
-                <a:r>
-                  <a:rPr lang="it-IT" sz="1200" dirty="0" err="1"/>
-                  <a:t>each</a:t>
-                </a:r>
-                <a:r>
-                  <a:rPr lang="it-IT" sz="1200" dirty="0"/>
-                  <a:t> sample</a:t>
-                </a:r>
-                <a:endParaRPr lang="en-GB" sz="1200" dirty="0"/>
-              </a:p>
-            </p:txBody>
-          </p:sp>
-          <p:pic>
-            <p:nvPicPr>
-              <p:cNvPr id="14342" name="Picture 6">
-                <a:extLst>
-                  <a:ext uri="{FF2B5EF4-FFF2-40B4-BE49-F238E27FC236}">
-                    <a16:creationId xmlns:a16="http://schemas.microsoft.com/office/drawing/2014/main" id="{19251B3B-60C3-E7A1-2628-23D13CA5DC81}"/>
-                  </a:ext>
-                </a:extLst>
-              </p:cNvPr>
-              <p:cNvPicPr>
-                <a:picLocks noChangeAspect="1" noChangeArrowheads="1"/>
-              </p:cNvPicPr>
-              <p:nvPr/>
-            </p:nvPicPr>
-            <p:blipFill>
-              <a:blip r:embed="rId2">
-                <a:extLst>
-                  <a:ext uri="{28A0092B-C50C-407E-A947-70E740481C1C}">
-                    <a14:useLocalDpi xmlns:a14="http://schemas.microsoft.com/office/drawing/2010/main" val="0"/>
-                  </a:ext>
-                </a:extLst>
-              </a:blip>
-              <a:srcRect/>
-              <a:stretch>
-                <a:fillRect/>
-              </a:stretch>
-            </p:blipFill>
-            <p:spPr bwMode="auto">
-              <a:xfrm>
-                <a:off x="301996" y="3373700"/>
-                <a:ext cx="3816689" cy="2484354"/>
-              </a:xfrm>
-              <a:prstGeom prst="rect">
-                <a:avLst/>
-              </a:prstGeom>
-              <a:noFill/>
-              <a:extLst>
-                <a:ext uri="{909E8E84-426E-40DD-AFC4-6F175D3DCCD1}">
-                  <a14:hiddenFill xmlns:a14="http://schemas.microsoft.com/office/drawing/2010/main">
-                    <a:solidFill>
-                      <a:srgbClr val="FFFFFF"/>
-                    </a:solidFill>
-                  </a14:hiddenFill>
-                </a:ext>
-              </a:extLst>
-            </p:spPr>
-          </p:pic>
-        </p:grpSp>
-        <p:sp>
-          <p:nvSpPr>
-            <p:cNvPr id="10" name="Rectangle 9">
-              <a:extLst>
-                <a:ext uri="{FF2B5EF4-FFF2-40B4-BE49-F238E27FC236}">
-                  <a16:creationId xmlns:a16="http://schemas.microsoft.com/office/drawing/2014/main" id="{B351C8E0-465F-0A1E-F251-F660A94D5A74}"/>
-                </a:ext>
-              </a:extLst>
-            </p:cNvPr>
-            <p:cNvSpPr/>
-            <p:nvPr/>
-          </p:nvSpPr>
-          <p:spPr>
-            <a:xfrm>
-              <a:off x="243191" y="2785350"/>
-              <a:ext cx="11575915" cy="3187433"/>
-            </a:xfrm>
-            <a:prstGeom prst="rect">
-              <a:avLst/>
-            </a:prstGeom>
-            <a:noFill/>
-          </p:spPr>
-          <p:style>
-            <a:lnRef idx="2">
-              <a:schemeClr val="accent1">
-                <a:shade val="50000"/>
-              </a:schemeClr>
-            </a:lnRef>
-            <a:fillRef idx="1">
-              <a:schemeClr val="accent1"/>
-            </a:fillRef>
-            <a:effectRef idx="0">
-              <a:schemeClr val="accent1"/>
-            </a:effectRef>
-            <a:fontRef idx="minor">
-              <a:schemeClr val="lt1"/>
-            </a:fontRef>
-          </p:style>
-          <p:txBody>
-            <a:bodyPr rtlCol="0" anchor="ctr"/>
-            <a:lstStyle/>
-            <a:p>
-              <a:pPr algn="ctr"/>
-              <a:endParaRPr lang="en-GB"/>
-            </a:p>
-          </p:txBody>
-        </p:sp>
-      </p:grpSp>
-      <p:pic>
-        <p:nvPicPr>
-          <p:cNvPr id="14344" name="Picture 8">
-            <a:extLst>
-              <a:ext uri="{FF2B5EF4-FFF2-40B4-BE49-F238E27FC236}">
-                <a16:creationId xmlns:a16="http://schemas.microsoft.com/office/drawing/2014/main" id="{1D8F1E90-0ADE-026E-0493-157731D110E9}"/>
+                <a16:creationId xmlns:a16="http://schemas.microsoft.com/office/drawing/2014/main" id="{8C9BBFDA-0641-26EE-AF92-8274B5BE2DF3}"/>
               </a:ext>
             </a:extLst>
           </p:cNvPr>
@@ -10690,7 +9934,7 @@
           <p:nvPr/>
         </p:nvPicPr>
         <p:blipFill>
-          <a:blip r:embed="rId3">
+          <a:blip r:embed="rId2">
             <a:extLst>
               <a:ext uri="{28A0092B-C50C-407E-A947-70E740481C1C}">
                 <a14:useLocalDpi xmlns:a14="http://schemas.microsoft.com/office/drawing/2010/main" val="0"/>
@@ -10704,8 +9948,8 @@
         </p:blipFill>
         <p:spPr bwMode="auto">
           <a:xfrm>
-            <a:off x="8117949" y="3454326"/>
-            <a:ext cx="3505200" cy="2362200"/>
+            <a:off x="812065" y="2521237"/>
+            <a:ext cx="5606318" cy="3747079"/>
           </a:xfrm>
           <a:prstGeom prst="rect">
             <a:avLst/>
@@ -10722,10 +9966,40 @@
           </a:extLst>
         </p:spPr>
       </p:pic>
+      <p:pic>
+        <p:nvPicPr>
+          <p:cNvPr id="5" name="Picture 4">
+            <a:extLst>
+              <a:ext uri="{FF2B5EF4-FFF2-40B4-BE49-F238E27FC236}">
+                <a16:creationId xmlns:a16="http://schemas.microsoft.com/office/drawing/2014/main" id="{DD018E26-4685-4F7E-9D58-FB0DA7306EAA}"/>
+              </a:ext>
+            </a:extLst>
+          </p:cNvPr>
+          <p:cNvPicPr>
+            <a:picLocks noChangeAspect="1"/>
+          </p:cNvPicPr>
+          <p:nvPr/>
+        </p:nvPicPr>
+        <p:blipFill>
+          <a:blip r:embed="rId3"/>
+          <a:stretch>
+            <a:fillRect/>
+          </a:stretch>
+        </p:blipFill>
+        <p:spPr>
+          <a:xfrm>
+            <a:off x="7587762" y="1257301"/>
+            <a:ext cx="3855560" cy="5484202"/>
+          </a:xfrm>
+          <a:prstGeom prst="rect">
+            <a:avLst/>
+          </a:prstGeom>
+        </p:spPr>
+      </p:pic>
     </p:spTree>
     <p:extLst>
       <p:ext uri="{BB962C8B-B14F-4D97-AF65-F5344CB8AC3E}">
-        <p14:creationId xmlns:p14="http://schemas.microsoft.com/office/powerpoint/2010/main" val="3363913124"/>
+        <p14:creationId xmlns:p14="http://schemas.microsoft.com/office/powerpoint/2010/main" val="2285416668"/>
       </p:ext>
     </p:extLst>
   </p:cSld>
@@ -13080,6 +12354,2109 @@
           <a:chExt cx="0" cy="0"/>
         </a:xfrm>
       </p:grpSpPr>
+      <p:sp>
+        <p:nvSpPr>
+          <p:cNvPr id="4" name="TextBox 3">
+            <a:extLst>
+              <a:ext uri="{FF2B5EF4-FFF2-40B4-BE49-F238E27FC236}">
+                <a16:creationId xmlns:a16="http://schemas.microsoft.com/office/drawing/2014/main" id="{5BC546FC-3FA5-F4A7-9137-68D234C6086A}"/>
+              </a:ext>
+            </a:extLst>
+          </p:cNvPr>
+          <p:cNvSpPr txBox="1"/>
+          <p:nvPr/>
+        </p:nvSpPr>
+        <p:spPr>
+          <a:xfrm>
+            <a:off x="503853" y="531845"/>
+            <a:ext cx="11243388" cy="461665"/>
+          </a:xfrm>
+          <a:prstGeom prst="rect">
+            <a:avLst/>
+          </a:prstGeom>
+          <a:noFill/>
+        </p:spPr>
+        <p:txBody>
+          <a:bodyPr wrap="square" rtlCol="0">
+            <a:spAutoFit/>
+          </a:bodyPr>
+          <a:lstStyle/>
+          <a:p>
+            <a:r>
+              <a:rPr lang="en-GB" sz="2400" b="1" dirty="0"/>
+              <a:t>z-score or t-score?</a:t>
+            </a:r>
+          </a:p>
+        </p:txBody>
+      </p:sp>
+      <p:sp>
+        <p:nvSpPr>
+          <p:cNvPr id="7" name="TextBox 6">
+            <a:extLst>
+              <a:ext uri="{FF2B5EF4-FFF2-40B4-BE49-F238E27FC236}">
+                <a16:creationId xmlns:a16="http://schemas.microsoft.com/office/drawing/2014/main" id="{887EADBB-8312-99F9-0B92-BBDFEE8263B0}"/>
+              </a:ext>
+            </a:extLst>
+          </p:cNvPr>
+          <p:cNvSpPr txBox="1"/>
+          <p:nvPr/>
+        </p:nvSpPr>
+        <p:spPr>
+          <a:xfrm>
+            <a:off x="3692770" y="1714500"/>
+            <a:ext cx="4232890" cy="369332"/>
+          </a:xfrm>
+          <a:prstGeom prst="rect">
+            <a:avLst/>
+          </a:prstGeom>
+          <a:noFill/>
+          <a:ln>
+            <a:solidFill>
+              <a:schemeClr val="tx1"/>
+            </a:solidFill>
+          </a:ln>
+        </p:spPr>
+        <p:txBody>
+          <a:bodyPr wrap="square" rtlCol="0">
+            <a:spAutoFit/>
+          </a:bodyPr>
+          <a:lstStyle/>
+          <a:p>
+            <a:r>
+              <a:rPr lang="en-GB" dirty="0"/>
+              <a:t>Do you know the population standard dev?</a:t>
+            </a:r>
+          </a:p>
+        </p:txBody>
+      </p:sp>
+      <p:sp>
+        <p:nvSpPr>
+          <p:cNvPr id="8" name="TextBox 7">
+            <a:extLst>
+              <a:ext uri="{FF2B5EF4-FFF2-40B4-BE49-F238E27FC236}">
+                <a16:creationId xmlns:a16="http://schemas.microsoft.com/office/drawing/2014/main" id="{A4C58ECF-77FB-4BC7-B579-3CBEE748D93D}"/>
+              </a:ext>
+            </a:extLst>
+          </p:cNvPr>
+          <p:cNvSpPr txBox="1"/>
+          <p:nvPr/>
+        </p:nvSpPr>
+        <p:spPr>
+          <a:xfrm>
+            <a:off x="1793631" y="3042166"/>
+            <a:ext cx="2841996" cy="369332"/>
+          </a:xfrm>
+          <a:prstGeom prst="rect">
+            <a:avLst/>
+          </a:prstGeom>
+          <a:noFill/>
+          <a:ln>
+            <a:solidFill>
+              <a:schemeClr val="tx1"/>
+            </a:solidFill>
+          </a:ln>
+        </p:spPr>
+        <p:txBody>
+          <a:bodyPr wrap="none" rtlCol="0">
+            <a:spAutoFit/>
+          </a:bodyPr>
+          <a:lstStyle/>
+          <a:p>
+            <a:r>
+              <a:rPr lang="en-GB" dirty="0"/>
+              <a:t>Is the sample size above 30?</a:t>
+            </a:r>
+          </a:p>
+        </p:txBody>
+      </p:sp>
+      <p:sp>
+        <p:nvSpPr>
+          <p:cNvPr id="9" name="TextBox 8">
+            <a:extLst>
+              <a:ext uri="{FF2B5EF4-FFF2-40B4-BE49-F238E27FC236}">
+                <a16:creationId xmlns:a16="http://schemas.microsoft.com/office/drawing/2014/main" id="{14D0045A-D94E-0824-5EFD-1ACDB7AC0F8A}"/>
+              </a:ext>
+            </a:extLst>
+          </p:cNvPr>
+          <p:cNvSpPr txBox="1"/>
+          <p:nvPr/>
+        </p:nvSpPr>
+        <p:spPr>
+          <a:xfrm>
+            <a:off x="7925660" y="3042166"/>
+            <a:ext cx="1237711" cy="369332"/>
+          </a:xfrm>
+          <a:prstGeom prst="rect">
+            <a:avLst/>
+          </a:prstGeom>
+          <a:noFill/>
+          <a:ln>
+            <a:solidFill>
+              <a:schemeClr val="tx1"/>
+            </a:solidFill>
+          </a:ln>
+        </p:spPr>
+        <p:txBody>
+          <a:bodyPr wrap="none" rtlCol="0">
+            <a:spAutoFit/>
+          </a:bodyPr>
+          <a:lstStyle/>
+          <a:p>
+            <a:r>
+              <a:rPr lang="en-GB" dirty="0"/>
+              <a:t>Use t-score</a:t>
+            </a:r>
+          </a:p>
+        </p:txBody>
+      </p:sp>
+      <p:sp>
+        <p:nvSpPr>
+          <p:cNvPr id="10" name="TextBox 9">
+            <a:extLst>
+              <a:ext uri="{FF2B5EF4-FFF2-40B4-BE49-F238E27FC236}">
+                <a16:creationId xmlns:a16="http://schemas.microsoft.com/office/drawing/2014/main" id="{A70A0001-0725-0BE2-6B58-B8B499258243}"/>
+              </a:ext>
+            </a:extLst>
+          </p:cNvPr>
+          <p:cNvSpPr txBox="1"/>
+          <p:nvPr/>
+        </p:nvSpPr>
+        <p:spPr>
+          <a:xfrm>
+            <a:off x="1359414" y="4484104"/>
+            <a:ext cx="1252138" cy="369332"/>
+          </a:xfrm>
+          <a:prstGeom prst="rect">
+            <a:avLst/>
+          </a:prstGeom>
+          <a:noFill/>
+          <a:ln>
+            <a:solidFill>
+              <a:schemeClr val="tx1"/>
+            </a:solidFill>
+          </a:ln>
+        </p:spPr>
+        <p:txBody>
+          <a:bodyPr wrap="none" rtlCol="0">
+            <a:spAutoFit/>
+          </a:bodyPr>
+          <a:lstStyle/>
+          <a:p>
+            <a:r>
+              <a:rPr lang="en-GB" dirty="0"/>
+              <a:t>Use z-score</a:t>
+            </a:r>
+          </a:p>
+        </p:txBody>
+      </p:sp>
+      <p:sp>
+        <p:nvSpPr>
+          <p:cNvPr id="11" name="TextBox 10">
+            <a:extLst>
+              <a:ext uri="{FF2B5EF4-FFF2-40B4-BE49-F238E27FC236}">
+                <a16:creationId xmlns:a16="http://schemas.microsoft.com/office/drawing/2014/main" id="{18CBAAB0-BE5D-24A2-E4CA-0B2B9A34B75B}"/>
+              </a:ext>
+            </a:extLst>
+          </p:cNvPr>
+          <p:cNvSpPr txBox="1"/>
+          <p:nvPr/>
+        </p:nvSpPr>
+        <p:spPr>
+          <a:xfrm>
+            <a:off x="3539907" y="4484104"/>
+            <a:ext cx="1237711" cy="369332"/>
+          </a:xfrm>
+          <a:prstGeom prst="rect">
+            <a:avLst/>
+          </a:prstGeom>
+          <a:noFill/>
+          <a:ln>
+            <a:solidFill>
+              <a:schemeClr val="tx1"/>
+            </a:solidFill>
+          </a:ln>
+        </p:spPr>
+        <p:txBody>
+          <a:bodyPr wrap="none" rtlCol="0">
+            <a:spAutoFit/>
+          </a:bodyPr>
+          <a:lstStyle/>
+          <a:p>
+            <a:r>
+              <a:rPr lang="en-GB" dirty="0"/>
+              <a:t>Use t-score</a:t>
+            </a:r>
+          </a:p>
+        </p:txBody>
+      </p:sp>
+      <p:cxnSp>
+        <p:nvCxnSpPr>
+          <p:cNvPr id="14" name="Straight Arrow Connector 13">
+            <a:extLst>
+              <a:ext uri="{FF2B5EF4-FFF2-40B4-BE49-F238E27FC236}">
+                <a16:creationId xmlns:a16="http://schemas.microsoft.com/office/drawing/2014/main" id="{ED3C86DC-8A66-F6E8-89E2-635EC841D919}"/>
+              </a:ext>
+            </a:extLst>
+          </p:cNvPr>
+          <p:cNvCxnSpPr/>
+          <p:nvPr/>
+        </p:nvCxnSpPr>
+        <p:spPr>
+          <a:xfrm flipH="1">
+            <a:off x="3780693" y="2083832"/>
+            <a:ext cx="633046" cy="958334"/>
+          </a:xfrm>
+          <a:prstGeom prst="straightConnector1">
+            <a:avLst/>
+          </a:prstGeom>
+          <a:ln>
+            <a:solidFill>
+              <a:schemeClr val="tx1"/>
+            </a:solidFill>
+            <a:tailEnd type="triangle"/>
+          </a:ln>
+        </p:spPr>
+        <p:style>
+          <a:lnRef idx="1">
+            <a:schemeClr val="accent1"/>
+          </a:lnRef>
+          <a:fillRef idx="0">
+            <a:schemeClr val="accent1"/>
+          </a:fillRef>
+          <a:effectRef idx="0">
+            <a:schemeClr val="accent1"/>
+          </a:effectRef>
+          <a:fontRef idx="minor">
+            <a:schemeClr val="tx1"/>
+          </a:fontRef>
+        </p:style>
+      </p:cxnSp>
+      <p:cxnSp>
+        <p:nvCxnSpPr>
+          <p:cNvPr id="15" name="Straight Arrow Connector 14">
+            <a:extLst>
+              <a:ext uri="{FF2B5EF4-FFF2-40B4-BE49-F238E27FC236}">
+                <a16:creationId xmlns:a16="http://schemas.microsoft.com/office/drawing/2014/main" id="{D1DE622D-E345-8B76-B84E-4DA09D0D7BFB}"/>
+              </a:ext>
+            </a:extLst>
+          </p:cNvPr>
+          <p:cNvCxnSpPr>
+            <a:cxnSpLocks/>
+          </p:cNvCxnSpPr>
+          <p:nvPr/>
+        </p:nvCxnSpPr>
+        <p:spPr>
+          <a:xfrm>
+            <a:off x="7228044" y="2083832"/>
+            <a:ext cx="1025005" cy="958334"/>
+          </a:xfrm>
+          <a:prstGeom prst="straightConnector1">
+            <a:avLst/>
+          </a:prstGeom>
+          <a:ln>
+            <a:solidFill>
+              <a:schemeClr val="tx1"/>
+            </a:solidFill>
+            <a:tailEnd type="triangle"/>
+          </a:ln>
+        </p:spPr>
+        <p:style>
+          <a:lnRef idx="1">
+            <a:schemeClr val="accent1"/>
+          </a:lnRef>
+          <a:fillRef idx="0">
+            <a:schemeClr val="accent1"/>
+          </a:fillRef>
+          <a:effectRef idx="0">
+            <a:schemeClr val="accent1"/>
+          </a:effectRef>
+          <a:fontRef idx="minor">
+            <a:schemeClr val="tx1"/>
+          </a:fontRef>
+        </p:style>
+      </p:cxnSp>
+      <p:cxnSp>
+        <p:nvCxnSpPr>
+          <p:cNvPr id="17" name="Straight Arrow Connector 16">
+            <a:extLst>
+              <a:ext uri="{FF2B5EF4-FFF2-40B4-BE49-F238E27FC236}">
+                <a16:creationId xmlns:a16="http://schemas.microsoft.com/office/drawing/2014/main" id="{C6562C8F-A7B4-9174-BC59-74DB4C16430D}"/>
+              </a:ext>
+            </a:extLst>
+          </p:cNvPr>
+          <p:cNvCxnSpPr>
+            <a:cxnSpLocks/>
+          </p:cNvCxnSpPr>
+          <p:nvPr/>
+        </p:nvCxnSpPr>
+        <p:spPr>
+          <a:xfrm flipH="1">
+            <a:off x="2136531" y="3420318"/>
+            <a:ext cx="633046" cy="1063786"/>
+          </a:xfrm>
+          <a:prstGeom prst="straightConnector1">
+            <a:avLst/>
+          </a:prstGeom>
+          <a:ln>
+            <a:solidFill>
+              <a:schemeClr val="tx1"/>
+            </a:solidFill>
+            <a:tailEnd type="triangle"/>
+          </a:ln>
+        </p:spPr>
+        <p:style>
+          <a:lnRef idx="1">
+            <a:schemeClr val="accent1"/>
+          </a:lnRef>
+          <a:fillRef idx="0">
+            <a:schemeClr val="accent1"/>
+          </a:fillRef>
+          <a:effectRef idx="0">
+            <a:schemeClr val="accent1"/>
+          </a:effectRef>
+          <a:fontRef idx="minor">
+            <a:schemeClr val="tx1"/>
+          </a:fontRef>
+        </p:style>
+      </p:cxnSp>
+      <p:cxnSp>
+        <p:nvCxnSpPr>
+          <p:cNvPr id="19" name="Straight Arrow Connector 18">
+            <a:extLst>
+              <a:ext uri="{FF2B5EF4-FFF2-40B4-BE49-F238E27FC236}">
+                <a16:creationId xmlns:a16="http://schemas.microsoft.com/office/drawing/2014/main" id="{96119A78-91F1-283F-F39A-95BA4C1DBF1C}"/>
+              </a:ext>
+            </a:extLst>
+          </p:cNvPr>
+          <p:cNvCxnSpPr>
+            <a:cxnSpLocks/>
+          </p:cNvCxnSpPr>
+          <p:nvPr/>
+        </p:nvCxnSpPr>
+        <p:spPr>
+          <a:xfrm>
+            <a:off x="3608241" y="3418126"/>
+            <a:ext cx="550522" cy="1065978"/>
+          </a:xfrm>
+          <a:prstGeom prst="straightConnector1">
+            <a:avLst/>
+          </a:prstGeom>
+          <a:ln>
+            <a:solidFill>
+              <a:schemeClr val="tx1"/>
+            </a:solidFill>
+            <a:tailEnd type="triangle"/>
+          </a:ln>
+        </p:spPr>
+        <p:style>
+          <a:lnRef idx="1">
+            <a:schemeClr val="accent1"/>
+          </a:lnRef>
+          <a:fillRef idx="0">
+            <a:schemeClr val="accent1"/>
+          </a:fillRef>
+          <a:effectRef idx="0">
+            <a:schemeClr val="accent1"/>
+          </a:effectRef>
+          <a:fontRef idx="minor">
+            <a:schemeClr val="tx1"/>
+          </a:fontRef>
+        </p:style>
+      </p:cxnSp>
+      <p:sp>
+        <p:nvSpPr>
+          <p:cNvPr id="24" name="TextBox 23">
+            <a:extLst>
+              <a:ext uri="{FF2B5EF4-FFF2-40B4-BE49-F238E27FC236}">
+                <a16:creationId xmlns:a16="http://schemas.microsoft.com/office/drawing/2014/main" id="{5836C3E0-ACE5-6539-E188-E6D42A8328CC}"/>
+              </a:ext>
+            </a:extLst>
+          </p:cNvPr>
+          <p:cNvSpPr txBox="1"/>
+          <p:nvPr/>
+        </p:nvSpPr>
+        <p:spPr>
+          <a:xfrm>
+            <a:off x="8015975" y="5020408"/>
+            <a:ext cx="2294792" cy="646331"/>
+          </a:xfrm>
+          <a:prstGeom prst="rect">
+            <a:avLst/>
+          </a:prstGeom>
+          <a:noFill/>
+          <a:ln>
+            <a:solidFill>
+              <a:srgbClr val="92D050"/>
+            </a:solidFill>
+          </a:ln>
+        </p:spPr>
+        <p:txBody>
+          <a:bodyPr wrap="square" rtlCol="0">
+            <a:spAutoFit/>
+          </a:bodyPr>
+          <a:lstStyle/>
+          <a:p>
+            <a:r>
+              <a:rPr lang="en-GB" dirty="0"/>
+              <a:t>If sample size n &gt; 30 </a:t>
+            </a:r>
+            <a:r>
+              <a:rPr lang="en-GB" dirty="0">
+                <a:sym typeface="Wingdings" panose="05000000000000000000" pitchFamily="2" charset="2"/>
+              </a:rPr>
+              <a:t> </a:t>
+            </a:r>
+            <a:r>
+              <a:rPr lang="en-GB" dirty="0"/>
+              <a:t>t-score ~ z-score</a:t>
+            </a:r>
+          </a:p>
+        </p:txBody>
+      </p:sp>
+      <p:sp>
+        <p:nvSpPr>
+          <p:cNvPr id="25" name="TextBox 24">
+            <a:extLst>
+              <a:ext uri="{FF2B5EF4-FFF2-40B4-BE49-F238E27FC236}">
+                <a16:creationId xmlns:a16="http://schemas.microsoft.com/office/drawing/2014/main" id="{9D4231A4-C66F-F699-E416-CD0EF87E7417}"/>
+              </a:ext>
+            </a:extLst>
+          </p:cNvPr>
+          <p:cNvSpPr txBox="1"/>
+          <p:nvPr/>
+        </p:nvSpPr>
+        <p:spPr>
+          <a:xfrm>
+            <a:off x="3558805" y="2369475"/>
+            <a:ext cx="491225" cy="369332"/>
+          </a:xfrm>
+          <a:prstGeom prst="rect">
+            <a:avLst/>
+          </a:prstGeom>
+          <a:noFill/>
+        </p:spPr>
+        <p:txBody>
+          <a:bodyPr wrap="none" rtlCol="0">
+            <a:spAutoFit/>
+          </a:bodyPr>
+          <a:lstStyle/>
+          <a:p>
+            <a:r>
+              <a:rPr lang="en-GB" dirty="0"/>
+              <a:t>yes</a:t>
+            </a:r>
+          </a:p>
+        </p:txBody>
+      </p:sp>
+      <p:sp>
+        <p:nvSpPr>
+          <p:cNvPr id="26" name="TextBox 25">
+            <a:extLst>
+              <a:ext uri="{FF2B5EF4-FFF2-40B4-BE49-F238E27FC236}">
+                <a16:creationId xmlns:a16="http://schemas.microsoft.com/office/drawing/2014/main" id="{163B746C-D014-C068-7B47-D6A59790BB6F}"/>
+              </a:ext>
+            </a:extLst>
+          </p:cNvPr>
+          <p:cNvSpPr txBox="1"/>
+          <p:nvPr/>
+        </p:nvSpPr>
+        <p:spPr>
+          <a:xfrm>
+            <a:off x="1816615" y="3763135"/>
+            <a:ext cx="491225" cy="369332"/>
+          </a:xfrm>
+          <a:prstGeom prst="rect">
+            <a:avLst/>
+          </a:prstGeom>
+          <a:noFill/>
+        </p:spPr>
+        <p:txBody>
+          <a:bodyPr wrap="none" rtlCol="0">
+            <a:spAutoFit/>
+          </a:bodyPr>
+          <a:lstStyle/>
+          <a:p>
+            <a:r>
+              <a:rPr lang="en-GB" dirty="0"/>
+              <a:t>yes</a:t>
+            </a:r>
+          </a:p>
+        </p:txBody>
+      </p:sp>
+      <p:sp>
+        <p:nvSpPr>
+          <p:cNvPr id="27" name="TextBox 26">
+            <a:extLst>
+              <a:ext uri="{FF2B5EF4-FFF2-40B4-BE49-F238E27FC236}">
+                <a16:creationId xmlns:a16="http://schemas.microsoft.com/office/drawing/2014/main" id="{1C2FE88E-4836-B03E-240F-C4F5C28943AD}"/>
+              </a:ext>
+            </a:extLst>
+          </p:cNvPr>
+          <p:cNvSpPr txBox="1"/>
+          <p:nvPr/>
+        </p:nvSpPr>
+        <p:spPr>
+          <a:xfrm>
+            <a:off x="3947312" y="3631168"/>
+            <a:ext cx="428322" cy="369332"/>
+          </a:xfrm>
+          <a:prstGeom prst="rect">
+            <a:avLst/>
+          </a:prstGeom>
+          <a:noFill/>
+        </p:spPr>
+        <p:txBody>
+          <a:bodyPr wrap="none" rtlCol="0">
+            <a:spAutoFit/>
+          </a:bodyPr>
+          <a:lstStyle/>
+          <a:p>
+            <a:r>
+              <a:rPr lang="en-GB" dirty="0"/>
+              <a:t>no</a:t>
+            </a:r>
+          </a:p>
+        </p:txBody>
+      </p:sp>
+      <p:sp>
+        <p:nvSpPr>
+          <p:cNvPr id="28" name="TextBox 27">
+            <a:extLst>
+              <a:ext uri="{FF2B5EF4-FFF2-40B4-BE49-F238E27FC236}">
+                <a16:creationId xmlns:a16="http://schemas.microsoft.com/office/drawing/2014/main" id="{03FCD6DC-A9DB-4AE3-B37B-806F8572BBE2}"/>
+              </a:ext>
+            </a:extLst>
+          </p:cNvPr>
+          <p:cNvSpPr txBox="1"/>
+          <p:nvPr/>
+        </p:nvSpPr>
+        <p:spPr>
+          <a:xfrm>
+            <a:off x="7770617" y="2268498"/>
+            <a:ext cx="428322" cy="369332"/>
+          </a:xfrm>
+          <a:prstGeom prst="rect">
+            <a:avLst/>
+          </a:prstGeom>
+          <a:noFill/>
+        </p:spPr>
+        <p:txBody>
+          <a:bodyPr wrap="none" rtlCol="0">
+            <a:spAutoFit/>
+          </a:bodyPr>
+          <a:lstStyle/>
+          <a:p>
+            <a:r>
+              <a:rPr lang="en-GB" dirty="0"/>
+              <a:t>no</a:t>
+            </a:r>
+          </a:p>
+        </p:txBody>
+      </p:sp>
+    </p:spTree>
+    <p:extLst>
+      <p:ext uri="{BB962C8B-B14F-4D97-AF65-F5344CB8AC3E}">
+        <p14:creationId xmlns:p14="http://schemas.microsoft.com/office/powerpoint/2010/main" val="379105158"/>
+      </p:ext>
+    </p:extLst>
+  </p:cSld>
+  <p:clrMapOvr>
+    <a:masterClrMapping/>
+  </p:clrMapOvr>
+</p:sld>
+</file>
+
+<file path=ppt/slides/slide21.xml><?xml version="1.0" encoding="utf-8"?>
+<p:sld xmlns:a="http://schemas.openxmlformats.org/drawingml/2006/main" xmlns:r="http://schemas.openxmlformats.org/officeDocument/2006/relationships" xmlns:p="http://schemas.openxmlformats.org/presentationml/2006/main">
+  <p:cSld>
+    <p:spTree>
+      <p:nvGrpSpPr>
+        <p:cNvPr id="1" name=""/>
+        <p:cNvGrpSpPr/>
+        <p:nvPr/>
+      </p:nvGrpSpPr>
+      <p:grpSpPr>
+        <a:xfrm>
+          <a:off x="0" y="0"/>
+          <a:ext cx="0" cy="0"/>
+          <a:chOff x="0" y="0"/>
+          <a:chExt cx="0" cy="0"/>
+        </a:xfrm>
+      </p:grpSpPr>
+      <p:sp>
+        <p:nvSpPr>
+          <p:cNvPr id="5" name="TextBox 4">
+            <a:extLst>
+              <a:ext uri="{FF2B5EF4-FFF2-40B4-BE49-F238E27FC236}">
+                <a16:creationId xmlns:a16="http://schemas.microsoft.com/office/drawing/2014/main" id="{A02E911C-7854-C731-8689-B7F077F504E5}"/>
+              </a:ext>
+            </a:extLst>
+          </p:cNvPr>
+          <p:cNvSpPr txBox="1"/>
+          <p:nvPr/>
+        </p:nvSpPr>
+        <p:spPr>
+          <a:xfrm>
+            <a:off x="503853" y="531845"/>
+            <a:ext cx="11243388" cy="1661993"/>
+          </a:xfrm>
+          <a:prstGeom prst="rect">
+            <a:avLst/>
+          </a:prstGeom>
+          <a:noFill/>
+        </p:spPr>
+        <p:txBody>
+          <a:bodyPr wrap="square" rtlCol="0">
+            <a:spAutoFit/>
+          </a:bodyPr>
+          <a:lstStyle/>
+          <a:p>
+            <a:r>
+              <a:rPr lang="en-GB" sz="2400" b="1" dirty="0"/>
+              <a:t>Confidence interval and confidence level</a:t>
+            </a:r>
+          </a:p>
+          <a:p>
+            <a:endParaRPr lang="en-GB" sz="2400" b="1" dirty="0"/>
+          </a:p>
+          <a:p>
+            <a:r>
+              <a:rPr lang="it-IT" sz="1800" b="1" dirty="0"/>
+              <a:t>Confidence </a:t>
+            </a:r>
+            <a:r>
+              <a:rPr lang="it-IT" sz="1800" b="1" dirty="0" err="1"/>
+              <a:t>interval</a:t>
+            </a:r>
+            <a:r>
+              <a:rPr lang="it-IT" sz="1800" dirty="0"/>
+              <a:t> </a:t>
+            </a:r>
+            <a:r>
+              <a:rPr lang="it-IT" sz="1800" dirty="0" err="1"/>
+              <a:t>provides</a:t>
+            </a:r>
+            <a:r>
+              <a:rPr lang="it-IT" sz="1800" dirty="0"/>
+              <a:t> a range </a:t>
+            </a:r>
+            <a:r>
+              <a:rPr lang="it-IT" sz="1800" dirty="0" err="1"/>
+              <a:t>that</a:t>
+            </a:r>
+            <a:r>
+              <a:rPr lang="it-IT" sz="1800" dirty="0"/>
+              <a:t> </a:t>
+            </a:r>
+            <a:r>
+              <a:rPr lang="it-IT" sz="1800" dirty="0" err="1"/>
+              <a:t>is</a:t>
+            </a:r>
+            <a:r>
+              <a:rPr lang="it-IT" sz="1800" dirty="0"/>
+              <a:t> </a:t>
+            </a:r>
+            <a:r>
+              <a:rPr lang="it-IT" sz="1800" dirty="0" err="1"/>
+              <a:t>likely</a:t>
+            </a:r>
+            <a:r>
+              <a:rPr lang="it-IT" sz="1800" dirty="0"/>
+              <a:t> to </a:t>
+            </a:r>
+            <a:r>
+              <a:rPr lang="it-IT" sz="1800" dirty="0" err="1"/>
+              <a:t>contain</a:t>
+            </a:r>
+            <a:r>
+              <a:rPr lang="it-IT" dirty="0"/>
+              <a:t> </a:t>
+            </a:r>
+            <a:r>
+              <a:rPr lang="it-IT" sz="1800" dirty="0"/>
+              <a:t>the </a:t>
+            </a:r>
+            <a:r>
+              <a:rPr lang="it-IT" sz="1800" dirty="0" err="1"/>
+              <a:t>unknown</a:t>
+            </a:r>
+            <a:r>
+              <a:rPr lang="it-IT" sz="1800" dirty="0"/>
+              <a:t> </a:t>
+            </a:r>
+            <a:r>
+              <a:rPr lang="it-IT" sz="1800" dirty="0" err="1"/>
+              <a:t>value</a:t>
+            </a:r>
+            <a:r>
+              <a:rPr lang="it-IT" sz="1800" dirty="0"/>
+              <a:t> and a degree of confidence (</a:t>
+            </a:r>
+            <a:r>
+              <a:rPr lang="it-IT" sz="1800" b="1" dirty="0"/>
+              <a:t>confidence </a:t>
+            </a:r>
+            <a:r>
+              <a:rPr lang="it-IT" sz="1800" b="1" dirty="0" err="1"/>
+              <a:t>level</a:t>
+            </a:r>
+            <a:r>
+              <a:rPr lang="it-IT" sz="1800" dirty="0"/>
+              <a:t>) </a:t>
+            </a:r>
+            <a:r>
+              <a:rPr lang="it-IT" sz="1800" dirty="0" err="1"/>
+              <a:t>that</a:t>
+            </a:r>
+            <a:r>
+              <a:rPr lang="it-IT" sz="1800" dirty="0"/>
+              <a:t> the </a:t>
+            </a:r>
+            <a:r>
+              <a:rPr lang="it-IT" sz="1800" dirty="0" err="1"/>
+              <a:t>unknown</a:t>
+            </a:r>
+            <a:r>
+              <a:rPr lang="it-IT" sz="1800" dirty="0"/>
+              <a:t> </a:t>
+            </a:r>
+            <a:r>
+              <a:rPr lang="it-IT" sz="1800" dirty="0" err="1"/>
+              <a:t>value</a:t>
+            </a:r>
+            <a:r>
+              <a:rPr lang="it-IT" sz="1800" dirty="0"/>
+              <a:t> </a:t>
+            </a:r>
+            <a:r>
+              <a:rPr lang="it-IT" sz="1800" dirty="0" err="1"/>
+              <a:t>lies</a:t>
+            </a:r>
+            <a:r>
+              <a:rPr lang="it-IT" sz="1800" dirty="0"/>
+              <a:t> </a:t>
+            </a:r>
+            <a:r>
+              <a:rPr lang="it-IT" sz="1800" dirty="0" err="1"/>
+              <a:t>within</a:t>
+            </a:r>
+            <a:r>
+              <a:rPr lang="it-IT" sz="1800" dirty="0"/>
+              <a:t> </a:t>
+            </a:r>
+            <a:r>
+              <a:rPr lang="it-IT" sz="1800" dirty="0" err="1"/>
+              <a:t>that</a:t>
+            </a:r>
+            <a:r>
+              <a:rPr lang="it-IT" sz="1800" dirty="0"/>
+              <a:t> range.</a:t>
+            </a:r>
+            <a:endParaRPr lang="en-GB" sz="1800" dirty="0"/>
+          </a:p>
+          <a:p>
+            <a:endParaRPr lang="en-GB" b="1" dirty="0"/>
+          </a:p>
+        </p:txBody>
+      </p:sp>
+      <p:pic>
+        <p:nvPicPr>
+          <p:cNvPr id="7" name="Picture 2">
+            <a:extLst>
+              <a:ext uri="{FF2B5EF4-FFF2-40B4-BE49-F238E27FC236}">
+                <a16:creationId xmlns:a16="http://schemas.microsoft.com/office/drawing/2014/main" id="{48FF79C7-6055-5E6F-C154-33E5F56A359B}"/>
+              </a:ext>
+            </a:extLst>
+          </p:cNvPr>
+          <p:cNvPicPr>
+            <a:picLocks noChangeAspect="1" noChangeArrowheads="1"/>
+          </p:cNvPicPr>
+          <p:nvPr/>
+        </p:nvPicPr>
+        <p:blipFill>
+          <a:blip r:embed="rId2">
+            <a:extLst>
+              <a:ext uri="{28A0092B-C50C-407E-A947-70E740481C1C}">
+                <a14:useLocalDpi xmlns:a14="http://schemas.microsoft.com/office/drawing/2010/main" val="0"/>
+              </a:ext>
+            </a:extLst>
+          </a:blip>
+          <a:srcRect/>
+          <a:stretch>
+            <a:fillRect/>
+          </a:stretch>
+        </p:blipFill>
+        <p:spPr bwMode="auto">
+          <a:xfrm>
+            <a:off x="567851" y="2524056"/>
+            <a:ext cx="5438775" cy="3638145"/>
+          </a:xfrm>
+          <a:prstGeom prst="rect">
+            <a:avLst/>
+          </a:prstGeom>
+          <a:noFill/>
+          <a:extLst>
+            <a:ext uri="{909E8E84-426E-40DD-AFC4-6F175D3DCCD1}">
+              <a14:hiddenFill xmlns:a14="http://schemas.microsoft.com/office/drawing/2010/main">
+                <a:solidFill>
+                  <a:srgbClr val="FFFFFF"/>
+                </a:solidFill>
+              </a14:hiddenFill>
+            </a:ext>
+          </a:extLst>
+        </p:spPr>
+      </p:pic>
+      <p:grpSp>
+        <p:nvGrpSpPr>
+          <p:cNvPr id="4" name="Group 3">
+            <a:extLst>
+              <a:ext uri="{FF2B5EF4-FFF2-40B4-BE49-F238E27FC236}">
+                <a16:creationId xmlns:a16="http://schemas.microsoft.com/office/drawing/2014/main" id="{3731A7D8-2C30-F514-BD43-027F0D8AD60C}"/>
+              </a:ext>
+            </a:extLst>
+          </p:cNvPr>
+          <p:cNvGrpSpPr/>
+          <p:nvPr/>
+        </p:nvGrpSpPr>
+        <p:grpSpPr>
+          <a:xfrm>
+            <a:off x="7464669" y="2410864"/>
+            <a:ext cx="2728824" cy="1345905"/>
+            <a:chOff x="7464669" y="2410864"/>
+            <a:chExt cx="2728824" cy="1345905"/>
+          </a:xfrm>
+        </p:grpSpPr>
+        <mc:AlternateContent xmlns:mc="http://schemas.openxmlformats.org/markup-compatibility/2006">
+          <mc:Choice xmlns:a14="http://schemas.microsoft.com/office/drawing/2010/main" Requires="a14">
+            <p:sp>
+              <p:nvSpPr>
+                <p:cNvPr id="2" name="TextBox 1">
+                  <a:extLst>
+                    <a:ext uri="{FF2B5EF4-FFF2-40B4-BE49-F238E27FC236}">
+                      <a16:creationId xmlns:a16="http://schemas.microsoft.com/office/drawing/2014/main" id="{1F09F100-F7A1-D91A-5B68-F0F354445F33}"/>
+                    </a:ext>
+                  </a:extLst>
+                </p:cNvPr>
+                <p:cNvSpPr txBox="1"/>
+                <p:nvPr/>
+              </p:nvSpPr>
+              <p:spPr>
+                <a:xfrm>
+                  <a:off x="7572802" y="2824206"/>
+                  <a:ext cx="2427203" cy="932563"/>
+                </a:xfrm>
+                <a:prstGeom prst="rect">
+                  <a:avLst/>
+                </a:prstGeom>
+                <a:noFill/>
+              </p:spPr>
+              <p:txBody>
+                <a:bodyPr wrap="none" lIns="0" tIns="0" rIns="0" bIns="0" rtlCol="0">
+                  <a:spAutoFit/>
+                </a:bodyPr>
+                <a:lstStyle/>
+                <a:p>
+                  <a14:m>
+                    <m:oMathPara xmlns:m="http://schemas.openxmlformats.org/officeDocument/2006/math">
+                      <m:oMathParaPr>
+                        <m:jc m:val="centerGroup"/>
+                      </m:oMathParaPr>
+                      <m:oMath xmlns:m="http://schemas.openxmlformats.org/officeDocument/2006/math">
+                        <m:acc>
+                          <m:accPr>
+                            <m:chr m:val="̅"/>
+                            <m:ctrlPr>
+                              <a:rPr lang="pt-BR" sz="3200" i="1" smtClean="0">
+                                <a:latin typeface="Cambria Math" panose="02040503050406030204" pitchFamily="18" charset="0"/>
+                              </a:rPr>
+                            </m:ctrlPr>
+                          </m:accPr>
+                          <m:e>
+                            <m:r>
+                              <a:rPr lang="en-GB" sz="3200" b="0" i="1" smtClean="0">
+                                <a:latin typeface="Cambria Math" panose="02040503050406030204" pitchFamily="18" charset="0"/>
+                              </a:rPr>
+                              <m:t>𝑥</m:t>
+                            </m:r>
+                          </m:e>
+                        </m:acc>
+                        <m:r>
+                          <a:rPr lang="pt-BR" sz="3200" i="1">
+                            <a:latin typeface="Cambria Math" panose="02040503050406030204" pitchFamily="18" charset="0"/>
+                          </a:rPr>
+                          <m:t>±</m:t>
+                        </m:r>
+                        <m:sSub>
+                          <m:sSubPr>
+                            <m:ctrlPr>
+                              <a:rPr lang="pt-BR" sz="3200" i="1" smtClean="0">
+                                <a:latin typeface="Cambria Math" panose="02040503050406030204" pitchFamily="18" charset="0"/>
+                              </a:rPr>
+                            </m:ctrlPr>
+                          </m:sSubPr>
+                          <m:e>
+                            <m:r>
+                              <a:rPr lang="en-GB" sz="3200" b="0" i="1" smtClean="0">
+                                <a:latin typeface="Cambria Math" panose="02040503050406030204" pitchFamily="18" charset="0"/>
+                              </a:rPr>
+                              <m:t>𝑧</m:t>
+                            </m:r>
+                          </m:e>
+                          <m:sub>
+                            <m:r>
+                              <m:rPr>
+                                <m:sty m:val="p"/>
+                              </m:rPr>
+                              <a:rPr lang="el-GR" sz="3200" i="1" smtClean="0">
+                                <a:latin typeface="Cambria Math" panose="02040503050406030204" pitchFamily="18" charset="0"/>
+                              </a:rPr>
+                              <m:t>α</m:t>
+                            </m:r>
+                            <m:r>
+                              <a:rPr lang="en-GB" sz="3200" b="0" i="1" smtClean="0">
+                                <a:latin typeface="Cambria Math" panose="02040503050406030204" pitchFamily="18" charset="0"/>
+                              </a:rPr>
+                              <m:t>/2</m:t>
+                            </m:r>
+                          </m:sub>
+                        </m:sSub>
+                        <m:r>
+                          <a:rPr lang="en-GB" sz="3200" b="0" i="1" smtClean="0">
+                            <a:latin typeface="Cambria Math" panose="02040503050406030204" pitchFamily="18" charset="0"/>
+                          </a:rPr>
+                          <m:t>∗</m:t>
+                        </m:r>
+                        <m:f>
+                          <m:fPr>
+                            <m:ctrlPr>
+                              <a:rPr lang="en-GB" sz="3200" b="0" i="1" smtClean="0">
+                                <a:latin typeface="Cambria Math" panose="02040503050406030204" pitchFamily="18" charset="0"/>
+                              </a:rPr>
+                            </m:ctrlPr>
+                          </m:fPr>
+                          <m:num>
+                            <m:r>
+                              <m:rPr>
+                                <m:sty m:val="p"/>
+                              </m:rPr>
+                              <a:rPr lang="el-GR" sz="3200" b="0" i="1" smtClean="0">
+                                <a:latin typeface="Cambria Math" panose="02040503050406030204" pitchFamily="18" charset="0"/>
+                              </a:rPr>
+                              <m:t>σ</m:t>
+                            </m:r>
+                          </m:num>
+                          <m:den>
+                            <m:rad>
+                              <m:radPr>
+                                <m:degHide m:val="on"/>
+                                <m:ctrlPr>
+                                  <a:rPr lang="en-GB" sz="3200" b="0" i="1" smtClean="0">
+                                    <a:latin typeface="Cambria Math" panose="02040503050406030204" pitchFamily="18" charset="0"/>
+                                  </a:rPr>
+                                </m:ctrlPr>
+                              </m:radPr>
+                              <m:deg/>
+                              <m:e>
+                                <m:r>
+                                  <a:rPr lang="en-GB" sz="3200" b="0" i="1" smtClean="0">
+                                    <a:latin typeface="Cambria Math" panose="02040503050406030204" pitchFamily="18" charset="0"/>
+                                  </a:rPr>
+                                  <m:t>𝑛</m:t>
+                                </m:r>
+                              </m:e>
+                            </m:rad>
+                          </m:den>
+                        </m:f>
+                      </m:oMath>
+                    </m:oMathPara>
+                  </a14:m>
+                  <a:endParaRPr lang="en-GB" dirty="0"/>
+                </a:p>
+              </p:txBody>
+            </p:sp>
+          </mc:Choice>
+          <mc:Fallback>
+            <p:sp>
+              <p:nvSpPr>
+                <p:cNvPr id="2" name="TextBox 1">
+                  <a:extLst>
+                    <a:ext uri="{FF2B5EF4-FFF2-40B4-BE49-F238E27FC236}">
+                      <a16:creationId xmlns:a16="http://schemas.microsoft.com/office/drawing/2014/main" id="{1F09F100-F7A1-D91A-5B68-F0F354445F33}"/>
+                    </a:ext>
+                  </a:extLst>
+                </p:cNvPr>
+                <p:cNvSpPr txBox="1">
+                  <a:spLocks noRot="1" noChangeAspect="1" noMove="1" noResize="1" noEditPoints="1" noAdjustHandles="1" noChangeArrowheads="1" noChangeShapeType="1" noTextEdit="1"/>
+                </p:cNvSpPr>
+                <p:nvPr/>
+              </p:nvSpPr>
+              <p:spPr>
+                <a:xfrm>
+                  <a:off x="7572802" y="2824206"/>
+                  <a:ext cx="2427203" cy="932563"/>
+                </a:xfrm>
+                <a:prstGeom prst="rect">
+                  <a:avLst/>
+                </a:prstGeom>
+                <a:blipFill>
+                  <a:blip r:embed="rId3"/>
+                  <a:stretch>
+                    <a:fillRect/>
+                  </a:stretch>
+                </a:blipFill>
+              </p:spPr>
+              <p:txBody>
+                <a:bodyPr/>
+                <a:lstStyle/>
+                <a:p>
+                  <a:r>
+                    <a:rPr lang="en-GB">
+                      <a:noFill/>
+                    </a:rPr>
+                    <a:t> </a:t>
+                  </a:r>
+                </a:p>
+              </p:txBody>
+            </p:sp>
+          </mc:Fallback>
+        </mc:AlternateContent>
+        <p:sp>
+          <p:nvSpPr>
+            <p:cNvPr id="3" name="TextBox 2">
+              <a:extLst>
+                <a:ext uri="{FF2B5EF4-FFF2-40B4-BE49-F238E27FC236}">
+                  <a16:creationId xmlns:a16="http://schemas.microsoft.com/office/drawing/2014/main" id="{E6B24E45-2D63-EED0-1431-F72E1E1E6992}"/>
+                </a:ext>
+              </a:extLst>
+            </p:cNvPr>
+            <p:cNvSpPr txBox="1"/>
+            <p:nvPr/>
+          </p:nvSpPr>
+          <p:spPr>
+            <a:xfrm>
+              <a:off x="7464669" y="2410864"/>
+              <a:ext cx="2728824" cy="369332"/>
+            </a:xfrm>
+            <a:prstGeom prst="rect">
+              <a:avLst/>
+            </a:prstGeom>
+            <a:noFill/>
+          </p:spPr>
+          <p:txBody>
+            <a:bodyPr wrap="none" rtlCol="0">
+              <a:spAutoFit/>
+            </a:bodyPr>
+            <a:lstStyle/>
+            <a:p>
+              <a:r>
+                <a:rPr lang="en-GB" dirty="0"/>
+                <a:t>Population variance known</a:t>
+              </a:r>
+            </a:p>
+          </p:txBody>
+        </p:sp>
+      </p:grpSp>
+      <p:grpSp>
+        <p:nvGrpSpPr>
+          <p:cNvPr id="12" name="Group 11">
+            <a:extLst>
+              <a:ext uri="{FF2B5EF4-FFF2-40B4-BE49-F238E27FC236}">
+                <a16:creationId xmlns:a16="http://schemas.microsoft.com/office/drawing/2014/main" id="{216B7A89-9578-57D1-0319-4C681DE83479}"/>
+              </a:ext>
+            </a:extLst>
+          </p:cNvPr>
+          <p:cNvGrpSpPr/>
+          <p:nvPr/>
+        </p:nvGrpSpPr>
+        <p:grpSpPr>
+          <a:xfrm>
+            <a:off x="7464669" y="4343128"/>
+            <a:ext cx="3153582" cy="1304716"/>
+            <a:chOff x="7464669" y="4343128"/>
+            <a:chExt cx="3153582" cy="1304716"/>
+          </a:xfrm>
+        </p:grpSpPr>
+        <mc:AlternateContent xmlns:mc="http://schemas.openxmlformats.org/markup-compatibility/2006">
+          <mc:Choice xmlns:a14="http://schemas.microsoft.com/office/drawing/2010/main" Requires="a14">
+            <p:sp>
+              <p:nvSpPr>
+                <p:cNvPr id="9" name="TextBox 8">
+                  <a:extLst>
+                    <a:ext uri="{FF2B5EF4-FFF2-40B4-BE49-F238E27FC236}">
+                      <a16:creationId xmlns:a16="http://schemas.microsoft.com/office/drawing/2014/main" id="{9E32B187-6C4B-010D-261D-6D34A9B1CC19}"/>
+                    </a:ext>
+                  </a:extLst>
+                </p:cNvPr>
+                <p:cNvSpPr txBox="1"/>
+                <p:nvPr/>
+              </p:nvSpPr>
+              <p:spPr>
+                <a:xfrm>
+                  <a:off x="7572802" y="4712460"/>
+                  <a:ext cx="3045449" cy="935384"/>
+                </a:xfrm>
+                <a:prstGeom prst="rect">
+                  <a:avLst/>
+                </a:prstGeom>
+                <a:noFill/>
+              </p:spPr>
+              <p:txBody>
+                <a:bodyPr wrap="none" lIns="0" tIns="0" rIns="0" bIns="0" rtlCol="0">
+                  <a:spAutoFit/>
+                </a:bodyPr>
+                <a:lstStyle/>
+                <a:p>
+                  <a14:m>
+                    <m:oMathPara xmlns:m="http://schemas.openxmlformats.org/officeDocument/2006/math">
+                      <m:oMathParaPr>
+                        <m:jc m:val="centerGroup"/>
+                      </m:oMathParaPr>
+                      <m:oMath xmlns:m="http://schemas.openxmlformats.org/officeDocument/2006/math">
+                        <m:acc>
+                          <m:accPr>
+                            <m:chr m:val="̅"/>
+                            <m:ctrlPr>
+                              <a:rPr lang="pt-BR" sz="3200" i="1" smtClean="0">
+                                <a:latin typeface="Cambria Math" panose="02040503050406030204" pitchFamily="18" charset="0"/>
+                              </a:rPr>
+                            </m:ctrlPr>
+                          </m:accPr>
+                          <m:e>
+                            <m:r>
+                              <a:rPr lang="en-GB" sz="3200" b="0" i="1" smtClean="0">
+                                <a:latin typeface="Cambria Math" panose="02040503050406030204" pitchFamily="18" charset="0"/>
+                              </a:rPr>
+                              <m:t>𝑥</m:t>
+                            </m:r>
+                          </m:e>
+                        </m:acc>
+                        <m:r>
+                          <a:rPr lang="pt-BR" sz="3200" i="1">
+                            <a:latin typeface="Cambria Math" panose="02040503050406030204" pitchFamily="18" charset="0"/>
+                          </a:rPr>
+                          <m:t>±</m:t>
+                        </m:r>
+                        <m:sSub>
+                          <m:sSubPr>
+                            <m:ctrlPr>
+                              <a:rPr lang="pt-BR" sz="3200" i="1" smtClean="0">
+                                <a:latin typeface="Cambria Math" panose="02040503050406030204" pitchFamily="18" charset="0"/>
+                              </a:rPr>
+                            </m:ctrlPr>
+                          </m:sSubPr>
+                          <m:e>
+                            <m:r>
+                              <a:rPr lang="en-GB" sz="3200" b="0" i="1" smtClean="0">
+                                <a:latin typeface="Cambria Math" panose="02040503050406030204" pitchFamily="18" charset="0"/>
+                              </a:rPr>
+                              <m:t>𝑡</m:t>
+                            </m:r>
+                          </m:e>
+                          <m:sub>
+                            <m:r>
+                              <a:rPr lang="en-GB" sz="3200" b="0" i="1" smtClean="0">
+                                <a:latin typeface="Cambria Math" panose="02040503050406030204" pitchFamily="18" charset="0"/>
+                              </a:rPr>
+                              <m:t>𝑛</m:t>
+                            </m:r>
+                            <m:r>
+                              <a:rPr lang="en-GB" sz="3200" b="0" i="1" smtClean="0">
+                                <a:latin typeface="Cambria Math" panose="02040503050406030204" pitchFamily="18" charset="0"/>
+                              </a:rPr>
+                              <m:t>−1,</m:t>
+                            </m:r>
+                            <m:r>
+                              <m:rPr>
+                                <m:sty m:val="p"/>
+                              </m:rPr>
+                              <a:rPr lang="el-GR" sz="3200" i="1" smtClean="0">
+                                <a:latin typeface="Cambria Math" panose="02040503050406030204" pitchFamily="18" charset="0"/>
+                              </a:rPr>
+                              <m:t>α</m:t>
+                            </m:r>
+                            <m:r>
+                              <a:rPr lang="en-GB" sz="3200" b="0" i="1" smtClean="0">
+                                <a:latin typeface="Cambria Math" panose="02040503050406030204" pitchFamily="18" charset="0"/>
+                              </a:rPr>
+                              <m:t>/2</m:t>
+                            </m:r>
+                          </m:sub>
+                        </m:sSub>
+                        <m:r>
+                          <a:rPr lang="en-GB" sz="3200" b="0" i="1" smtClean="0">
+                            <a:latin typeface="Cambria Math" panose="02040503050406030204" pitchFamily="18" charset="0"/>
+                          </a:rPr>
+                          <m:t>∗</m:t>
+                        </m:r>
+                        <m:f>
+                          <m:fPr>
+                            <m:ctrlPr>
+                              <a:rPr lang="en-GB" sz="3200" b="0" i="1" smtClean="0">
+                                <a:latin typeface="Cambria Math" panose="02040503050406030204" pitchFamily="18" charset="0"/>
+                              </a:rPr>
+                            </m:ctrlPr>
+                          </m:fPr>
+                          <m:num>
+                            <m:r>
+                              <a:rPr lang="en-GB" sz="3200" b="0" i="1" smtClean="0">
+                                <a:latin typeface="Cambria Math" panose="02040503050406030204" pitchFamily="18" charset="0"/>
+                              </a:rPr>
+                              <m:t>𝑠</m:t>
+                            </m:r>
+                          </m:num>
+                          <m:den>
+                            <m:rad>
+                              <m:radPr>
+                                <m:degHide m:val="on"/>
+                                <m:ctrlPr>
+                                  <a:rPr lang="en-GB" sz="3200" b="0" i="1" smtClean="0">
+                                    <a:latin typeface="Cambria Math" panose="02040503050406030204" pitchFamily="18" charset="0"/>
+                                  </a:rPr>
+                                </m:ctrlPr>
+                              </m:radPr>
+                              <m:deg/>
+                              <m:e>
+                                <m:r>
+                                  <a:rPr lang="en-GB" sz="3200" b="0" i="1" smtClean="0">
+                                    <a:latin typeface="Cambria Math" panose="02040503050406030204" pitchFamily="18" charset="0"/>
+                                  </a:rPr>
+                                  <m:t>𝑛</m:t>
+                                </m:r>
+                              </m:e>
+                            </m:rad>
+                          </m:den>
+                        </m:f>
+                      </m:oMath>
+                    </m:oMathPara>
+                  </a14:m>
+                  <a:endParaRPr lang="en-GB" dirty="0"/>
+                </a:p>
+              </p:txBody>
+            </p:sp>
+          </mc:Choice>
+          <mc:Fallback>
+            <p:sp>
+              <p:nvSpPr>
+                <p:cNvPr id="9" name="TextBox 8">
+                  <a:extLst>
+                    <a:ext uri="{FF2B5EF4-FFF2-40B4-BE49-F238E27FC236}">
+                      <a16:creationId xmlns:a16="http://schemas.microsoft.com/office/drawing/2014/main" id="{9E32B187-6C4B-010D-261D-6D34A9B1CC19}"/>
+                    </a:ext>
+                  </a:extLst>
+                </p:cNvPr>
+                <p:cNvSpPr txBox="1">
+                  <a:spLocks noRot="1" noChangeAspect="1" noMove="1" noResize="1" noEditPoints="1" noAdjustHandles="1" noChangeArrowheads="1" noChangeShapeType="1" noTextEdit="1"/>
+                </p:cNvSpPr>
+                <p:nvPr/>
+              </p:nvSpPr>
+              <p:spPr>
+                <a:xfrm>
+                  <a:off x="7572802" y="4712460"/>
+                  <a:ext cx="3045449" cy="935384"/>
+                </a:xfrm>
+                <a:prstGeom prst="rect">
+                  <a:avLst/>
+                </a:prstGeom>
+                <a:blipFill>
+                  <a:blip r:embed="rId4"/>
+                  <a:stretch>
+                    <a:fillRect/>
+                  </a:stretch>
+                </a:blipFill>
+              </p:spPr>
+              <p:txBody>
+                <a:bodyPr/>
+                <a:lstStyle/>
+                <a:p>
+                  <a:r>
+                    <a:rPr lang="en-GB">
+                      <a:noFill/>
+                    </a:rPr>
+                    <a:t> </a:t>
+                  </a:r>
+                </a:p>
+              </p:txBody>
+            </p:sp>
+          </mc:Fallback>
+        </mc:AlternateContent>
+        <p:sp>
+          <p:nvSpPr>
+            <p:cNvPr id="11" name="TextBox 10">
+              <a:extLst>
+                <a:ext uri="{FF2B5EF4-FFF2-40B4-BE49-F238E27FC236}">
+                  <a16:creationId xmlns:a16="http://schemas.microsoft.com/office/drawing/2014/main" id="{FFC1BAD0-C01B-32BF-F8FD-C27CFDB381B9}"/>
+                </a:ext>
+              </a:extLst>
+            </p:cNvPr>
+            <p:cNvSpPr txBox="1"/>
+            <p:nvPr/>
+          </p:nvSpPr>
+          <p:spPr>
+            <a:xfrm>
+              <a:off x="7464669" y="4343128"/>
+              <a:ext cx="2972480" cy="369332"/>
+            </a:xfrm>
+            <a:prstGeom prst="rect">
+              <a:avLst/>
+            </a:prstGeom>
+            <a:noFill/>
+          </p:spPr>
+          <p:txBody>
+            <a:bodyPr wrap="none" rtlCol="0">
+              <a:spAutoFit/>
+            </a:bodyPr>
+            <a:lstStyle/>
+            <a:p>
+              <a:r>
+                <a:rPr lang="en-GB" dirty="0"/>
+                <a:t>Population variance unknown</a:t>
+              </a:r>
+            </a:p>
+          </p:txBody>
+        </p:sp>
+      </p:grpSp>
+    </p:spTree>
+    <p:extLst>
+      <p:ext uri="{BB962C8B-B14F-4D97-AF65-F5344CB8AC3E}">
+        <p14:creationId xmlns:p14="http://schemas.microsoft.com/office/powerpoint/2010/main" val="3672266785"/>
+      </p:ext>
+    </p:extLst>
+  </p:cSld>
+  <p:clrMapOvr>
+    <a:masterClrMapping/>
+  </p:clrMapOvr>
+</p:sld>
+</file>
+
+<file path=ppt/slides/slide22.xml><?xml version="1.0" encoding="utf-8"?>
+<p:sld xmlns:a="http://schemas.openxmlformats.org/drawingml/2006/main" xmlns:r="http://schemas.openxmlformats.org/officeDocument/2006/relationships" xmlns:p="http://schemas.openxmlformats.org/presentationml/2006/main">
+  <p:cSld>
+    <p:spTree>
+      <p:nvGrpSpPr>
+        <p:cNvPr id="1" name=""/>
+        <p:cNvGrpSpPr/>
+        <p:nvPr/>
+      </p:nvGrpSpPr>
+      <p:grpSpPr>
+        <a:xfrm>
+          <a:off x="0" y="0"/>
+          <a:ext cx="0" cy="0"/>
+          <a:chOff x="0" y="0"/>
+          <a:chExt cx="0" cy="0"/>
+        </a:xfrm>
+      </p:grpSpPr>
+      <p:sp>
+        <p:nvSpPr>
+          <p:cNvPr id="4" name="TextBox 3">
+            <a:extLst>
+              <a:ext uri="{FF2B5EF4-FFF2-40B4-BE49-F238E27FC236}">
+                <a16:creationId xmlns:a16="http://schemas.microsoft.com/office/drawing/2014/main" id="{EB45A09E-5C1B-7029-F408-457C3D063C26}"/>
+              </a:ext>
+            </a:extLst>
+          </p:cNvPr>
+          <p:cNvSpPr txBox="1"/>
+          <p:nvPr/>
+        </p:nvSpPr>
+        <p:spPr>
+          <a:xfrm>
+            <a:off x="503853" y="531845"/>
+            <a:ext cx="11243388" cy="1846659"/>
+          </a:xfrm>
+          <a:prstGeom prst="rect">
+            <a:avLst/>
+          </a:prstGeom>
+          <a:noFill/>
+        </p:spPr>
+        <p:txBody>
+          <a:bodyPr wrap="square" rtlCol="0">
+            <a:spAutoFit/>
+          </a:bodyPr>
+          <a:lstStyle/>
+          <a:p>
+            <a:r>
+              <a:rPr lang="en-GB" sz="2400" b="1" dirty="0"/>
+              <a:t>Central limit theorem</a:t>
+            </a:r>
+          </a:p>
+          <a:p>
+            <a:endParaRPr lang="en-GB" b="1" dirty="0"/>
+          </a:p>
+          <a:p>
+            <a:pPr marL="285750" indent="-285750">
+              <a:buFont typeface="Arial" panose="020B0604020202020204" pitchFamily="34" charset="0"/>
+              <a:buChar char="•"/>
+            </a:pPr>
+            <a:r>
+              <a:rPr lang="en-GB" dirty="0"/>
+              <a:t>Given</a:t>
+            </a:r>
+            <a:r>
+              <a:rPr lang="en-GB" b="1" dirty="0"/>
+              <a:t> </a:t>
+            </a:r>
+            <a:r>
+              <a:rPr lang="en-GB" dirty="0"/>
+              <a:t>a set of sufficiently large samples drawn from the same population, the means of the samples will be approximately normally distributed.</a:t>
+            </a:r>
+          </a:p>
+          <a:p>
+            <a:pPr marL="285750" indent="-285750">
+              <a:buFont typeface="Arial" panose="020B0604020202020204" pitchFamily="34" charset="0"/>
+              <a:buChar char="•"/>
+            </a:pPr>
+            <a:r>
+              <a:rPr lang="en-GB" dirty="0"/>
+              <a:t>The normal distribution will have a mean close to the mean of the population.</a:t>
+            </a:r>
+          </a:p>
+          <a:p>
+            <a:pPr marL="285750" indent="-285750">
+              <a:buFont typeface="Arial" panose="020B0604020202020204" pitchFamily="34" charset="0"/>
+              <a:buChar char="•"/>
+            </a:pPr>
+            <a:r>
+              <a:rPr lang="en-GB" dirty="0"/>
+              <a:t>The variance of the sample mean will be close to the variance of the population divided by the sample size.</a:t>
+            </a:r>
+          </a:p>
+        </p:txBody>
+      </p:sp>
+      <p:sp>
+        <p:nvSpPr>
+          <p:cNvPr id="7" name="TextBox 6">
+            <a:extLst>
+              <a:ext uri="{FF2B5EF4-FFF2-40B4-BE49-F238E27FC236}">
+                <a16:creationId xmlns:a16="http://schemas.microsoft.com/office/drawing/2014/main" id="{90CB089E-8DDE-7F25-1192-71BB323C6C6A}"/>
+              </a:ext>
+            </a:extLst>
+          </p:cNvPr>
+          <p:cNvSpPr txBox="1"/>
+          <p:nvPr/>
+        </p:nvSpPr>
+        <p:spPr>
+          <a:xfrm>
+            <a:off x="1215957" y="6080690"/>
+            <a:ext cx="10243226" cy="523220"/>
+          </a:xfrm>
+          <a:prstGeom prst="rect">
+            <a:avLst/>
+          </a:prstGeom>
+          <a:noFill/>
+        </p:spPr>
+        <p:txBody>
+          <a:bodyPr wrap="square" rtlCol="0">
+            <a:spAutoFit/>
+          </a:bodyPr>
+          <a:lstStyle/>
+          <a:p>
+            <a:r>
+              <a:rPr lang="it-IT" sz="1400" dirty="0"/>
+              <a:t>The </a:t>
+            </a:r>
+            <a:r>
+              <a:rPr lang="it-IT" sz="1400" dirty="0" err="1"/>
+              <a:t>primary</a:t>
+            </a:r>
+            <a:r>
+              <a:rPr lang="it-IT" sz="1400" dirty="0"/>
+              <a:t> </a:t>
+            </a:r>
+            <a:r>
+              <a:rPr lang="it-IT" sz="1400" dirty="0" err="1"/>
+              <a:t>value</a:t>
+            </a:r>
+            <a:r>
+              <a:rPr lang="it-IT" sz="1400" dirty="0"/>
+              <a:t> of the CLT </a:t>
+            </a:r>
+            <a:r>
+              <a:rPr lang="it-IT" sz="1400" dirty="0" err="1"/>
+              <a:t>is</a:t>
+            </a:r>
+            <a:r>
+              <a:rPr lang="it-IT" sz="1400" dirty="0"/>
+              <a:t> </a:t>
+            </a:r>
+            <a:r>
+              <a:rPr lang="it-IT" sz="1400" dirty="0" err="1"/>
+              <a:t>that</a:t>
+            </a:r>
+            <a:r>
+              <a:rPr lang="it-IT" sz="1400" dirty="0"/>
+              <a:t> </a:t>
+            </a:r>
+            <a:r>
+              <a:rPr lang="it-IT" sz="1400" dirty="0" err="1"/>
+              <a:t>it</a:t>
+            </a:r>
+            <a:r>
+              <a:rPr lang="it-IT" sz="1400" dirty="0"/>
+              <a:t> </a:t>
+            </a:r>
+            <a:r>
+              <a:rPr lang="it-IT" sz="1400" dirty="0" err="1"/>
+              <a:t>allows</a:t>
+            </a:r>
+            <a:r>
+              <a:rPr lang="it-IT" sz="1400" dirty="0"/>
+              <a:t> </a:t>
+            </a:r>
+            <a:r>
+              <a:rPr lang="it-IT" sz="1400" dirty="0" err="1"/>
+              <a:t>us</a:t>
+            </a:r>
+            <a:r>
+              <a:rPr lang="it-IT" sz="1400" dirty="0"/>
+              <a:t> to compute confidence </a:t>
+            </a:r>
+            <a:r>
+              <a:rPr lang="it-IT" sz="1400" dirty="0" err="1"/>
+              <a:t>levels</a:t>
+            </a:r>
+            <a:r>
+              <a:rPr lang="it-IT" sz="1400" dirty="0"/>
+              <a:t> and </a:t>
+            </a:r>
+            <a:r>
+              <a:rPr lang="it-IT" sz="1400" dirty="0" err="1"/>
+              <a:t>intervals</a:t>
+            </a:r>
+            <a:r>
+              <a:rPr lang="it-IT" sz="1400" dirty="0"/>
+              <a:t> </a:t>
+            </a:r>
+            <a:r>
+              <a:rPr lang="it-IT" sz="1400" dirty="0" err="1"/>
+              <a:t>even</a:t>
+            </a:r>
+            <a:r>
+              <a:rPr lang="it-IT" sz="1400" dirty="0"/>
+              <a:t> </a:t>
+            </a:r>
+            <a:r>
+              <a:rPr lang="it-IT" sz="1400" dirty="0" err="1"/>
+              <a:t>when</a:t>
+            </a:r>
+            <a:r>
+              <a:rPr lang="it-IT" sz="1400" dirty="0"/>
+              <a:t> the </a:t>
+            </a:r>
+            <a:r>
+              <a:rPr lang="it-IT" sz="1400" dirty="0" err="1"/>
+              <a:t>underlying</a:t>
+            </a:r>
+            <a:r>
+              <a:rPr lang="it-IT" sz="1400" dirty="0"/>
+              <a:t> </a:t>
+            </a:r>
+            <a:r>
+              <a:rPr lang="it-IT" sz="1400" dirty="0" err="1"/>
+              <a:t>population</a:t>
+            </a:r>
+            <a:r>
+              <a:rPr lang="it-IT" sz="1400" dirty="0"/>
+              <a:t>  </a:t>
+            </a:r>
+            <a:r>
+              <a:rPr lang="it-IT" sz="1400" dirty="0" err="1"/>
+              <a:t>distribution</a:t>
+            </a:r>
+            <a:r>
+              <a:rPr lang="it-IT" sz="1400" dirty="0"/>
+              <a:t> </a:t>
+            </a:r>
+            <a:r>
+              <a:rPr lang="it-IT" sz="1400" dirty="0" err="1"/>
+              <a:t>is</a:t>
+            </a:r>
+            <a:r>
+              <a:rPr lang="it-IT" sz="1400" dirty="0"/>
+              <a:t> </a:t>
+            </a:r>
+            <a:r>
+              <a:rPr lang="it-IT" sz="1400" dirty="0" err="1"/>
+              <a:t>not</a:t>
+            </a:r>
+            <a:r>
+              <a:rPr lang="it-IT" sz="1400" dirty="0"/>
+              <a:t> </a:t>
+            </a:r>
+            <a:r>
+              <a:rPr lang="it-IT" sz="1400" dirty="0" err="1"/>
+              <a:t>normal</a:t>
+            </a:r>
+            <a:r>
+              <a:rPr lang="it-IT" sz="1400" dirty="0"/>
+              <a:t>.</a:t>
+            </a:r>
+            <a:endParaRPr lang="en-GB" sz="1400" dirty="0"/>
+          </a:p>
+        </p:txBody>
+      </p:sp>
+      <p:grpSp>
+        <p:nvGrpSpPr>
+          <p:cNvPr id="11" name="Group 10">
+            <a:extLst>
+              <a:ext uri="{FF2B5EF4-FFF2-40B4-BE49-F238E27FC236}">
+                <a16:creationId xmlns:a16="http://schemas.microsoft.com/office/drawing/2014/main" id="{7AF58E45-A338-DD6C-31A3-CFFC921079B5}"/>
+              </a:ext>
+            </a:extLst>
+          </p:cNvPr>
+          <p:cNvGrpSpPr/>
+          <p:nvPr/>
+        </p:nvGrpSpPr>
+        <p:grpSpPr>
+          <a:xfrm>
+            <a:off x="503853" y="2831271"/>
+            <a:ext cx="11315253" cy="3141512"/>
+            <a:chOff x="243191" y="2785350"/>
+            <a:chExt cx="11575915" cy="3187433"/>
+          </a:xfrm>
+        </p:grpSpPr>
+        <p:grpSp>
+          <p:nvGrpSpPr>
+            <p:cNvPr id="8" name="Group 7">
+              <a:extLst>
+                <a:ext uri="{FF2B5EF4-FFF2-40B4-BE49-F238E27FC236}">
+                  <a16:creationId xmlns:a16="http://schemas.microsoft.com/office/drawing/2014/main" id="{973DDA88-64B8-E172-6E96-DC124733D4AB}"/>
+                </a:ext>
+              </a:extLst>
+            </p:cNvPr>
+            <p:cNvGrpSpPr/>
+            <p:nvPr/>
+          </p:nvGrpSpPr>
+          <p:grpSpPr>
+            <a:xfrm>
+              <a:off x="301996" y="2834700"/>
+              <a:ext cx="11043052" cy="3023354"/>
+              <a:chOff x="301996" y="2834700"/>
+              <a:chExt cx="11043052" cy="3023354"/>
+            </a:xfrm>
+          </p:grpSpPr>
+          <p:sp>
+            <p:nvSpPr>
+              <p:cNvPr id="2" name="TextBox 1">
+                <a:extLst>
+                  <a:ext uri="{FF2B5EF4-FFF2-40B4-BE49-F238E27FC236}">
+                    <a16:creationId xmlns:a16="http://schemas.microsoft.com/office/drawing/2014/main" id="{E1D8BD6E-9E78-0E01-1DE4-C57CC41B2994}"/>
+                  </a:ext>
+                </a:extLst>
+              </p:cNvPr>
+              <p:cNvSpPr txBox="1"/>
+              <p:nvPr/>
+            </p:nvSpPr>
+            <p:spPr>
+              <a:xfrm>
+                <a:off x="1160120" y="2844572"/>
+                <a:ext cx="2216184" cy="461665"/>
+              </a:xfrm>
+              <a:prstGeom prst="rect">
+                <a:avLst/>
+              </a:prstGeom>
+              <a:noFill/>
+            </p:spPr>
+            <p:txBody>
+              <a:bodyPr wrap="none" rtlCol="0">
+                <a:spAutoFit/>
+              </a:bodyPr>
+              <a:lstStyle/>
+              <a:p>
+                <a:r>
+                  <a:rPr lang="it-IT" sz="1200" dirty="0" err="1"/>
+                  <a:t>Population</a:t>
+                </a:r>
+                <a:r>
+                  <a:rPr lang="it-IT" sz="1200" dirty="0"/>
+                  <a:t> with 10000 </a:t>
+                </a:r>
+                <a:r>
+                  <a:rPr lang="it-IT" sz="1200" dirty="0" err="1"/>
+                  <a:t>elements</a:t>
+                </a:r>
+                <a:endParaRPr lang="it-IT" sz="1200" dirty="0"/>
+              </a:p>
+              <a:p>
+                <a:r>
+                  <a:rPr lang="it-IT" sz="1200" dirty="0"/>
+                  <a:t>following </a:t>
+                </a:r>
+                <a:r>
+                  <a:rPr lang="it-IT" sz="1200" dirty="0" err="1"/>
+                  <a:t>uniform</a:t>
+                </a:r>
+                <a:r>
+                  <a:rPr lang="it-IT" sz="1200" dirty="0"/>
+                  <a:t> </a:t>
+                </a:r>
+                <a:r>
+                  <a:rPr lang="it-IT" sz="1200" dirty="0" err="1"/>
+                  <a:t>distribution</a:t>
+                </a:r>
+                <a:endParaRPr lang="en-GB" sz="1200" dirty="0"/>
+              </a:p>
+            </p:txBody>
+          </p:sp>
+          <p:sp>
+            <p:nvSpPr>
+              <p:cNvPr id="3" name="Arrow: Right 2">
+                <a:extLst>
+                  <a:ext uri="{FF2B5EF4-FFF2-40B4-BE49-F238E27FC236}">
+                    <a16:creationId xmlns:a16="http://schemas.microsoft.com/office/drawing/2014/main" id="{FE233351-61F4-E38E-BF09-EF0B6C8B410A}"/>
+                  </a:ext>
+                </a:extLst>
+              </p:cNvPr>
+              <p:cNvSpPr/>
+              <p:nvPr/>
+            </p:nvSpPr>
+            <p:spPr>
+              <a:xfrm>
+                <a:off x="4305300" y="4414126"/>
+                <a:ext cx="3467100" cy="304800"/>
+              </a:xfrm>
+              <a:prstGeom prst="rightArrow">
+                <a:avLst/>
+              </a:prstGeom>
+            </p:spPr>
+            <p:style>
+              <a:lnRef idx="2">
+                <a:schemeClr val="accent1">
+                  <a:shade val="50000"/>
+                </a:schemeClr>
+              </a:lnRef>
+              <a:fillRef idx="1">
+                <a:schemeClr val="accent1"/>
+              </a:fillRef>
+              <a:effectRef idx="0">
+                <a:schemeClr val="accent1"/>
+              </a:effectRef>
+              <a:fontRef idx="minor">
+                <a:schemeClr val="lt1"/>
+              </a:fontRef>
+            </p:style>
+            <p:txBody>
+              <a:bodyPr rtlCol="0" anchor="ctr"/>
+              <a:lstStyle/>
+              <a:p>
+                <a:pPr algn="ctr"/>
+                <a:endParaRPr lang="en-GB"/>
+              </a:p>
+            </p:txBody>
+          </p:sp>
+          <p:sp>
+            <p:nvSpPr>
+              <p:cNvPr id="6" name="TextBox 5">
+                <a:extLst>
+                  <a:ext uri="{FF2B5EF4-FFF2-40B4-BE49-F238E27FC236}">
+                    <a16:creationId xmlns:a16="http://schemas.microsoft.com/office/drawing/2014/main" id="{337DBF21-BCDE-3E29-7695-CB3B3AEC8A1F}"/>
+                  </a:ext>
+                </a:extLst>
+              </p:cNvPr>
+              <p:cNvSpPr txBox="1"/>
+              <p:nvPr/>
+            </p:nvSpPr>
+            <p:spPr>
+              <a:xfrm>
+                <a:off x="4378973" y="3937876"/>
+                <a:ext cx="3098925" cy="461665"/>
+              </a:xfrm>
+              <a:prstGeom prst="rect">
+                <a:avLst/>
+              </a:prstGeom>
+              <a:noFill/>
+            </p:spPr>
+            <p:txBody>
+              <a:bodyPr wrap="none" rtlCol="0">
+                <a:spAutoFit/>
+              </a:bodyPr>
+              <a:lstStyle/>
+              <a:p>
+                <a:r>
+                  <a:rPr lang="it-IT" sz="1200" dirty="0"/>
+                  <a:t>Take 100 samples with a </a:t>
+                </a:r>
+                <a:r>
+                  <a:rPr lang="it-IT" sz="1200" dirty="0" err="1"/>
+                  <a:t>fixed</a:t>
+                </a:r>
+                <a:r>
+                  <a:rPr lang="it-IT" sz="1200" dirty="0"/>
+                  <a:t> size and </a:t>
+                </a:r>
+                <a:r>
+                  <a:rPr lang="it-IT" sz="1200" dirty="0" err="1"/>
+                  <a:t>calulate</a:t>
+                </a:r>
+                <a:endParaRPr lang="it-IT" sz="1200" dirty="0"/>
+              </a:p>
+              <a:p>
+                <a:r>
+                  <a:rPr lang="it-IT" sz="1200" dirty="0"/>
+                  <a:t> the </a:t>
+                </a:r>
+                <a:r>
+                  <a:rPr lang="it-IT" sz="1200" dirty="0" err="1"/>
+                  <a:t>average</a:t>
+                </a:r>
+                <a:r>
+                  <a:rPr lang="it-IT" sz="1200" dirty="0"/>
+                  <a:t> of </a:t>
+                </a:r>
+                <a:r>
+                  <a:rPr lang="it-IT" sz="1200" dirty="0" err="1"/>
+                  <a:t>each</a:t>
+                </a:r>
+                <a:r>
+                  <a:rPr lang="it-IT" sz="1200" dirty="0"/>
+                  <a:t> sample</a:t>
+                </a:r>
+                <a:endParaRPr lang="en-GB" sz="1200" dirty="0"/>
+              </a:p>
+            </p:txBody>
+          </p:sp>
+          <p:sp>
+            <p:nvSpPr>
+              <p:cNvPr id="9" name="TextBox 8">
+                <a:extLst>
+                  <a:ext uri="{FF2B5EF4-FFF2-40B4-BE49-F238E27FC236}">
+                    <a16:creationId xmlns:a16="http://schemas.microsoft.com/office/drawing/2014/main" id="{E44413D1-9AC7-478F-E697-2C3E3D9D116F}"/>
+                  </a:ext>
+                </a:extLst>
+              </p:cNvPr>
+              <p:cNvSpPr txBox="1"/>
+              <p:nvPr/>
+            </p:nvSpPr>
+            <p:spPr>
+              <a:xfrm>
+                <a:off x="8246123" y="2834700"/>
+                <a:ext cx="3098925" cy="461665"/>
+              </a:xfrm>
+              <a:prstGeom prst="rect">
+                <a:avLst/>
+              </a:prstGeom>
+              <a:noFill/>
+            </p:spPr>
+            <p:txBody>
+              <a:bodyPr wrap="none" rtlCol="0">
+                <a:spAutoFit/>
+              </a:bodyPr>
+              <a:lstStyle/>
+              <a:p>
+                <a:r>
+                  <a:rPr lang="it-IT" sz="1200" dirty="0"/>
+                  <a:t>Take 100 samples with a </a:t>
+                </a:r>
+                <a:r>
+                  <a:rPr lang="it-IT" sz="1200" dirty="0" err="1"/>
+                  <a:t>fixed</a:t>
+                </a:r>
+                <a:r>
+                  <a:rPr lang="it-IT" sz="1200" dirty="0"/>
+                  <a:t> size and </a:t>
+                </a:r>
+                <a:r>
+                  <a:rPr lang="it-IT" sz="1200" dirty="0" err="1"/>
+                  <a:t>calulate</a:t>
+                </a:r>
+                <a:endParaRPr lang="it-IT" sz="1200" dirty="0"/>
+              </a:p>
+              <a:p>
+                <a:r>
+                  <a:rPr lang="it-IT" sz="1200" dirty="0"/>
+                  <a:t> the </a:t>
+                </a:r>
+                <a:r>
+                  <a:rPr lang="it-IT" sz="1200" dirty="0" err="1"/>
+                  <a:t>average</a:t>
+                </a:r>
+                <a:r>
+                  <a:rPr lang="it-IT" sz="1200" dirty="0"/>
+                  <a:t> of </a:t>
+                </a:r>
+                <a:r>
+                  <a:rPr lang="it-IT" sz="1200" dirty="0" err="1"/>
+                  <a:t>each</a:t>
+                </a:r>
+                <a:r>
+                  <a:rPr lang="it-IT" sz="1200" dirty="0"/>
+                  <a:t> sample</a:t>
+                </a:r>
+                <a:endParaRPr lang="en-GB" sz="1200" dirty="0"/>
+              </a:p>
+            </p:txBody>
+          </p:sp>
+          <p:pic>
+            <p:nvPicPr>
+              <p:cNvPr id="14342" name="Picture 6">
+                <a:extLst>
+                  <a:ext uri="{FF2B5EF4-FFF2-40B4-BE49-F238E27FC236}">
+                    <a16:creationId xmlns:a16="http://schemas.microsoft.com/office/drawing/2014/main" id="{19251B3B-60C3-E7A1-2628-23D13CA5DC81}"/>
+                  </a:ext>
+                </a:extLst>
+              </p:cNvPr>
+              <p:cNvPicPr>
+                <a:picLocks noChangeAspect="1" noChangeArrowheads="1"/>
+              </p:cNvPicPr>
+              <p:nvPr/>
+            </p:nvPicPr>
+            <p:blipFill>
+              <a:blip r:embed="rId2">
+                <a:extLst>
+                  <a:ext uri="{28A0092B-C50C-407E-A947-70E740481C1C}">
+                    <a14:useLocalDpi xmlns:a14="http://schemas.microsoft.com/office/drawing/2010/main" val="0"/>
+                  </a:ext>
+                </a:extLst>
+              </a:blip>
+              <a:srcRect/>
+              <a:stretch>
+                <a:fillRect/>
+              </a:stretch>
+            </p:blipFill>
+            <p:spPr bwMode="auto">
+              <a:xfrm>
+                <a:off x="301996" y="3373700"/>
+                <a:ext cx="3816689" cy="2484354"/>
+              </a:xfrm>
+              <a:prstGeom prst="rect">
+                <a:avLst/>
+              </a:prstGeom>
+              <a:noFill/>
+              <a:extLst>
+                <a:ext uri="{909E8E84-426E-40DD-AFC4-6F175D3DCCD1}">
+                  <a14:hiddenFill xmlns:a14="http://schemas.microsoft.com/office/drawing/2010/main">
+                    <a:solidFill>
+                      <a:srgbClr val="FFFFFF"/>
+                    </a:solidFill>
+                  </a14:hiddenFill>
+                </a:ext>
+              </a:extLst>
+            </p:spPr>
+          </p:pic>
+        </p:grpSp>
+        <p:sp>
+          <p:nvSpPr>
+            <p:cNvPr id="10" name="Rectangle 9">
+              <a:extLst>
+                <a:ext uri="{FF2B5EF4-FFF2-40B4-BE49-F238E27FC236}">
+                  <a16:creationId xmlns:a16="http://schemas.microsoft.com/office/drawing/2014/main" id="{B351C8E0-465F-0A1E-F251-F660A94D5A74}"/>
+                </a:ext>
+              </a:extLst>
+            </p:cNvPr>
+            <p:cNvSpPr/>
+            <p:nvPr/>
+          </p:nvSpPr>
+          <p:spPr>
+            <a:xfrm>
+              <a:off x="243191" y="2785350"/>
+              <a:ext cx="11575915" cy="3187433"/>
+            </a:xfrm>
+            <a:prstGeom prst="rect">
+              <a:avLst/>
+            </a:prstGeom>
+            <a:noFill/>
+          </p:spPr>
+          <p:style>
+            <a:lnRef idx="2">
+              <a:schemeClr val="accent1">
+                <a:shade val="50000"/>
+              </a:schemeClr>
+            </a:lnRef>
+            <a:fillRef idx="1">
+              <a:schemeClr val="accent1"/>
+            </a:fillRef>
+            <a:effectRef idx="0">
+              <a:schemeClr val="accent1"/>
+            </a:effectRef>
+            <a:fontRef idx="minor">
+              <a:schemeClr val="lt1"/>
+            </a:fontRef>
+          </p:style>
+          <p:txBody>
+            <a:bodyPr rtlCol="0" anchor="ctr"/>
+            <a:lstStyle/>
+            <a:p>
+              <a:pPr algn="ctr"/>
+              <a:endParaRPr lang="en-GB"/>
+            </a:p>
+          </p:txBody>
+        </p:sp>
+      </p:grpSp>
+      <p:pic>
+        <p:nvPicPr>
+          <p:cNvPr id="14344" name="Picture 8">
+            <a:extLst>
+              <a:ext uri="{FF2B5EF4-FFF2-40B4-BE49-F238E27FC236}">
+                <a16:creationId xmlns:a16="http://schemas.microsoft.com/office/drawing/2014/main" id="{1D8F1E90-0ADE-026E-0493-157731D110E9}"/>
+              </a:ext>
+            </a:extLst>
+          </p:cNvPr>
+          <p:cNvPicPr>
+            <a:picLocks noChangeAspect="1" noChangeArrowheads="1"/>
+          </p:cNvPicPr>
+          <p:nvPr/>
+        </p:nvPicPr>
+        <p:blipFill>
+          <a:blip r:embed="rId3">
+            <a:extLst>
+              <a:ext uri="{28A0092B-C50C-407E-A947-70E740481C1C}">
+                <a14:useLocalDpi xmlns:a14="http://schemas.microsoft.com/office/drawing/2010/main" val="0"/>
+              </a:ext>
+            </a:extLst>
+          </a:blip>
+          <a:srcRect/>
+          <a:stretch>
+            <a:fillRect/>
+          </a:stretch>
+        </p:blipFill>
+        <p:spPr bwMode="auto">
+          <a:xfrm>
+            <a:off x="8117949" y="3454326"/>
+            <a:ext cx="3505200" cy="2362200"/>
+          </a:xfrm>
+          <a:prstGeom prst="rect">
+            <a:avLst/>
+          </a:prstGeom>
+          <a:noFill/>
+          <a:extLst>
+            <a:ext uri="{909E8E84-426E-40DD-AFC4-6F175D3DCCD1}">
+              <a14:hiddenFill xmlns:a14="http://schemas.microsoft.com/office/drawing/2010/main">
+                <a:solidFill>
+                  <a:srgbClr val="FFFFFF"/>
+                </a:solidFill>
+              </a14:hiddenFill>
+            </a:ext>
+          </a:extLst>
+        </p:spPr>
+      </p:pic>
+    </p:spTree>
+    <p:extLst>
+      <p:ext uri="{BB962C8B-B14F-4D97-AF65-F5344CB8AC3E}">
+        <p14:creationId xmlns:p14="http://schemas.microsoft.com/office/powerpoint/2010/main" val="3363913124"/>
+      </p:ext>
+    </p:extLst>
+  </p:cSld>
+  <p:clrMapOvr>
+    <a:masterClrMapping/>
+  </p:clrMapOvr>
+</p:sld>
+</file>
+
+<file path=ppt/slides/slide23.xml><?xml version="1.0" encoding="utf-8"?>
+<p:sld xmlns:a="http://schemas.openxmlformats.org/drawingml/2006/main" xmlns:r="http://schemas.openxmlformats.org/officeDocument/2006/relationships" xmlns:p="http://schemas.openxmlformats.org/presentationml/2006/main">
+  <p:cSld>
+    <p:spTree>
+      <p:nvGrpSpPr>
+        <p:cNvPr id="1" name=""/>
+        <p:cNvGrpSpPr/>
+        <p:nvPr/>
+      </p:nvGrpSpPr>
+      <p:grpSpPr>
+        <a:xfrm>
+          <a:off x="0" y="0"/>
+          <a:ext cx="0" cy="0"/>
+          <a:chOff x="0" y="0"/>
+          <a:chExt cx="0" cy="0"/>
+        </a:xfrm>
+      </p:grpSpPr>
       <mc:AlternateContent xmlns:mc="http://schemas.openxmlformats.org/markup-compatibility/2006" xmlns:a14="http://schemas.microsoft.com/office/drawing/2010/main">
         <mc:Choice Requires="a14">
           <p:sp>
@@ -13287,7 +14664,7 @@
 </p:sld>
 </file>
 
-<file path=ppt/slides/slide21.xml><?xml version="1.0" encoding="utf-8"?>
+<file path=ppt/slides/slide24.xml><?xml version="1.0" encoding="utf-8"?>
 <p:sld xmlns:a="http://schemas.openxmlformats.org/drawingml/2006/main" xmlns:r="http://schemas.openxmlformats.org/officeDocument/2006/relationships" xmlns:p="http://schemas.openxmlformats.org/presentationml/2006/main">
   <p:cSld>
     <p:spTree>
@@ -13708,7 +15085,7 @@
 </p:sld>
 </file>
 
-<file path=ppt/slides/slide22.xml><?xml version="1.0" encoding="utf-8"?>
+<file path=ppt/slides/slide25.xml><?xml version="1.0" encoding="utf-8"?>
 <p:sld xmlns:a="http://schemas.openxmlformats.org/drawingml/2006/main" xmlns:r="http://schemas.openxmlformats.org/officeDocument/2006/relationships" xmlns:p="http://schemas.openxmlformats.org/presentationml/2006/main">
   <p:cSld>
     <p:spTree>
@@ -13803,7 +15180,7 @@
 </p:sld>
 </file>
 
-<file path=ppt/slides/slide23.xml><?xml version="1.0" encoding="utf-8"?>
+<file path=ppt/slides/slide26.xml><?xml version="1.0" encoding="utf-8"?>
 <p:sld xmlns:a="http://schemas.openxmlformats.org/drawingml/2006/main" xmlns:r="http://schemas.openxmlformats.org/officeDocument/2006/relationships" xmlns:p="http://schemas.openxmlformats.org/presentationml/2006/main">
   <p:cSld>
     <p:spTree>
@@ -17973,8 +19350,8 @@
           </a:p>
         </p:txBody>
       </p:sp>
-      <mc:AlternateContent xmlns:mc="http://schemas.openxmlformats.org/markup-compatibility/2006">
-        <mc:Choice xmlns:a14="http://schemas.microsoft.com/office/drawing/2010/main" Requires="a14">
+      <mc:AlternateContent xmlns:mc="http://schemas.openxmlformats.org/markup-compatibility/2006" xmlns:a14="http://schemas.microsoft.com/office/drawing/2010/main">
+        <mc:Choice Requires="a14">
           <p:sp>
             <p:nvSpPr>
               <p:cNvPr id="22" name="TextBox 21">
@@ -18123,7 +19500,7 @@
             </p:txBody>
           </p:sp>
         </mc:Choice>
-        <mc:Fallback>
+        <mc:Fallback xmlns="">
           <p:sp>
             <p:nvSpPr>
               <p:cNvPr id="22" name="TextBox 21">
@@ -18173,8 +19550,8 @@
           </p:sp>
         </mc:Fallback>
       </mc:AlternateContent>
-      <mc:AlternateContent xmlns:mc="http://schemas.openxmlformats.org/markup-compatibility/2006">
-        <mc:Choice xmlns:a14="http://schemas.microsoft.com/office/drawing/2010/main" Requires="a14">
+      <mc:AlternateContent xmlns:mc="http://schemas.openxmlformats.org/markup-compatibility/2006" xmlns:a14="http://schemas.microsoft.com/office/drawing/2010/main">
+        <mc:Choice Requires="a14">
           <p:sp>
             <p:nvSpPr>
               <p:cNvPr id="31" name="TextBox 30">
@@ -18372,7 +19749,7 @@
             </p:txBody>
           </p:sp>
         </mc:Choice>
-        <mc:Fallback>
+        <mc:Fallback xmlns="">
           <p:sp>
             <p:nvSpPr>
               <p:cNvPr id="31" name="TextBox 30">
@@ -18422,8 +19799,8 @@
           </p:sp>
         </mc:Fallback>
       </mc:AlternateContent>
-      <mc:AlternateContent xmlns:mc="http://schemas.openxmlformats.org/markup-compatibility/2006">
-        <mc:Choice xmlns:a14="http://schemas.microsoft.com/office/drawing/2010/main" Requires="a14">
+      <mc:AlternateContent xmlns:mc="http://schemas.openxmlformats.org/markup-compatibility/2006" xmlns:a14="http://schemas.microsoft.com/office/drawing/2010/main">
+        <mc:Choice Requires="a14">
           <p:sp>
             <p:nvSpPr>
               <p:cNvPr id="39" name="TextBox 38">
@@ -18623,7 +20000,7 @@
             </p:txBody>
           </p:sp>
         </mc:Choice>
-        <mc:Fallback>
+        <mc:Fallback xmlns="">
           <p:sp>
             <p:nvSpPr>
               <p:cNvPr id="39" name="TextBox 38">
@@ -18733,8 +20110,8 @@
           <a:chExt cx="0" cy="0"/>
         </a:xfrm>
       </p:grpSpPr>
-      <mc:AlternateContent xmlns:mc="http://schemas.openxmlformats.org/markup-compatibility/2006">
-        <mc:Choice xmlns:a14="http://schemas.microsoft.com/office/drawing/2010/main" Requires="a14">
+      <mc:AlternateContent xmlns:mc="http://schemas.openxmlformats.org/markup-compatibility/2006" xmlns:a14="http://schemas.microsoft.com/office/drawing/2010/main">
+        <mc:Choice Requires="a14">
           <p:graphicFrame>
             <p:nvGraphicFramePr>
               <p:cNvPr id="4" name="Table 4">
@@ -20492,7 +21869,7 @@
             </a:graphic>
           </p:graphicFrame>
         </mc:Choice>
-        <mc:Fallback>
+        <mc:Fallback xmlns="">
           <p:graphicFrame>
             <p:nvGraphicFramePr>
               <p:cNvPr id="4" name="Table 4">

--- a/Probability_Statistics/Probability_Statistics_intro.pptx
+++ b/Probability_Statistics/Probability_Statistics_intro.pptx
@@ -24,15 +24,14 @@
     <p:sldId id="274" r:id="rId18"/>
     <p:sldId id="273" r:id="rId19"/>
     <p:sldId id="282" r:id="rId20"/>
-    <p:sldId id="289" r:id="rId21"/>
-    <p:sldId id="292" r:id="rId22"/>
-    <p:sldId id="290" r:id="rId23"/>
-    <p:sldId id="291" r:id="rId24"/>
-    <p:sldId id="276" r:id="rId25"/>
-    <p:sldId id="277" r:id="rId26"/>
+    <p:sldId id="291" r:id="rId21"/>
+    <p:sldId id="276" r:id="rId22"/>
+    <p:sldId id="277" r:id="rId23"/>
+    <p:sldId id="294" r:id="rId24"/>
+    <p:sldId id="289" r:id="rId25"/>
+    <p:sldId id="290" r:id="rId26"/>
     <p:sldId id="278" r:id="rId27"/>
-    <p:sldId id="283" r:id="rId28"/>
-    <p:sldId id="261" r:id="rId29"/>
+    <p:sldId id="295" r:id="rId28"/>
   </p:sldIdLst>
   <p:sldSz cx="12192000" cy="6858000"/>
   <p:notesSz cx="6858000" cy="9144000"/>
@@ -141,7 +140,7 @@
 
 <file path=ppt/commentAuthors.xml><?xml version="1.0" encoding="utf-8"?>
 <p:cmAuthorLst xmlns:a="http://schemas.openxmlformats.org/drawingml/2006/main" xmlns:r="http://schemas.openxmlformats.org/officeDocument/2006/relationships" xmlns:p="http://schemas.openxmlformats.org/presentationml/2006/main">
-  <p:cmAuthor id="1" name="Marco Calbucci" initials="MC" lastIdx="10" clrIdx="0">
+  <p:cmAuthor id="1" name="Marco Calbucci" initials="MC" lastIdx="11" clrIdx="0">
     <p:extLst>
       <p:ext uri="{19B8F6BF-5375-455C-9EA6-DF929625EA0E}">
         <p15:presenceInfo xmlns:p15="http://schemas.microsoft.com/office/powerpoint/2012/main" userId="8ad0cc2cf7555d7f" providerId="Windows Live"/>
@@ -271,34 +270,6 @@
 </pc:chgInfo>
 </file>
 
-<file path=ppt/comments/comment1.xml><?xml version="1.0" encoding="utf-8"?>
-<p:cmLst xmlns:a="http://schemas.openxmlformats.org/drawingml/2006/main" xmlns:r="http://schemas.openxmlformats.org/officeDocument/2006/relationships" xmlns:p="http://schemas.openxmlformats.org/presentationml/2006/main">
-  <p:cm authorId="1" dt="2022-05-10T22:38:18.672" idx="9">
-    <p:pos x="10" y="10"/>
-    <p:text>Independent of the mean and std, same number of std from mean --&gt; same probability</p:text>
-    <p:extLst>
-      <p:ext uri="{C676402C-5697-4E1C-873F-D02D1690AC5C}">
-        <p15:threadingInfo xmlns:p15="http://schemas.microsoft.com/office/powerpoint/2012/main" timeZoneBias="-120"/>
-      </p:ext>
-    </p:extLst>
-  </p:cm>
-</p:cmLst>
-</file>
-
-<file path=ppt/comments/comment2.xml><?xml version="1.0" encoding="utf-8"?>
-<p:cmLst xmlns:a="http://schemas.openxmlformats.org/drawingml/2006/main" xmlns:r="http://schemas.openxmlformats.org/officeDocument/2006/relationships" xmlns:p="http://schemas.openxmlformats.org/presentationml/2006/main">
-  <p:cm authorId="1" dt="2022-05-10T23:48:26.459" idx="10">
-    <p:pos x="10" y="10"/>
-    <p:text>Esempio maratoneti</p:text>
-    <p:extLst>
-      <p:ext uri="{C676402C-5697-4E1C-873F-D02D1690AC5C}">
-        <p15:threadingInfo xmlns:p15="http://schemas.microsoft.com/office/powerpoint/2012/main" timeZoneBias="-120"/>
-      </p:ext>
-    </p:extLst>
-  </p:cm>
-</p:cmLst>
-</file>
-
 <file path=ppt/slideLayouts/slideLayout1.xml><?xml version="1.0" encoding="utf-8"?>
 <p:sldLayout xmlns:a="http://schemas.openxmlformats.org/drawingml/2006/main" xmlns:r="http://schemas.openxmlformats.org/officeDocument/2006/relationships" xmlns:p="http://schemas.openxmlformats.org/presentationml/2006/main" type="title" preserve="1">
   <p:cSld name="Title Slide">
@@ -448,7 +419,7 @@
           <a:p>
             <a:fld id="{C369705D-41FE-4C2A-AD94-64E2E5127CB0}" type="datetimeFigureOut">
               <a:rPr lang="it-IT" smtClean="0"/>
-              <a:t>04/06/2022</a:t>
+              <a:t>22/06/2022</a:t>
             </a:fld>
             <a:endParaRPr lang="it-IT"/>
           </a:p>
@@ -648,7 +619,7 @@
           <a:p>
             <a:fld id="{C369705D-41FE-4C2A-AD94-64E2E5127CB0}" type="datetimeFigureOut">
               <a:rPr lang="it-IT" smtClean="0"/>
-              <a:t>04/06/2022</a:t>
+              <a:t>22/06/2022</a:t>
             </a:fld>
             <a:endParaRPr lang="it-IT"/>
           </a:p>
@@ -858,7 +829,7 @@
           <a:p>
             <a:fld id="{C369705D-41FE-4C2A-AD94-64E2E5127CB0}" type="datetimeFigureOut">
               <a:rPr lang="it-IT" smtClean="0"/>
-              <a:t>04/06/2022</a:t>
+              <a:t>22/06/2022</a:t>
             </a:fld>
             <a:endParaRPr lang="it-IT"/>
           </a:p>
@@ -1058,7 +1029,7 @@
           <a:p>
             <a:fld id="{C369705D-41FE-4C2A-AD94-64E2E5127CB0}" type="datetimeFigureOut">
               <a:rPr lang="it-IT" smtClean="0"/>
-              <a:t>04/06/2022</a:t>
+              <a:t>22/06/2022</a:t>
             </a:fld>
             <a:endParaRPr lang="it-IT"/>
           </a:p>
@@ -1334,7 +1305,7 @@
           <a:p>
             <a:fld id="{C369705D-41FE-4C2A-AD94-64E2E5127CB0}" type="datetimeFigureOut">
               <a:rPr lang="it-IT" smtClean="0"/>
-              <a:t>04/06/2022</a:t>
+              <a:t>22/06/2022</a:t>
             </a:fld>
             <a:endParaRPr lang="it-IT"/>
           </a:p>
@@ -1602,7 +1573,7 @@
           <a:p>
             <a:fld id="{C369705D-41FE-4C2A-AD94-64E2E5127CB0}" type="datetimeFigureOut">
               <a:rPr lang="it-IT" smtClean="0"/>
-              <a:t>04/06/2022</a:t>
+              <a:t>22/06/2022</a:t>
             </a:fld>
             <a:endParaRPr lang="it-IT"/>
           </a:p>
@@ -2017,7 +1988,7 @@
           <a:p>
             <a:fld id="{C369705D-41FE-4C2A-AD94-64E2E5127CB0}" type="datetimeFigureOut">
               <a:rPr lang="it-IT" smtClean="0"/>
-              <a:t>04/06/2022</a:t>
+              <a:t>22/06/2022</a:t>
             </a:fld>
             <a:endParaRPr lang="it-IT"/>
           </a:p>
@@ -2159,7 +2130,7 @@
           <a:p>
             <a:fld id="{C369705D-41FE-4C2A-AD94-64E2E5127CB0}" type="datetimeFigureOut">
               <a:rPr lang="it-IT" smtClean="0"/>
-              <a:t>04/06/2022</a:t>
+              <a:t>22/06/2022</a:t>
             </a:fld>
             <a:endParaRPr lang="it-IT"/>
           </a:p>
@@ -2272,7 +2243,7 @@
           <a:p>
             <a:fld id="{C369705D-41FE-4C2A-AD94-64E2E5127CB0}" type="datetimeFigureOut">
               <a:rPr lang="it-IT" smtClean="0"/>
-              <a:t>04/06/2022</a:t>
+              <a:t>22/06/2022</a:t>
             </a:fld>
             <a:endParaRPr lang="it-IT"/>
           </a:p>
@@ -2585,7 +2556,7 @@
           <a:p>
             <a:fld id="{C369705D-41FE-4C2A-AD94-64E2E5127CB0}" type="datetimeFigureOut">
               <a:rPr lang="it-IT" smtClean="0"/>
-              <a:t>04/06/2022</a:t>
+              <a:t>22/06/2022</a:t>
             </a:fld>
             <a:endParaRPr lang="it-IT"/>
           </a:p>
@@ -2874,7 +2845,7 @@
           <a:p>
             <a:fld id="{C369705D-41FE-4C2A-AD94-64E2E5127CB0}" type="datetimeFigureOut">
               <a:rPr lang="it-IT" smtClean="0"/>
-              <a:t>04/06/2022</a:t>
+              <a:t>22/06/2022</a:t>
             </a:fld>
             <a:endParaRPr lang="it-IT"/>
           </a:p>
@@ -3117,7 +3088,7 @@
           <a:p>
             <a:fld id="{C369705D-41FE-4C2A-AD94-64E2E5127CB0}" type="datetimeFigureOut">
               <a:rPr lang="it-IT" smtClean="0"/>
-              <a:t>04/06/2022</a:t>
+              <a:t>22/06/2022</a:t>
             </a:fld>
             <a:endParaRPr lang="it-IT"/>
           </a:p>
@@ -5985,12 +5956,12 @@
                     <a:p>
                       <a:pPr algn="ctr" fontAlgn="b"/>
                       <a:r>
-                        <a:rPr lang="en-GB" sz="900" u="none" strike="noStrike">
+                        <a:rPr lang="en-GB" sz="900" u="none" strike="noStrike" dirty="0">
                           <a:effectLst/>
                         </a:rPr>
                         <a:t> $          64,000.00 </a:t>
                       </a:r>
-                      <a:endParaRPr lang="en-GB" sz="900" b="0" i="0" u="none" strike="noStrike">
+                      <a:endParaRPr lang="en-GB" sz="900" b="0" i="0" u="none" strike="noStrike" dirty="0">
                         <a:solidFill>
                           <a:srgbClr val="000000"/>
                         </a:solidFill>
@@ -6105,12 +6076,12 @@
                     <a:p>
                       <a:pPr algn="ctr" fontAlgn="b"/>
                       <a:r>
-                        <a:rPr lang="en-GB" sz="900" u="none" strike="noStrike">
+                        <a:rPr lang="en-GB" sz="900" u="none" strike="noStrike" dirty="0">
                           <a:effectLst/>
                         </a:rPr>
                         <a:t> $          54,330.00 </a:t>
                       </a:r>
-                      <a:endParaRPr lang="en-GB" sz="900" b="0" i="0" u="none" strike="noStrike">
+                      <a:endParaRPr lang="en-GB" sz="900" b="0" i="0" u="none" strike="noStrike" dirty="0">
                         <a:solidFill>
                           <a:srgbClr val="000000"/>
                         </a:solidFill>
@@ -6165,12 +6136,12 @@
                     <a:p>
                       <a:pPr algn="ctr" fontAlgn="b"/>
                       <a:r>
-                        <a:rPr lang="en-GB" sz="900" u="none" strike="noStrike">
+                        <a:rPr lang="en-GB" sz="900" u="none" strike="noStrike" dirty="0">
                           <a:effectLst/>
                         </a:rPr>
                         <a:t> $          51,000.00 </a:t>
                       </a:r>
-                      <a:endParaRPr lang="en-GB" sz="900" b="0" i="0" u="none" strike="noStrike">
+                      <a:endParaRPr lang="en-GB" sz="900" b="0" i="0" u="none" strike="noStrike" dirty="0">
                         <a:solidFill>
                           <a:srgbClr val="000000"/>
                         </a:solidFill>
@@ -12030,8 +12001,8 @@
         </p:nvSpPr>
         <p:spPr>
           <a:xfrm>
-            <a:off x="1573823" y="1283677"/>
-            <a:ext cx="9314216" cy="4031873"/>
+            <a:off x="1994428" y="1934307"/>
+            <a:ext cx="8203143" cy="2554545"/>
           </a:xfrm>
           <a:prstGeom prst="rect">
             <a:avLst/>
@@ -12060,7 +12031,7 @@
             </a:pPr>
             <a:r>
               <a:rPr lang="en-GB" sz="3200" dirty="0"/>
-              <a:t>Expected value</a:t>
+              <a:t>Probability distributions</a:t>
             </a:r>
           </a:p>
           <a:p>
@@ -12070,7 +12041,7 @@
             </a:pPr>
             <a:r>
               <a:rPr lang="en-GB" sz="3200" dirty="0"/>
-              <a:t>Probability distributions</a:t>
+              <a:t>Correlation</a:t>
             </a:r>
           </a:p>
           <a:p>
@@ -12080,37 +12051,7 @@
             </a:pPr>
             <a:r>
               <a:rPr lang="en-GB" sz="3200" dirty="0"/>
-              <a:t>Measures of central tendency, asymmetry, variability</a:t>
-            </a:r>
-          </a:p>
-          <a:p>
-            <a:pPr marL="342900" indent="-342900">
-              <a:buFont typeface="Arial" panose="020B0604020202020204" pitchFamily="34" charset="0"/>
-              <a:buChar char="•"/>
-            </a:pPr>
-            <a:r>
-              <a:rPr lang="en-GB" sz="3200" dirty="0"/>
-              <a:t>Correlation</a:t>
-            </a:r>
-          </a:p>
-          <a:p>
-            <a:pPr marL="342900" indent="-342900">
-              <a:buFont typeface="Arial" panose="020B0604020202020204" pitchFamily="34" charset="0"/>
-              <a:buChar char="•"/>
-            </a:pPr>
-            <a:r>
-              <a:rPr lang="en-GB" sz="3200" dirty="0"/>
-              <a:t>Normal distribution</a:t>
-            </a:r>
-          </a:p>
-          <a:p>
-            <a:pPr marL="342900" indent="-342900">
-              <a:buFont typeface="Arial" panose="020B0604020202020204" pitchFamily="34" charset="0"/>
-              <a:buChar char="•"/>
-            </a:pPr>
-            <a:r>
-              <a:rPr lang="en-GB" sz="3200" dirty="0"/>
-              <a:t>Central limit theorem</a:t>
+              <a:t>Normal distribution and Central limit theorem</a:t>
             </a:r>
           </a:p>
           <a:p>
@@ -12139,843 +12080,6 @@
 </file>
 
 <file path=ppt/slides/slide20.xml><?xml version="1.0" encoding="utf-8"?>
-<p:sld xmlns:a="http://schemas.openxmlformats.org/drawingml/2006/main" xmlns:r="http://schemas.openxmlformats.org/officeDocument/2006/relationships" xmlns:p="http://schemas.openxmlformats.org/presentationml/2006/main">
-  <p:cSld>
-    <p:spTree>
-      <p:nvGrpSpPr>
-        <p:cNvPr id="1" name=""/>
-        <p:cNvGrpSpPr/>
-        <p:nvPr/>
-      </p:nvGrpSpPr>
-      <p:grpSpPr>
-        <a:xfrm>
-          <a:off x="0" y="0"/>
-          <a:ext cx="0" cy="0"/>
-          <a:chOff x="0" y="0"/>
-          <a:chExt cx="0" cy="0"/>
-        </a:xfrm>
-      </p:grpSpPr>
-      <p:sp>
-        <p:nvSpPr>
-          <p:cNvPr id="4" name="TextBox 3">
-            <a:extLst>
-              <a:ext uri="{FF2B5EF4-FFF2-40B4-BE49-F238E27FC236}">
-                <a16:creationId xmlns:a16="http://schemas.microsoft.com/office/drawing/2014/main" id="{EB45A09E-5C1B-7029-F408-457C3D063C26}"/>
-              </a:ext>
-            </a:extLst>
-          </p:cNvPr>
-          <p:cNvSpPr txBox="1"/>
-          <p:nvPr/>
-        </p:nvSpPr>
-        <p:spPr>
-          <a:xfrm>
-            <a:off x="503853" y="531845"/>
-            <a:ext cx="11243388" cy="954107"/>
-          </a:xfrm>
-          <a:prstGeom prst="rect">
-            <a:avLst/>
-          </a:prstGeom>
-          <a:noFill/>
-        </p:spPr>
-        <p:txBody>
-          <a:bodyPr wrap="square" rtlCol="0">
-            <a:spAutoFit/>
-          </a:bodyPr>
-          <a:lstStyle/>
-          <a:p>
-            <a:r>
-              <a:rPr lang="en-GB" sz="2400" b="1" dirty="0"/>
-              <a:t>T distribution</a:t>
-            </a:r>
-          </a:p>
-          <a:p>
-            <a:r>
-              <a:rPr lang="en-GB" sz="1600" dirty="0"/>
-              <a:t>The T distribution, also known as the Student's t-distribution, is a type of probability distribution that is similar to the normal distribution but with a greater chance for extreme values, hence the fatter tails.</a:t>
-            </a:r>
-          </a:p>
-        </p:txBody>
-      </p:sp>
-      <p:pic>
-        <p:nvPicPr>
-          <p:cNvPr id="1026" name="Picture 2">
-            <a:extLst>
-              <a:ext uri="{FF2B5EF4-FFF2-40B4-BE49-F238E27FC236}">
-                <a16:creationId xmlns:a16="http://schemas.microsoft.com/office/drawing/2014/main" id="{8C9BBFDA-0641-26EE-AF92-8274B5BE2DF3}"/>
-              </a:ext>
-            </a:extLst>
-          </p:cNvPr>
-          <p:cNvPicPr>
-            <a:picLocks noChangeAspect="1" noChangeArrowheads="1"/>
-          </p:cNvPicPr>
-          <p:nvPr/>
-        </p:nvPicPr>
-        <p:blipFill>
-          <a:blip r:embed="rId2">
-            <a:extLst>
-              <a:ext uri="{28A0092B-C50C-407E-A947-70E740481C1C}">
-                <a14:useLocalDpi xmlns:a14="http://schemas.microsoft.com/office/drawing/2010/main" val="0"/>
-              </a:ext>
-            </a:extLst>
-          </a:blip>
-          <a:srcRect/>
-          <a:stretch>
-            <a:fillRect/>
-          </a:stretch>
-        </p:blipFill>
-        <p:spPr bwMode="auto">
-          <a:xfrm>
-            <a:off x="812065" y="2521237"/>
-            <a:ext cx="5606318" cy="3747079"/>
-          </a:xfrm>
-          <a:prstGeom prst="rect">
-            <a:avLst/>
-          </a:prstGeom>
-          <a:noFill/>
-          <a:extLst>
-            <a:ext uri="{909E8E84-426E-40DD-AFC4-6F175D3DCCD1}">
-              <a14:hiddenFill xmlns:a14="http://schemas.microsoft.com/office/drawing/2010/main">
-                <a:solidFill>
-                  <a:srgbClr val="FFFFFF"/>
-                </a:solidFill>
-              </a14:hiddenFill>
-            </a:ext>
-          </a:extLst>
-        </p:spPr>
-      </p:pic>
-      <p:pic>
-        <p:nvPicPr>
-          <p:cNvPr id="5" name="Picture 4">
-            <a:extLst>
-              <a:ext uri="{FF2B5EF4-FFF2-40B4-BE49-F238E27FC236}">
-                <a16:creationId xmlns:a16="http://schemas.microsoft.com/office/drawing/2014/main" id="{DD018E26-4685-4F7E-9D58-FB0DA7306EAA}"/>
-              </a:ext>
-            </a:extLst>
-          </p:cNvPr>
-          <p:cNvPicPr>
-            <a:picLocks noChangeAspect="1"/>
-          </p:cNvPicPr>
-          <p:nvPr/>
-        </p:nvPicPr>
-        <p:blipFill>
-          <a:blip r:embed="rId3"/>
-          <a:stretch>
-            <a:fillRect/>
-          </a:stretch>
-        </p:blipFill>
-        <p:spPr>
-          <a:xfrm>
-            <a:off x="7587762" y="1257301"/>
-            <a:ext cx="3855560" cy="5484202"/>
-          </a:xfrm>
-          <a:prstGeom prst="rect">
-            <a:avLst/>
-          </a:prstGeom>
-        </p:spPr>
-      </p:pic>
-    </p:spTree>
-    <p:extLst>
-      <p:ext uri="{BB962C8B-B14F-4D97-AF65-F5344CB8AC3E}">
-        <p14:creationId xmlns:p14="http://schemas.microsoft.com/office/powerpoint/2010/main" val="2285416668"/>
-      </p:ext>
-    </p:extLst>
-  </p:cSld>
-  <p:clrMapOvr>
-    <a:masterClrMapping/>
-  </p:clrMapOvr>
-</p:sld>
-</file>
-
-<file path=ppt/slides/slide21.xml><?xml version="1.0" encoding="utf-8"?>
-<p:sld xmlns:a="http://schemas.openxmlformats.org/drawingml/2006/main" xmlns:r="http://schemas.openxmlformats.org/officeDocument/2006/relationships" xmlns:p="http://schemas.openxmlformats.org/presentationml/2006/main">
-  <p:cSld>
-    <p:spTree>
-      <p:nvGrpSpPr>
-        <p:cNvPr id="1" name=""/>
-        <p:cNvGrpSpPr/>
-        <p:nvPr/>
-      </p:nvGrpSpPr>
-      <p:grpSpPr>
-        <a:xfrm>
-          <a:off x="0" y="0"/>
-          <a:ext cx="0" cy="0"/>
-          <a:chOff x="0" y="0"/>
-          <a:chExt cx="0" cy="0"/>
-        </a:xfrm>
-      </p:grpSpPr>
-      <p:pic>
-        <p:nvPicPr>
-          <p:cNvPr id="3" name="Picture 2">
-            <a:extLst>
-              <a:ext uri="{FF2B5EF4-FFF2-40B4-BE49-F238E27FC236}">
-                <a16:creationId xmlns:a16="http://schemas.microsoft.com/office/drawing/2014/main" id="{EF2922FA-B235-F3E4-A5A6-4735EAF8D1E5}"/>
-              </a:ext>
-            </a:extLst>
-          </p:cNvPr>
-          <p:cNvPicPr>
-            <a:picLocks noChangeAspect="1"/>
-          </p:cNvPicPr>
-          <p:nvPr/>
-        </p:nvPicPr>
-        <p:blipFill>
-          <a:blip r:embed="rId2"/>
-          <a:stretch>
-            <a:fillRect/>
-          </a:stretch>
-        </p:blipFill>
-        <p:spPr>
-          <a:xfrm>
-            <a:off x="3642579" y="428625"/>
-            <a:ext cx="4010025" cy="6229350"/>
-          </a:xfrm>
-          <a:prstGeom prst="rect">
-            <a:avLst/>
-          </a:prstGeom>
-        </p:spPr>
-      </p:pic>
-    </p:spTree>
-    <p:extLst>
-      <p:ext uri="{BB962C8B-B14F-4D97-AF65-F5344CB8AC3E}">
-        <p14:creationId xmlns:p14="http://schemas.microsoft.com/office/powerpoint/2010/main" val="2888237576"/>
-      </p:ext>
-    </p:extLst>
-  </p:cSld>
-  <p:clrMapOvr>
-    <a:masterClrMapping/>
-  </p:clrMapOvr>
-</p:sld>
-</file>
-
-<file path=ppt/slides/slide22.xml><?xml version="1.0" encoding="utf-8"?>
-<p:sld xmlns:a="http://schemas.openxmlformats.org/drawingml/2006/main" xmlns:r="http://schemas.openxmlformats.org/officeDocument/2006/relationships" xmlns:p="http://schemas.openxmlformats.org/presentationml/2006/main">
-  <p:cSld>
-    <p:spTree>
-      <p:nvGrpSpPr>
-        <p:cNvPr id="1" name=""/>
-        <p:cNvGrpSpPr/>
-        <p:nvPr/>
-      </p:nvGrpSpPr>
-      <p:grpSpPr>
-        <a:xfrm>
-          <a:off x="0" y="0"/>
-          <a:ext cx="0" cy="0"/>
-          <a:chOff x="0" y="0"/>
-          <a:chExt cx="0" cy="0"/>
-        </a:xfrm>
-      </p:grpSpPr>
-      <p:sp>
-        <p:nvSpPr>
-          <p:cNvPr id="4" name="TextBox 3">
-            <a:extLst>
-              <a:ext uri="{FF2B5EF4-FFF2-40B4-BE49-F238E27FC236}">
-                <a16:creationId xmlns:a16="http://schemas.microsoft.com/office/drawing/2014/main" id="{5BC546FC-3FA5-F4A7-9137-68D234C6086A}"/>
-              </a:ext>
-            </a:extLst>
-          </p:cNvPr>
-          <p:cNvSpPr txBox="1"/>
-          <p:nvPr/>
-        </p:nvSpPr>
-        <p:spPr>
-          <a:xfrm>
-            <a:off x="503853" y="531845"/>
-            <a:ext cx="11243388" cy="461665"/>
-          </a:xfrm>
-          <a:prstGeom prst="rect">
-            <a:avLst/>
-          </a:prstGeom>
-          <a:noFill/>
-        </p:spPr>
-        <p:txBody>
-          <a:bodyPr wrap="square" rtlCol="0">
-            <a:spAutoFit/>
-          </a:bodyPr>
-          <a:lstStyle/>
-          <a:p>
-            <a:r>
-              <a:rPr lang="en-GB" sz="2400" b="1" dirty="0"/>
-              <a:t>z-score or t-score?</a:t>
-            </a:r>
-          </a:p>
-        </p:txBody>
-      </p:sp>
-      <p:sp>
-        <p:nvSpPr>
-          <p:cNvPr id="7" name="TextBox 6">
-            <a:extLst>
-              <a:ext uri="{FF2B5EF4-FFF2-40B4-BE49-F238E27FC236}">
-                <a16:creationId xmlns:a16="http://schemas.microsoft.com/office/drawing/2014/main" id="{887EADBB-8312-99F9-0B92-BBDFEE8263B0}"/>
-              </a:ext>
-            </a:extLst>
-          </p:cNvPr>
-          <p:cNvSpPr txBox="1"/>
-          <p:nvPr/>
-        </p:nvSpPr>
-        <p:spPr>
-          <a:xfrm>
-            <a:off x="3692770" y="1714500"/>
-            <a:ext cx="4232890" cy="369332"/>
-          </a:xfrm>
-          <a:prstGeom prst="rect">
-            <a:avLst/>
-          </a:prstGeom>
-          <a:noFill/>
-          <a:ln>
-            <a:solidFill>
-              <a:schemeClr val="tx1"/>
-            </a:solidFill>
-          </a:ln>
-        </p:spPr>
-        <p:txBody>
-          <a:bodyPr wrap="square" rtlCol="0">
-            <a:spAutoFit/>
-          </a:bodyPr>
-          <a:lstStyle/>
-          <a:p>
-            <a:r>
-              <a:rPr lang="en-GB" dirty="0"/>
-              <a:t>Do you know the population standard dev?</a:t>
-            </a:r>
-          </a:p>
-        </p:txBody>
-      </p:sp>
-      <p:sp>
-        <p:nvSpPr>
-          <p:cNvPr id="8" name="TextBox 7">
-            <a:extLst>
-              <a:ext uri="{FF2B5EF4-FFF2-40B4-BE49-F238E27FC236}">
-                <a16:creationId xmlns:a16="http://schemas.microsoft.com/office/drawing/2014/main" id="{A4C58ECF-77FB-4BC7-B579-3CBEE748D93D}"/>
-              </a:ext>
-            </a:extLst>
-          </p:cNvPr>
-          <p:cNvSpPr txBox="1"/>
-          <p:nvPr/>
-        </p:nvSpPr>
-        <p:spPr>
-          <a:xfrm>
-            <a:off x="1793631" y="3042166"/>
-            <a:ext cx="2841996" cy="369332"/>
-          </a:xfrm>
-          <a:prstGeom prst="rect">
-            <a:avLst/>
-          </a:prstGeom>
-          <a:noFill/>
-          <a:ln>
-            <a:solidFill>
-              <a:schemeClr val="tx1"/>
-            </a:solidFill>
-          </a:ln>
-        </p:spPr>
-        <p:txBody>
-          <a:bodyPr wrap="none" rtlCol="0">
-            <a:spAutoFit/>
-          </a:bodyPr>
-          <a:lstStyle/>
-          <a:p>
-            <a:r>
-              <a:rPr lang="en-GB" dirty="0"/>
-              <a:t>Is the sample size above 30?</a:t>
-            </a:r>
-          </a:p>
-        </p:txBody>
-      </p:sp>
-      <p:sp>
-        <p:nvSpPr>
-          <p:cNvPr id="9" name="TextBox 8">
-            <a:extLst>
-              <a:ext uri="{FF2B5EF4-FFF2-40B4-BE49-F238E27FC236}">
-                <a16:creationId xmlns:a16="http://schemas.microsoft.com/office/drawing/2014/main" id="{14D0045A-D94E-0824-5EFD-1ACDB7AC0F8A}"/>
-              </a:ext>
-            </a:extLst>
-          </p:cNvPr>
-          <p:cNvSpPr txBox="1"/>
-          <p:nvPr/>
-        </p:nvSpPr>
-        <p:spPr>
-          <a:xfrm>
-            <a:off x="7925660" y="3042166"/>
-            <a:ext cx="1237711" cy="369332"/>
-          </a:xfrm>
-          <a:prstGeom prst="rect">
-            <a:avLst/>
-          </a:prstGeom>
-          <a:noFill/>
-          <a:ln>
-            <a:solidFill>
-              <a:schemeClr val="tx1"/>
-            </a:solidFill>
-          </a:ln>
-        </p:spPr>
-        <p:txBody>
-          <a:bodyPr wrap="none" rtlCol="0">
-            <a:spAutoFit/>
-          </a:bodyPr>
-          <a:lstStyle/>
-          <a:p>
-            <a:r>
-              <a:rPr lang="en-GB" dirty="0"/>
-              <a:t>Use t-score</a:t>
-            </a:r>
-          </a:p>
-        </p:txBody>
-      </p:sp>
-      <p:sp>
-        <p:nvSpPr>
-          <p:cNvPr id="10" name="TextBox 9">
-            <a:extLst>
-              <a:ext uri="{FF2B5EF4-FFF2-40B4-BE49-F238E27FC236}">
-                <a16:creationId xmlns:a16="http://schemas.microsoft.com/office/drawing/2014/main" id="{A70A0001-0725-0BE2-6B58-B8B499258243}"/>
-              </a:ext>
-            </a:extLst>
-          </p:cNvPr>
-          <p:cNvSpPr txBox="1"/>
-          <p:nvPr/>
-        </p:nvSpPr>
-        <p:spPr>
-          <a:xfrm>
-            <a:off x="1359414" y="4484104"/>
-            <a:ext cx="1252138" cy="369332"/>
-          </a:xfrm>
-          <a:prstGeom prst="rect">
-            <a:avLst/>
-          </a:prstGeom>
-          <a:noFill/>
-          <a:ln>
-            <a:solidFill>
-              <a:schemeClr val="tx1"/>
-            </a:solidFill>
-          </a:ln>
-        </p:spPr>
-        <p:txBody>
-          <a:bodyPr wrap="none" rtlCol="0">
-            <a:spAutoFit/>
-          </a:bodyPr>
-          <a:lstStyle/>
-          <a:p>
-            <a:r>
-              <a:rPr lang="en-GB" dirty="0"/>
-              <a:t>Use z-score</a:t>
-            </a:r>
-          </a:p>
-        </p:txBody>
-      </p:sp>
-      <p:sp>
-        <p:nvSpPr>
-          <p:cNvPr id="11" name="TextBox 10">
-            <a:extLst>
-              <a:ext uri="{FF2B5EF4-FFF2-40B4-BE49-F238E27FC236}">
-                <a16:creationId xmlns:a16="http://schemas.microsoft.com/office/drawing/2014/main" id="{18CBAAB0-BE5D-24A2-E4CA-0B2B9A34B75B}"/>
-              </a:ext>
-            </a:extLst>
-          </p:cNvPr>
-          <p:cNvSpPr txBox="1"/>
-          <p:nvPr/>
-        </p:nvSpPr>
-        <p:spPr>
-          <a:xfrm>
-            <a:off x="3539907" y="4484104"/>
-            <a:ext cx="1237711" cy="369332"/>
-          </a:xfrm>
-          <a:prstGeom prst="rect">
-            <a:avLst/>
-          </a:prstGeom>
-          <a:noFill/>
-          <a:ln>
-            <a:solidFill>
-              <a:schemeClr val="tx1"/>
-            </a:solidFill>
-          </a:ln>
-        </p:spPr>
-        <p:txBody>
-          <a:bodyPr wrap="none" rtlCol="0">
-            <a:spAutoFit/>
-          </a:bodyPr>
-          <a:lstStyle/>
-          <a:p>
-            <a:r>
-              <a:rPr lang="en-GB" dirty="0"/>
-              <a:t>Use t-score</a:t>
-            </a:r>
-          </a:p>
-        </p:txBody>
-      </p:sp>
-      <p:cxnSp>
-        <p:nvCxnSpPr>
-          <p:cNvPr id="14" name="Straight Arrow Connector 13">
-            <a:extLst>
-              <a:ext uri="{FF2B5EF4-FFF2-40B4-BE49-F238E27FC236}">
-                <a16:creationId xmlns:a16="http://schemas.microsoft.com/office/drawing/2014/main" id="{ED3C86DC-8A66-F6E8-89E2-635EC841D919}"/>
-              </a:ext>
-            </a:extLst>
-          </p:cNvPr>
-          <p:cNvCxnSpPr/>
-          <p:nvPr/>
-        </p:nvCxnSpPr>
-        <p:spPr>
-          <a:xfrm flipH="1">
-            <a:off x="3780693" y="2083832"/>
-            <a:ext cx="633046" cy="958334"/>
-          </a:xfrm>
-          <a:prstGeom prst="straightConnector1">
-            <a:avLst/>
-          </a:prstGeom>
-          <a:ln>
-            <a:solidFill>
-              <a:schemeClr val="tx1"/>
-            </a:solidFill>
-            <a:tailEnd type="triangle"/>
-          </a:ln>
-        </p:spPr>
-        <p:style>
-          <a:lnRef idx="1">
-            <a:schemeClr val="accent1"/>
-          </a:lnRef>
-          <a:fillRef idx="0">
-            <a:schemeClr val="accent1"/>
-          </a:fillRef>
-          <a:effectRef idx="0">
-            <a:schemeClr val="accent1"/>
-          </a:effectRef>
-          <a:fontRef idx="minor">
-            <a:schemeClr val="tx1"/>
-          </a:fontRef>
-        </p:style>
-      </p:cxnSp>
-      <p:cxnSp>
-        <p:nvCxnSpPr>
-          <p:cNvPr id="15" name="Straight Arrow Connector 14">
-            <a:extLst>
-              <a:ext uri="{FF2B5EF4-FFF2-40B4-BE49-F238E27FC236}">
-                <a16:creationId xmlns:a16="http://schemas.microsoft.com/office/drawing/2014/main" id="{D1DE622D-E345-8B76-B84E-4DA09D0D7BFB}"/>
-              </a:ext>
-            </a:extLst>
-          </p:cNvPr>
-          <p:cNvCxnSpPr>
-            <a:cxnSpLocks/>
-          </p:cNvCxnSpPr>
-          <p:nvPr/>
-        </p:nvCxnSpPr>
-        <p:spPr>
-          <a:xfrm>
-            <a:off x="7228044" y="2083832"/>
-            <a:ext cx="1025005" cy="958334"/>
-          </a:xfrm>
-          <a:prstGeom prst="straightConnector1">
-            <a:avLst/>
-          </a:prstGeom>
-          <a:ln>
-            <a:solidFill>
-              <a:schemeClr val="tx1"/>
-            </a:solidFill>
-            <a:tailEnd type="triangle"/>
-          </a:ln>
-        </p:spPr>
-        <p:style>
-          <a:lnRef idx="1">
-            <a:schemeClr val="accent1"/>
-          </a:lnRef>
-          <a:fillRef idx="0">
-            <a:schemeClr val="accent1"/>
-          </a:fillRef>
-          <a:effectRef idx="0">
-            <a:schemeClr val="accent1"/>
-          </a:effectRef>
-          <a:fontRef idx="minor">
-            <a:schemeClr val="tx1"/>
-          </a:fontRef>
-        </p:style>
-      </p:cxnSp>
-      <p:cxnSp>
-        <p:nvCxnSpPr>
-          <p:cNvPr id="17" name="Straight Arrow Connector 16">
-            <a:extLst>
-              <a:ext uri="{FF2B5EF4-FFF2-40B4-BE49-F238E27FC236}">
-                <a16:creationId xmlns:a16="http://schemas.microsoft.com/office/drawing/2014/main" id="{C6562C8F-A7B4-9174-BC59-74DB4C16430D}"/>
-              </a:ext>
-            </a:extLst>
-          </p:cNvPr>
-          <p:cNvCxnSpPr>
-            <a:cxnSpLocks/>
-          </p:cNvCxnSpPr>
-          <p:nvPr/>
-        </p:nvCxnSpPr>
-        <p:spPr>
-          <a:xfrm flipH="1">
-            <a:off x="2136531" y="3420318"/>
-            <a:ext cx="633046" cy="1063786"/>
-          </a:xfrm>
-          <a:prstGeom prst="straightConnector1">
-            <a:avLst/>
-          </a:prstGeom>
-          <a:ln>
-            <a:solidFill>
-              <a:schemeClr val="tx1"/>
-            </a:solidFill>
-            <a:tailEnd type="triangle"/>
-          </a:ln>
-        </p:spPr>
-        <p:style>
-          <a:lnRef idx="1">
-            <a:schemeClr val="accent1"/>
-          </a:lnRef>
-          <a:fillRef idx="0">
-            <a:schemeClr val="accent1"/>
-          </a:fillRef>
-          <a:effectRef idx="0">
-            <a:schemeClr val="accent1"/>
-          </a:effectRef>
-          <a:fontRef idx="minor">
-            <a:schemeClr val="tx1"/>
-          </a:fontRef>
-        </p:style>
-      </p:cxnSp>
-      <p:cxnSp>
-        <p:nvCxnSpPr>
-          <p:cNvPr id="19" name="Straight Arrow Connector 18">
-            <a:extLst>
-              <a:ext uri="{FF2B5EF4-FFF2-40B4-BE49-F238E27FC236}">
-                <a16:creationId xmlns:a16="http://schemas.microsoft.com/office/drawing/2014/main" id="{96119A78-91F1-283F-F39A-95BA4C1DBF1C}"/>
-              </a:ext>
-            </a:extLst>
-          </p:cNvPr>
-          <p:cNvCxnSpPr>
-            <a:cxnSpLocks/>
-          </p:cNvCxnSpPr>
-          <p:nvPr/>
-        </p:nvCxnSpPr>
-        <p:spPr>
-          <a:xfrm>
-            <a:off x="3608241" y="3418126"/>
-            <a:ext cx="550522" cy="1065978"/>
-          </a:xfrm>
-          <a:prstGeom prst="straightConnector1">
-            <a:avLst/>
-          </a:prstGeom>
-          <a:ln>
-            <a:solidFill>
-              <a:schemeClr val="tx1"/>
-            </a:solidFill>
-            <a:tailEnd type="triangle"/>
-          </a:ln>
-        </p:spPr>
-        <p:style>
-          <a:lnRef idx="1">
-            <a:schemeClr val="accent1"/>
-          </a:lnRef>
-          <a:fillRef idx="0">
-            <a:schemeClr val="accent1"/>
-          </a:fillRef>
-          <a:effectRef idx="0">
-            <a:schemeClr val="accent1"/>
-          </a:effectRef>
-          <a:fontRef idx="minor">
-            <a:schemeClr val="tx1"/>
-          </a:fontRef>
-        </p:style>
-      </p:cxnSp>
-      <p:sp>
-        <p:nvSpPr>
-          <p:cNvPr id="24" name="TextBox 23">
-            <a:extLst>
-              <a:ext uri="{FF2B5EF4-FFF2-40B4-BE49-F238E27FC236}">
-                <a16:creationId xmlns:a16="http://schemas.microsoft.com/office/drawing/2014/main" id="{5836C3E0-ACE5-6539-E188-E6D42A8328CC}"/>
-              </a:ext>
-            </a:extLst>
-          </p:cNvPr>
-          <p:cNvSpPr txBox="1"/>
-          <p:nvPr/>
-        </p:nvSpPr>
-        <p:spPr>
-          <a:xfrm>
-            <a:off x="8015975" y="5020408"/>
-            <a:ext cx="2294792" cy="646331"/>
-          </a:xfrm>
-          <a:prstGeom prst="rect">
-            <a:avLst/>
-          </a:prstGeom>
-          <a:noFill/>
-          <a:ln>
-            <a:solidFill>
-              <a:srgbClr val="92D050"/>
-            </a:solidFill>
-          </a:ln>
-        </p:spPr>
-        <p:txBody>
-          <a:bodyPr wrap="square" rtlCol="0">
-            <a:spAutoFit/>
-          </a:bodyPr>
-          <a:lstStyle/>
-          <a:p>
-            <a:r>
-              <a:rPr lang="en-GB" dirty="0"/>
-              <a:t>If sample size n &gt; 30 </a:t>
-            </a:r>
-            <a:r>
-              <a:rPr lang="en-GB" dirty="0">
-                <a:sym typeface="Wingdings" panose="05000000000000000000" pitchFamily="2" charset="2"/>
-              </a:rPr>
-              <a:t> </a:t>
-            </a:r>
-            <a:r>
-              <a:rPr lang="en-GB" dirty="0"/>
-              <a:t>t-score ~ z-score</a:t>
-            </a:r>
-          </a:p>
-        </p:txBody>
-      </p:sp>
-      <p:sp>
-        <p:nvSpPr>
-          <p:cNvPr id="25" name="TextBox 24">
-            <a:extLst>
-              <a:ext uri="{FF2B5EF4-FFF2-40B4-BE49-F238E27FC236}">
-                <a16:creationId xmlns:a16="http://schemas.microsoft.com/office/drawing/2014/main" id="{9D4231A4-C66F-F699-E416-CD0EF87E7417}"/>
-              </a:ext>
-            </a:extLst>
-          </p:cNvPr>
-          <p:cNvSpPr txBox="1"/>
-          <p:nvPr/>
-        </p:nvSpPr>
-        <p:spPr>
-          <a:xfrm>
-            <a:off x="3558805" y="2369475"/>
-            <a:ext cx="491225" cy="369332"/>
-          </a:xfrm>
-          <a:prstGeom prst="rect">
-            <a:avLst/>
-          </a:prstGeom>
-          <a:noFill/>
-        </p:spPr>
-        <p:txBody>
-          <a:bodyPr wrap="none" rtlCol="0">
-            <a:spAutoFit/>
-          </a:bodyPr>
-          <a:lstStyle/>
-          <a:p>
-            <a:r>
-              <a:rPr lang="en-GB" dirty="0"/>
-              <a:t>yes</a:t>
-            </a:r>
-          </a:p>
-        </p:txBody>
-      </p:sp>
-      <p:sp>
-        <p:nvSpPr>
-          <p:cNvPr id="26" name="TextBox 25">
-            <a:extLst>
-              <a:ext uri="{FF2B5EF4-FFF2-40B4-BE49-F238E27FC236}">
-                <a16:creationId xmlns:a16="http://schemas.microsoft.com/office/drawing/2014/main" id="{163B746C-D014-C068-7B47-D6A59790BB6F}"/>
-              </a:ext>
-            </a:extLst>
-          </p:cNvPr>
-          <p:cNvSpPr txBox="1"/>
-          <p:nvPr/>
-        </p:nvSpPr>
-        <p:spPr>
-          <a:xfrm>
-            <a:off x="1816615" y="3763135"/>
-            <a:ext cx="491225" cy="369332"/>
-          </a:xfrm>
-          <a:prstGeom prst="rect">
-            <a:avLst/>
-          </a:prstGeom>
-          <a:noFill/>
-        </p:spPr>
-        <p:txBody>
-          <a:bodyPr wrap="none" rtlCol="0">
-            <a:spAutoFit/>
-          </a:bodyPr>
-          <a:lstStyle/>
-          <a:p>
-            <a:r>
-              <a:rPr lang="en-GB" dirty="0"/>
-              <a:t>yes</a:t>
-            </a:r>
-          </a:p>
-        </p:txBody>
-      </p:sp>
-      <p:sp>
-        <p:nvSpPr>
-          <p:cNvPr id="27" name="TextBox 26">
-            <a:extLst>
-              <a:ext uri="{FF2B5EF4-FFF2-40B4-BE49-F238E27FC236}">
-                <a16:creationId xmlns:a16="http://schemas.microsoft.com/office/drawing/2014/main" id="{1C2FE88E-4836-B03E-240F-C4F5C28943AD}"/>
-              </a:ext>
-            </a:extLst>
-          </p:cNvPr>
-          <p:cNvSpPr txBox="1"/>
-          <p:nvPr/>
-        </p:nvSpPr>
-        <p:spPr>
-          <a:xfrm>
-            <a:off x="3947312" y="3631168"/>
-            <a:ext cx="428322" cy="369332"/>
-          </a:xfrm>
-          <a:prstGeom prst="rect">
-            <a:avLst/>
-          </a:prstGeom>
-          <a:noFill/>
-        </p:spPr>
-        <p:txBody>
-          <a:bodyPr wrap="none" rtlCol="0">
-            <a:spAutoFit/>
-          </a:bodyPr>
-          <a:lstStyle/>
-          <a:p>
-            <a:r>
-              <a:rPr lang="en-GB" dirty="0"/>
-              <a:t>no</a:t>
-            </a:r>
-          </a:p>
-        </p:txBody>
-      </p:sp>
-      <p:sp>
-        <p:nvSpPr>
-          <p:cNvPr id="28" name="TextBox 27">
-            <a:extLst>
-              <a:ext uri="{FF2B5EF4-FFF2-40B4-BE49-F238E27FC236}">
-                <a16:creationId xmlns:a16="http://schemas.microsoft.com/office/drawing/2014/main" id="{03FCD6DC-A9DB-4AE3-B37B-806F8572BBE2}"/>
-              </a:ext>
-            </a:extLst>
-          </p:cNvPr>
-          <p:cNvSpPr txBox="1"/>
-          <p:nvPr/>
-        </p:nvSpPr>
-        <p:spPr>
-          <a:xfrm>
-            <a:off x="7770617" y="2268498"/>
-            <a:ext cx="428322" cy="369332"/>
-          </a:xfrm>
-          <a:prstGeom prst="rect">
-            <a:avLst/>
-          </a:prstGeom>
-          <a:noFill/>
-        </p:spPr>
-        <p:txBody>
-          <a:bodyPr wrap="none" rtlCol="0">
-            <a:spAutoFit/>
-          </a:bodyPr>
-          <a:lstStyle/>
-          <a:p>
-            <a:r>
-              <a:rPr lang="en-GB" dirty="0"/>
-              <a:t>no</a:t>
-            </a:r>
-          </a:p>
-        </p:txBody>
-      </p:sp>
-    </p:spTree>
-    <p:extLst>
-      <p:ext uri="{BB962C8B-B14F-4D97-AF65-F5344CB8AC3E}">
-        <p14:creationId xmlns:p14="http://schemas.microsoft.com/office/powerpoint/2010/main" val="379105158"/>
-      </p:ext>
-    </p:extLst>
-  </p:cSld>
-  <p:clrMapOvr>
-    <a:masterClrMapping/>
-  </p:clrMapOvr>
-</p:sld>
-</file>
-
-<file path=ppt/slides/slide23.xml><?xml version="1.0" encoding="utf-8"?>
 <p:sld xmlns:a="http://schemas.openxmlformats.org/drawingml/2006/main" xmlns:r="http://schemas.openxmlformats.org/officeDocument/2006/relationships" xmlns:p="http://schemas.openxmlformats.org/presentationml/2006/main">
   <p:cSld>
     <p:spTree>
@@ -13197,7 +12301,7 @@
         </p:blipFill>
         <p:spPr bwMode="auto">
           <a:xfrm>
-            <a:off x="567851" y="2524056"/>
+            <a:off x="2939576" y="2533581"/>
             <a:ext cx="5438775" cy="3638145"/>
           </a:xfrm>
           <a:prstGeom prst="rect">
@@ -13215,517 +12319,6 @@
           </a:extLst>
         </p:spPr>
       </p:pic>
-      <p:grpSp>
-        <p:nvGrpSpPr>
-          <p:cNvPr id="4" name="Group 3">
-            <a:extLst>
-              <a:ext uri="{FF2B5EF4-FFF2-40B4-BE49-F238E27FC236}">
-                <a16:creationId xmlns:a16="http://schemas.microsoft.com/office/drawing/2014/main" id="{3731A7D8-2C30-F514-BD43-027F0D8AD60C}"/>
-              </a:ext>
-            </a:extLst>
-          </p:cNvPr>
-          <p:cNvGrpSpPr/>
-          <p:nvPr/>
-        </p:nvGrpSpPr>
-        <p:grpSpPr>
-          <a:xfrm>
-            <a:off x="7464669" y="2410864"/>
-            <a:ext cx="2728824" cy="1345905"/>
-            <a:chOff x="7464669" y="2410864"/>
-            <a:chExt cx="2728824" cy="1345905"/>
-          </a:xfrm>
-        </p:grpSpPr>
-        <mc:AlternateContent xmlns:mc="http://schemas.openxmlformats.org/markup-compatibility/2006" xmlns:a14="http://schemas.microsoft.com/office/drawing/2010/main">
-          <mc:Choice Requires="a14">
-            <p:sp>
-              <p:nvSpPr>
-                <p:cNvPr id="2" name="TextBox 1">
-                  <a:extLst>
-                    <a:ext uri="{FF2B5EF4-FFF2-40B4-BE49-F238E27FC236}">
-                      <a16:creationId xmlns:a16="http://schemas.microsoft.com/office/drawing/2014/main" id="{1F09F100-F7A1-D91A-5B68-F0F354445F33}"/>
-                    </a:ext>
-                  </a:extLst>
-                </p:cNvPr>
-                <p:cNvSpPr txBox="1"/>
-                <p:nvPr/>
-              </p:nvSpPr>
-              <p:spPr>
-                <a:xfrm>
-                  <a:off x="7572802" y="2824206"/>
-                  <a:ext cx="2427203" cy="932563"/>
-                </a:xfrm>
-                <a:prstGeom prst="rect">
-                  <a:avLst/>
-                </a:prstGeom>
-                <a:noFill/>
-              </p:spPr>
-              <p:txBody>
-                <a:bodyPr wrap="none" lIns="0" tIns="0" rIns="0" bIns="0" rtlCol="0">
-                  <a:spAutoFit/>
-                </a:bodyPr>
-                <a:lstStyle/>
-                <a:p>
-                  <a:pPr/>
-                  <a14:m>
-                    <m:oMathPara xmlns:m="http://schemas.openxmlformats.org/officeDocument/2006/math">
-                      <m:oMathParaPr>
-                        <m:jc m:val="centerGroup"/>
-                      </m:oMathParaPr>
-                      <m:oMath xmlns:m="http://schemas.openxmlformats.org/officeDocument/2006/math">
-                        <m:acc>
-                          <m:accPr>
-                            <m:chr m:val="̅"/>
-                            <m:ctrlPr>
-                              <a:rPr lang="pt-BR" sz="3200" i="1" smtClean="0">
-                                <a:latin typeface="Cambria Math" panose="02040503050406030204" pitchFamily="18" charset="0"/>
-                              </a:rPr>
-                            </m:ctrlPr>
-                          </m:accPr>
-                          <m:e>
-                            <m:r>
-                              <a:rPr lang="en-GB" sz="3200" b="0" i="1" smtClean="0">
-                                <a:latin typeface="Cambria Math" panose="02040503050406030204" pitchFamily="18" charset="0"/>
-                              </a:rPr>
-                              <m:t>𝑥</m:t>
-                            </m:r>
-                          </m:e>
-                        </m:acc>
-                        <m:r>
-                          <a:rPr lang="pt-BR" sz="3200" i="1">
-                            <a:latin typeface="Cambria Math" panose="02040503050406030204" pitchFamily="18" charset="0"/>
-                          </a:rPr>
-                          <m:t>±</m:t>
-                        </m:r>
-                        <m:sSub>
-                          <m:sSubPr>
-                            <m:ctrlPr>
-                              <a:rPr lang="pt-BR" sz="3200" i="1" smtClean="0">
-                                <a:latin typeface="Cambria Math" panose="02040503050406030204" pitchFamily="18" charset="0"/>
-                              </a:rPr>
-                            </m:ctrlPr>
-                          </m:sSubPr>
-                          <m:e>
-                            <m:r>
-                              <a:rPr lang="en-GB" sz="3200" b="0" i="1" smtClean="0">
-                                <a:latin typeface="Cambria Math" panose="02040503050406030204" pitchFamily="18" charset="0"/>
-                              </a:rPr>
-                              <m:t>𝑧</m:t>
-                            </m:r>
-                          </m:e>
-                          <m:sub>
-                            <m:r>
-                              <m:rPr>
-                                <m:sty m:val="p"/>
-                              </m:rPr>
-                              <a:rPr lang="el-GR" sz="3200" i="1" smtClean="0">
-                                <a:latin typeface="Cambria Math" panose="02040503050406030204" pitchFamily="18" charset="0"/>
-                              </a:rPr>
-                              <m:t>α</m:t>
-                            </m:r>
-                            <m:r>
-                              <a:rPr lang="en-GB" sz="3200" b="0" i="1" smtClean="0">
-                                <a:latin typeface="Cambria Math" panose="02040503050406030204" pitchFamily="18" charset="0"/>
-                              </a:rPr>
-                              <m:t>/2</m:t>
-                            </m:r>
-                          </m:sub>
-                        </m:sSub>
-                        <m:r>
-                          <a:rPr lang="en-GB" sz="3200" b="0" i="1" smtClean="0">
-                            <a:latin typeface="Cambria Math" panose="02040503050406030204" pitchFamily="18" charset="0"/>
-                          </a:rPr>
-                          <m:t>∗</m:t>
-                        </m:r>
-                        <m:f>
-                          <m:fPr>
-                            <m:ctrlPr>
-                              <a:rPr lang="en-GB" sz="3200" b="0" i="1" smtClean="0">
-                                <a:latin typeface="Cambria Math" panose="02040503050406030204" pitchFamily="18" charset="0"/>
-                              </a:rPr>
-                            </m:ctrlPr>
-                          </m:fPr>
-                          <m:num>
-                            <m:r>
-                              <m:rPr>
-                                <m:sty m:val="p"/>
-                              </m:rPr>
-                              <a:rPr lang="el-GR" sz="3200" b="0" i="1" smtClean="0">
-                                <a:latin typeface="Cambria Math" panose="02040503050406030204" pitchFamily="18" charset="0"/>
-                              </a:rPr>
-                              <m:t>σ</m:t>
-                            </m:r>
-                          </m:num>
-                          <m:den>
-                            <m:rad>
-                              <m:radPr>
-                                <m:degHide m:val="on"/>
-                                <m:ctrlPr>
-                                  <a:rPr lang="en-GB" sz="3200" b="0" i="1" smtClean="0">
-                                    <a:latin typeface="Cambria Math" panose="02040503050406030204" pitchFamily="18" charset="0"/>
-                                  </a:rPr>
-                                </m:ctrlPr>
-                              </m:radPr>
-                              <m:deg/>
-                              <m:e>
-                                <m:r>
-                                  <a:rPr lang="en-GB" sz="3200" b="0" i="1" smtClean="0">
-                                    <a:latin typeface="Cambria Math" panose="02040503050406030204" pitchFamily="18" charset="0"/>
-                                  </a:rPr>
-                                  <m:t>𝑛</m:t>
-                                </m:r>
-                              </m:e>
-                            </m:rad>
-                          </m:den>
-                        </m:f>
-                      </m:oMath>
-                    </m:oMathPara>
-                  </a14:m>
-                  <a:endParaRPr lang="en-GB" dirty="0"/>
-                </a:p>
-              </p:txBody>
-            </p:sp>
-          </mc:Choice>
-          <mc:Fallback xmlns="">
-            <p:sp>
-              <p:nvSpPr>
-                <p:cNvPr id="2" name="TextBox 1">
-                  <a:extLst>
-                    <a:ext uri="{FF2B5EF4-FFF2-40B4-BE49-F238E27FC236}">
-                      <a16:creationId xmlns:a16="http://schemas.microsoft.com/office/drawing/2014/main" id="{1F09F100-F7A1-D91A-5B68-F0F354445F33}"/>
-                    </a:ext>
-                  </a:extLst>
-                </p:cNvPr>
-                <p:cNvSpPr txBox="1">
-                  <a:spLocks noRot="1" noChangeAspect="1" noMove="1" noResize="1" noEditPoints="1" noAdjustHandles="1" noChangeArrowheads="1" noChangeShapeType="1" noTextEdit="1"/>
-                </p:cNvSpPr>
-                <p:nvPr/>
-              </p:nvSpPr>
-              <p:spPr>
-                <a:xfrm>
-                  <a:off x="7572802" y="2824206"/>
-                  <a:ext cx="2427203" cy="932563"/>
-                </a:xfrm>
-                <a:prstGeom prst="rect">
-                  <a:avLst/>
-                </a:prstGeom>
-                <a:blipFill>
-                  <a:blip r:embed="rId3"/>
-                  <a:stretch>
-                    <a:fillRect/>
-                  </a:stretch>
-                </a:blipFill>
-              </p:spPr>
-              <p:txBody>
-                <a:bodyPr/>
-                <a:lstStyle/>
-                <a:p>
-                  <a:r>
-                    <a:rPr lang="en-GB">
-                      <a:noFill/>
-                    </a:rPr>
-                    <a:t> </a:t>
-                  </a:r>
-                </a:p>
-              </p:txBody>
-            </p:sp>
-          </mc:Fallback>
-        </mc:AlternateContent>
-        <p:sp>
-          <p:nvSpPr>
-            <p:cNvPr id="3" name="TextBox 2">
-              <a:extLst>
-                <a:ext uri="{FF2B5EF4-FFF2-40B4-BE49-F238E27FC236}">
-                  <a16:creationId xmlns:a16="http://schemas.microsoft.com/office/drawing/2014/main" id="{E6B24E45-2D63-EED0-1431-F72E1E1E6992}"/>
-                </a:ext>
-              </a:extLst>
-            </p:cNvPr>
-            <p:cNvSpPr txBox="1"/>
-            <p:nvPr/>
-          </p:nvSpPr>
-          <p:spPr>
-            <a:xfrm>
-              <a:off x="7464669" y="2410864"/>
-              <a:ext cx="2728824" cy="369332"/>
-            </a:xfrm>
-            <a:prstGeom prst="rect">
-              <a:avLst/>
-            </a:prstGeom>
-            <a:noFill/>
-          </p:spPr>
-          <p:txBody>
-            <a:bodyPr wrap="none" rtlCol="0">
-              <a:spAutoFit/>
-            </a:bodyPr>
-            <a:lstStyle/>
-            <a:p>
-              <a:r>
-                <a:rPr lang="en-GB" dirty="0"/>
-                <a:t>Population variance known</a:t>
-              </a:r>
-            </a:p>
-          </p:txBody>
-        </p:sp>
-      </p:grpSp>
-      <p:grpSp>
-        <p:nvGrpSpPr>
-          <p:cNvPr id="12" name="Group 11">
-            <a:extLst>
-              <a:ext uri="{FF2B5EF4-FFF2-40B4-BE49-F238E27FC236}">
-                <a16:creationId xmlns:a16="http://schemas.microsoft.com/office/drawing/2014/main" id="{216B7A89-9578-57D1-0319-4C681DE83479}"/>
-              </a:ext>
-            </a:extLst>
-          </p:cNvPr>
-          <p:cNvGrpSpPr/>
-          <p:nvPr/>
-        </p:nvGrpSpPr>
-        <p:grpSpPr>
-          <a:xfrm>
-            <a:off x="7464669" y="4343128"/>
-            <a:ext cx="3153582" cy="1304716"/>
-            <a:chOff x="7464669" y="4343128"/>
-            <a:chExt cx="3153582" cy="1304716"/>
-          </a:xfrm>
-        </p:grpSpPr>
-        <mc:AlternateContent xmlns:mc="http://schemas.openxmlformats.org/markup-compatibility/2006" xmlns:a14="http://schemas.microsoft.com/office/drawing/2010/main">
-          <mc:Choice Requires="a14">
-            <p:sp>
-              <p:nvSpPr>
-                <p:cNvPr id="9" name="TextBox 8">
-                  <a:extLst>
-                    <a:ext uri="{FF2B5EF4-FFF2-40B4-BE49-F238E27FC236}">
-                      <a16:creationId xmlns:a16="http://schemas.microsoft.com/office/drawing/2014/main" id="{9E32B187-6C4B-010D-261D-6D34A9B1CC19}"/>
-                    </a:ext>
-                  </a:extLst>
-                </p:cNvPr>
-                <p:cNvSpPr txBox="1"/>
-                <p:nvPr/>
-              </p:nvSpPr>
-              <p:spPr>
-                <a:xfrm>
-                  <a:off x="7572802" y="4712460"/>
-                  <a:ext cx="3045449" cy="935384"/>
-                </a:xfrm>
-                <a:prstGeom prst="rect">
-                  <a:avLst/>
-                </a:prstGeom>
-                <a:noFill/>
-              </p:spPr>
-              <p:txBody>
-                <a:bodyPr wrap="none" lIns="0" tIns="0" rIns="0" bIns="0" rtlCol="0">
-                  <a:spAutoFit/>
-                </a:bodyPr>
-                <a:lstStyle/>
-                <a:p>
-                  <a:pPr/>
-                  <a14:m>
-                    <m:oMathPara xmlns:m="http://schemas.openxmlformats.org/officeDocument/2006/math">
-                      <m:oMathParaPr>
-                        <m:jc m:val="centerGroup"/>
-                      </m:oMathParaPr>
-                      <m:oMath xmlns:m="http://schemas.openxmlformats.org/officeDocument/2006/math">
-                        <m:acc>
-                          <m:accPr>
-                            <m:chr m:val="̅"/>
-                            <m:ctrlPr>
-                              <a:rPr lang="pt-BR" sz="3200" i="1" smtClean="0">
-                                <a:latin typeface="Cambria Math" panose="02040503050406030204" pitchFamily="18" charset="0"/>
-                              </a:rPr>
-                            </m:ctrlPr>
-                          </m:accPr>
-                          <m:e>
-                            <m:r>
-                              <a:rPr lang="en-GB" sz="3200" b="0" i="1" smtClean="0">
-                                <a:latin typeface="Cambria Math" panose="02040503050406030204" pitchFamily="18" charset="0"/>
-                              </a:rPr>
-                              <m:t>𝑥</m:t>
-                            </m:r>
-                          </m:e>
-                        </m:acc>
-                        <m:r>
-                          <a:rPr lang="pt-BR" sz="3200" i="1">
-                            <a:latin typeface="Cambria Math" panose="02040503050406030204" pitchFamily="18" charset="0"/>
-                          </a:rPr>
-                          <m:t>±</m:t>
-                        </m:r>
-                        <m:sSub>
-                          <m:sSubPr>
-                            <m:ctrlPr>
-                              <a:rPr lang="pt-BR" sz="3200" i="1" smtClean="0">
-                                <a:latin typeface="Cambria Math" panose="02040503050406030204" pitchFamily="18" charset="0"/>
-                              </a:rPr>
-                            </m:ctrlPr>
-                          </m:sSubPr>
-                          <m:e>
-                            <m:r>
-                              <a:rPr lang="en-GB" sz="3200" b="0" i="1" smtClean="0">
-                                <a:latin typeface="Cambria Math" panose="02040503050406030204" pitchFamily="18" charset="0"/>
-                              </a:rPr>
-                              <m:t>𝑡</m:t>
-                            </m:r>
-                          </m:e>
-                          <m:sub>
-                            <m:r>
-                              <a:rPr lang="en-GB" sz="3200" b="0" i="1" smtClean="0">
-                                <a:latin typeface="Cambria Math" panose="02040503050406030204" pitchFamily="18" charset="0"/>
-                              </a:rPr>
-                              <m:t>𝑛</m:t>
-                            </m:r>
-                            <m:r>
-                              <a:rPr lang="en-GB" sz="3200" b="0" i="1" smtClean="0">
-                                <a:latin typeface="Cambria Math" panose="02040503050406030204" pitchFamily="18" charset="0"/>
-                              </a:rPr>
-                              <m:t>−1,</m:t>
-                            </m:r>
-                            <m:r>
-                              <m:rPr>
-                                <m:sty m:val="p"/>
-                              </m:rPr>
-                              <a:rPr lang="el-GR" sz="3200" i="1" smtClean="0">
-                                <a:latin typeface="Cambria Math" panose="02040503050406030204" pitchFamily="18" charset="0"/>
-                              </a:rPr>
-                              <m:t>α</m:t>
-                            </m:r>
-                            <m:r>
-                              <a:rPr lang="en-GB" sz="3200" b="0" i="1" smtClean="0">
-                                <a:latin typeface="Cambria Math" panose="02040503050406030204" pitchFamily="18" charset="0"/>
-                              </a:rPr>
-                              <m:t>/2</m:t>
-                            </m:r>
-                          </m:sub>
-                        </m:sSub>
-                        <m:r>
-                          <a:rPr lang="en-GB" sz="3200" b="0" i="1" smtClean="0">
-                            <a:latin typeface="Cambria Math" panose="02040503050406030204" pitchFamily="18" charset="0"/>
-                          </a:rPr>
-                          <m:t>∗</m:t>
-                        </m:r>
-                        <m:f>
-                          <m:fPr>
-                            <m:ctrlPr>
-                              <a:rPr lang="en-GB" sz="3200" b="0" i="1" smtClean="0">
-                                <a:latin typeface="Cambria Math" panose="02040503050406030204" pitchFamily="18" charset="0"/>
-                              </a:rPr>
-                            </m:ctrlPr>
-                          </m:fPr>
-                          <m:num>
-                            <m:r>
-                              <a:rPr lang="en-GB" sz="3200" b="0" i="1" smtClean="0">
-                                <a:latin typeface="Cambria Math" panose="02040503050406030204" pitchFamily="18" charset="0"/>
-                              </a:rPr>
-                              <m:t>𝑠</m:t>
-                            </m:r>
-                          </m:num>
-                          <m:den>
-                            <m:rad>
-                              <m:radPr>
-                                <m:degHide m:val="on"/>
-                                <m:ctrlPr>
-                                  <a:rPr lang="en-GB" sz="3200" b="0" i="1" smtClean="0">
-                                    <a:latin typeface="Cambria Math" panose="02040503050406030204" pitchFamily="18" charset="0"/>
-                                  </a:rPr>
-                                </m:ctrlPr>
-                              </m:radPr>
-                              <m:deg/>
-                              <m:e>
-                                <m:r>
-                                  <a:rPr lang="en-GB" sz="3200" b="0" i="1" smtClean="0">
-                                    <a:latin typeface="Cambria Math" panose="02040503050406030204" pitchFamily="18" charset="0"/>
-                                  </a:rPr>
-                                  <m:t>𝑛</m:t>
-                                </m:r>
-                              </m:e>
-                            </m:rad>
-                          </m:den>
-                        </m:f>
-                      </m:oMath>
-                    </m:oMathPara>
-                  </a14:m>
-                  <a:endParaRPr lang="en-GB" dirty="0"/>
-                </a:p>
-              </p:txBody>
-            </p:sp>
-          </mc:Choice>
-          <mc:Fallback xmlns="">
-            <p:sp>
-              <p:nvSpPr>
-                <p:cNvPr id="9" name="TextBox 8">
-                  <a:extLst>
-                    <a:ext uri="{FF2B5EF4-FFF2-40B4-BE49-F238E27FC236}">
-                      <a16:creationId xmlns:a16="http://schemas.microsoft.com/office/drawing/2014/main" id="{9E32B187-6C4B-010D-261D-6D34A9B1CC19}"/>
-                    </a:ext>
-                  </a:extLst>
-                </p:cNvPr>
-                <p:cNvSpPr txBox="1">
-                  <a:spLocks noRot="1" noChangeAspect="1" noMove="1" noResize="1" noEditPoints="1" noAdjustHandles="1" noChangeArrowheads="1" noChangeShapeType="1" noTextEdit="1"/>
-                </p:cNvSpPr>
-                <p:nvPr/>
-              </p:nvSpPr>
-              <p:spPr>
-                <a:xfrm>
-                  <a:off x="7572802" y="4712460"/>
-                  <a:ext cx="3045449" cy="935384"/>
-                </a:xfrm>
-                <a:prstGeom prst="rect">
-                  <a:avLst/>
-                </a:prstGeom>
-                <a:blipFill>
-                  <a:blip r:embed="rId4"/>
-                  <a:stretch>
-                    <a:fillRect/>
-                  </a:stretch>
-                </a:blipFill>
-              </p:spPr>
-              <p:txBody>
-                <a:bodyPr/>
-                <a:lstStyle/>
-                <a:p>
-                  <a:r>
-                    <a:rPr lang="en-GB">
-                      <a:noFill/>
-                    </a:rPr>
-                    <a:t> </a:t>
-                  </a:r>
-                </a:p>
-              </p:txBody>
-            </p:sp>
-          </mc:Fallback>
-        </mc:AlternateContent>
-        <p:sp>
-          <p:nvSpPr>
-            <p:cNvPr id="11" name="TextBox 10">
-              <a:extLst>
-                <a:ext uri="{FF2B5EF4-FFF2-40B4-BE49-F238E27FC236}">
-                  <a16:creationId xmlns:a16="http://schemas.microsoft.com/office/drawing/2014/main" id="{FFC1BAD0-C01B-32BF-F8FD-C27CFDB381B9}"/>
-                </a:ext>
-              </a:extLst>
-            </p:cNvPr>
-            <p:cNvSpPr txBox="1"/>
-            <p:nvPr/>
-          </p:nvSpPr>
-          <p:spPr>
-            <a:xfrm>
-              <a:off x="7464669" y="4343128"/>
-              <a:ext cx="2972480" cy="369332"/>
-            </a:xfrm>
-            <a:prstGeom prst="rect">
-              <a:avLst/>
-            </a:prstGeom>
-            <a:noFill/>
-          </p:spPr>
-          <p:txBody>
-            <a:bodyPr wrap="none" rtlCol="0">
-              <a:spAutoFit/>
-            </a:bodyPr>
-            <a:lstStyle/>
-            <a:p>
-              <a:r>
-                <a:rPr lang="en-GB" dirty="0"/>
-                <a:t>Population variance unknown</a:t>
-              </a:r>
-            </a:p>
-          </p:txBody>
-        </p:sp>
-      </p:grpSp>
     </p:spTree>
     <p:extLst>
       <p:ext uri="{BB962C8B-B14F-4D97-AF65-F5344CB8AC3E}">
@@ -13739,7 +12332,7 @@
 </p:sld>
 </file>
 
-<file path=ppt/slides/slide24.xml><?xml version="1.0" encoding="utf-8"?>
+<file path=ppt/slides/slide21.xml><?xml version="1.0" encoding="utf-8"?>
 <p:sld xmlns:a="http://schemas.openxmlformats.org/drawingml/2006/main" xmlns:r="http://schemas.openxmlformats.org/officeDocument/2006/relationships" xmlns:p="http://schemas.openxmlformats.org/presentationml/2006/main">
   <p:cSld>
     <p:spTree>
@@ -14451,7 +13044,7 @@
 </p:sld>
 </file>
 
-<file path=ppt/slides/slide25.xml><?xml version="1.0" encoding="utf-8"?>
+<file path=ppt/slides/slide22.xml><?xml version="1.0" encoding="utf-8"?>
 <p:sld xmlns:a="http://schemas.openxmlformats.org/drawingml/2006/main" xmlns:r="http://schemas.openxmlformats.org/officeDocument/2006/relationships" xmlns:p="http://schemas.openxmlformats.org/presentationml/2006/main">
   <p:cSld>
     <p:spTree>
@@ -14675,6 +13268,1547 @@
 </p:sld>
 </file>
 
+<file path=ppt/slides/slide23.xml><?xml version="1.0" encoding="utf-8"?>
+<p:sld xmlns:a="http://schemas.openxmlformats.org/drawingml/2006/main" xmlns:r="http://schemas.openxmlformats.org/officeDocument/2006/relationships" xmlns:p="http://schemas.openxmlformats.org/presentationml/2006/main">
+  <p:cSld>
+    <p:spTree>
+      <p:nvGrpSpPr>
+        <p:cNvPr id="1" name=""/>
+        <p:cNvGrpSpPr/>
+        <p:nvPr/>
+      </p:nvGrpSpPr>
+      <p:grpSpPr>
+        <a:xfrm>
+          <a:off x="0" y="0"/>
+          <a:ext cx="0" cy="0"/>
+          <a:chOff x="0" y="0"/>
+          <a:chExt cx="0" cy="0"/>
+        </a:xfrm>
+      </p:grpSpPr>
+      <p:sp>
+        <p:nvSpPr>
+          <p:cNvPr id="5" name="TextBox 4">
+            <a:extLst>
+              <a:ext uri="{FF2B5EF4-FFF2-40B4-BE49-F238E27FC236}">
+                <a16:creationId xmlns:a16="http://schemas.microsoft.com/office/drawing/2014/main" id="{A02E911C-7854-C731-8689-B7F077F504E5}"/>
+              </a:ext>
+            </a:extLst>
+          </p:cNvPr>
+          <p:cNvSpPr txBox="1"/>
+          <p:nvPr/>
+        </p:nvSpPr>
+        <p:spPr>
+          <a:xfrm>
+            <a:off x="503853" y="531845"/>
+            <a:ext cx="11243388" cy="1661993"/>
+          </a:xfrm>
+          <a:prstGeom prst="rect">
+            <a:avLst/>
+          </a:prstGeom>
+          <a:noFill/>
+        </p:spPr>
+        <p:txBody>
+          <a:bodyPr wrap="square" rtlCol="0">
+            <a:spAutoFit/>
+          </a:bodyPr>
+          <a:lstStyle/>
+          <a:p>
+            <a:r>
+              <a:rPr lang="en-GB" sz="2400" b="1" dirty="0"/>
+              <a:t>Confidence interval and confidence level</a:t>
+            </a:r>
+          </a:p>
+          <a:p>
+            <a:endParaRPr lang="en-GB" sz="2400" b="1" dirty="0"/>
+          </a:p>
+          <a:p>
+            <a:r>
+              <a:rPr lang="it-IT" sz="1800" b="1" dirty="0"/>
+              <a:t>Confidence </a:t>
+            </a:r>
+            <a:r>
+              <a:rPr lang="it-IT" sz="1800" b="1" dirty="0" err="1"/>
+              <a:t>interval</a:t>
+            </a:r>
+            <a:r>
+              <a:rPr lang="it-IT" sz="1800" dirty="0"/>
+              <a:t> </a:t>
+            </a:r>
+            <a:r>
+              <a:rPr lang="it-IT" sz="1800" dirty="0" err="1"/>
+              <a:t>provides</a:t>
+            </a:r>
+            <a:r>
+              <a:rPr lang="it-IT" sz="1800" dirty="0"/>
+              <a:t> a range </a:t>
+            </a:r>
+            <a:r>
+              <a:rPr lang="it-IT" sz="1800" dirty="0" err="1"/>
+              <a:t>that</a:t>
+            </a:r>
+            <a:r>
+              <a:rPr lang="it-IT" sz="1800" dirty="0"/>
+              <a:t> </a:t>
+            </a:r>
+            <a:r>
+              <a:rPr lang="it-IT" sz="1800" dirty="0" err="1"/>
+              <a:t>is</a:t>
+            </a:r>
+            <a:r>
+              <a:rPr lang="it-IT" sz="1800" dirty="0"/>
+              <a:t> </a:t>
+            </a:r>
+            <a:r>
+              <a:rPr lang="it-IT" sz="1800" dirty="0" err="1"/>
+              <a:t>likely</a:t>
+            </a:r>
+            <a:r>
+              <a:rPr lang="it-IT" sz="1800" dirty="0"/>
+              <a:t> to </a:t>
+            </a:r>
+            <a:r>
+              <a:rPr lang="it-IT" sz="1800" dirty="0" err="1"/>
+              <a:t>contain</a:t>
+            </a:r>
+            <a:r>
+              <a:rPr lang="it-IT" dirty="0"/>
+              <a:t> </a:t>
+            </a:r>
+            <a:r>
+              <a:rPr lang="it-IT" sz="1800" dirty="0"/>
+              <a:t>the </a:t>
+            </a:r>
+            <a:r>
+              <a:rPr lang="it-IT" sz="1800" dirty="0" err="1"/>
+              <a:t>unknown</a:t>
+            </a:r>
+            <a:r>
+              <a:rPr lang="it-IT" sz="1800" dirty="0"/>
+              <a:t> </a:t>
+            </a:r>
+            <a:r>
+              <a:rPr lang="it-IT" sz="1800" dirty="0" err="1"/>
+              <a:t>value</a:t>
+            </a:r>
+            <a:r>
+              <a:rPr lang="it-IT" sz="1800" dirty="0"/>
+              <a:t> and a degree of confidence (</a:t>
+            </a:r>
+            <a:r>
+              <a:rPr lang="it-IT" sz="1800" b="1" dirty="0"/>
+              <a:t>confidence </a:t>
+            </a:r>
+            <a:r>
+              <a:rPr lang="it-IT" sz="1800" b="1" dirty="0" err="1"/>
+              <a:t>level</a:t>
+            </a:r>
+            <a:r>
+              <a:rPr lang="it-IT" sz="1800" dirty="0"/>
+              <a:t>) </a:t>
+            </a:r>
+            <a:r>
+              <a:rPr lang="it-IT" sz="1800" dirty="0" err="1"/>
+              <a:t>that</a:t>
+            </a:r>
+            <a:r>
+              <a:rPr lang="it-IT" sz="1800" dirty="0"/>
+              <a:t> the </a:t>
+            </a:r>
+            <a:r>
+              <a:rPr lang="it-IT" sz="1800" dirty="0" err="1"/>
+              <a:t>unknown</a:t>
+            </a:r>
+            <a:r>
+              <a:rPr lang="it-IT" sz="1800" dirty="0"/>
+              <a:t> </a:t>
+            </a:r>
+            <a:r>
+              <a:rPr lang="it-IT" sz="1800" dirty="0" err="1"/>
+              <a:t>value</a:t>
+            </a:r>
+            <a:r>
+              <a:rPr lang="it-IT" sz="1800" dirty="0"/>
+              <a:t> </a:t>
+            </a:r>
+            <a:r>
+              <a:rPr lang="it-IT" sz="1800" dirty="0" err="1"/>
+              <a:t>lies</a:t>
+            </a:r>
+            <a:r>
+              <a:rPr lang="it-IT" sz="1800" dirty="0"/>
+              <a:t> </a:t>
+            </a:r>
+            <a:r>
+              <a:rPr lang="it-IT" sz="1800" dirty="0" err="1"/>
+              <a:t>within</a:t>
+            </a:r>
+            <a:r>
+              <a:rPr lang="it-IT" sz="1800" dirty="0"/>
+              <a:t> </a:t>
+            </a:r>
+            <a:r>
+              <a:rPr lang="it-IT" sz="1800" dirty="0" err="1"/>
+              <a:t>that</a:t>
+            </a:r>
+            <a:r>
+              <a:rPr lang="it-IT" sz="1800" dirty="0"/>
+              <a:t> range.</a:t>
+            </a:r>
+            <a:endParaRPr lang="en-GB" sz="1800" dirty="0"/>
+          </a:p>
+          <a:p>
+            <a:endParaRPr lang="en-GB" b="1" dirty="0"/>
+          </a:p>
+        </p:txBody>
+      </p:sp>
+      <p:pic>
+        <p:nvPicPr>
+          <p:cNvPr id="7" name="Picture 2">
+            <a:extLst>
+              <a:ext uri="{FF2B5EF4-FFF2-40B4-BE49-F238E27FC236}">
+                <a16:creationId xmlns:a16="http://schemas.microsoft.com/office/drawing/2014/main" id="{48FF79C7-6055-5E6F-C154-33E5F56A359B}"/>
+              </a:ext>
+            </a:extLst>
+          </p:cNvPr>
+          <p:cNvPicPr>
+            <a:picLocks noChangeAspect="1" noChangeArrowheads="1"/>
+          </p:cNvPicPr>
+          <p:nvPr/>
+        </p:nvPicPr>
+        <p:blipFill>
+          <a:blip r:embed="rId2">
+            <a:extLst>
+              <a:ext uri="{28A0092B-C50C-407E-A947-70E740481C1C}">
+                <a14:useLocalDpi xmlns:a14="http://schemas.microsoft.com/office/drawing/2010/main" val="0"/>
+              </a:ext>
+            </a:extLst>
+          </a:blip>
+          <a:srcRect/>
+          <a:stretch>
+            <a:fillRect/>
+          </a:stretch>
+        </p:blipFill>
+        <p:spPr bwMode="auto">
+          <a:xfrm>
+            <a:off x="567851" y="2524056"/>
+            <a:ext cx="5438775" cy="3638145"/>
+          </a:xfrm>
+          <a:prstGeom prst="rect">
+            <a:avLst/>
+          </a:prstGeom>
+          <a:noFill/>
+          <a:extLst>
+            <a:ext uri="{909E8E84-426E-40DD-AFC4-6F175D3DCCD1}">
+              <a14:hiddenFill xmlns:a14="http://schemas.microsoft.com/office/drawing/2010/main">
+                <a:solidFill>
+                  <a:srgbClr val="FFFFFF"/>
+                </a:solidFill>
+              </a14:hiddenFill>
+            </a:ext>
+          </a:extLst>
+        </p:spPr>
+      </p:pic>
+      <p:grpSp>
+        <p:nvGrpSpPr>
+          <p:cNvPr id="4" name="Group 3">
+            <a:extLst>
+              <a:ext uri="{FF2B5EF4-FFF2-40B4-BE49-F238E27FC236}">
+                <a16:creationId xmlns:a16="http://schemas.microsoft.com/office/drawing/2014/main" id="{3731A7D8-2C30-F514-BD43-027F0D8AD60C}"/>
+              </a:ext>
+            </a:extLst>
+          </p:cNvPr>
+          <p:cNvGrpSpPr/>
+          <p:nvPr/>
+        </p:nvGrpSpPr>
+        <p:grpSpPr>
+          <a:xfrm>
+            <a:off x="7464669" y="2410864"/>
+            <a:ext cx="2728824" cy="1345905"/>
+            <a:chOff x="7464669" y="2410864"/>
+            <a:chExt cx="2728824" cy="1345905"/>
+          </a:xfrm>
+        </p:grpSpPr>
+        <mc:AlternateContent xmlns:mc="http://schemas.openxmlformats.org/markup-compatibility/2006">
+          <mc:Choice xmlns:a14="http://schemas.microsoft.com/office/drawing/2010/main" Requires="a14">
+            <p:sp>
+              <p:nvSpPr>
+                <p:cNvPr id="2" name="TextBox 1">
+                  <a:extLst>
+                    <a:ext uri="{FF2B5EF4-FFF2-40B4-BE49-F238E27FC236}">
+                      <a16:creationId xmlns:a16="http://schemas.microsoft.com/office/drawing/2014/main" id="{1F09F100-F7A1-D91A-5B68-F0F354445F33}"/>
+                    </a:ext>
+                  </a:extLst>
+                </p:cNvPr>
+                <p:cNvSpPr txBox="1"/>
+                <p:nvPr/>
+              </p:nvSpPr>
+              <p:spPr>
+                <a:xfrm>
+                  <a:off x="7572802" y="2824206"/>
+                  <a:ext cx="2427203" cy="932563"/>
+                </a:xfrm>
+                <a:prstGeom prst="rect">
+                  <a:avLst/>
+                </a:prstGeom>
+                <a:noFill/>
+              </p:spPr>
+              <p:txBody>
+                <a:bodyPr wrap="none" lIns="0" tIns="0" rIns="0" bIns="0" rtlCol="0">
+                  <a:spAutoFit/>
+                </a:bodyPr>
+                <a:lstStyle/>
+                <a:p>
+                  <a:pPr/>
+                  <a14:m>
+                    <m:oMathPara xmlns:m="http://schemas.openxmlformats.org/officeDocument/2006/math">
+                      <m:oMathParaPr>
+                        <m:jc m:val="centerGroup"/>
+                      </m:oMathParaPr>
+                      <m:oMath xmlns:m="http://schemas.openxmlformats.org/officeDocument/2006/math">
+                        <m:acc>
+                          <m:accPr>
+                            <m:chr m:val="̅"/>
+                            <m:ctrlPr>
+                              <a:rPr lang="pt-BR" sz="3200" i="1" smtClean="0">
+                                <a:latin typeface="Cambria Math" panose="02040503050406030204" pitchFamily="18" charset="0"/>
+                              </a:rPr>
+                            </m:ctrlPr>
+                          </m:accPr>
+                          <m:e>
+                            <m:r>
+                              <a:rPr lang="en-GB" sz="3200" b="0" i="1" smtClean="0">
+                                <a:latin typeface="Cambria Math" panose="02040503050406030204" pitchFamily="18" charset="0"/>
+                              </a:rPr>
+                              <m:t>𝑥</m:t>
+                            </m:r>
+                          </m:e>
+                        </m:acc>
+                        <m:r>
+                          <a:rPr lang="pt-BR" sz="3200" i="1">
+                            <a:latin typeface="Cambria Math" panose="02040503050406030204" pitchFamily="18" charset="0"/>
+                          </a:rPr>
+                          <m:t>±</m:t>
+                        </m:r>
+                        <m:sSub>
+                          <m:sSubPr>
+                            <m:ctrlPr>
+                              <a:rPr lang="pt-BR" sz="3200" i="1" smtClean="0">
+                                <a:latin typeface="Cambria Math" panose="02040503050406030204" pitchFamily="18" charset="0"/>
+                              </a:rPr>
+                            </m:ctrlPr>
+                          </m:sSubPr>
+                          <m:e>
+                            <m:r>
+                              <a:rPr lang="en-GB" sz="3200" b="0" i="1" smtClean="0">
+                                <a:latin typeface="Cambria Math" panose="02040503050406030204" pitchFamily="18" charset="0"/>
+                              </a:rPr>
+                              <m:t>𝑧</m:t>
+                            </m:r>
+                          </m:e>
+                          <m:sub>
+                            <m:r>
+                              <m:rPr>
+                                <m:sty m:val="p"/>
+                              </m:rPr>
+                              <a:rPr lang="el-GR" sz="3200" i="1" smtClean="0">
+                                <a:latin typeface="Cambria Math" panose="02040503050406030204" pitchFamily="18" charset="0"/>
+                              </a:rPr>
+                              <m:t>α</m:t>
+                            </m:r>
+                            <m:r>
+                              <a:rPr lang="en-GB" sz="3200" b="0" i="1" smtClean="0">
+                                <a:latin typeface="Cambria Math" panose="02040503050406030204" pitchFamily="18" charset="0"/>
+                              </a:rPr>
+                              <m:t>/2</m:t>
+                            </m:r>
+                          </m:sub>
+                        </m:sSub>
+                        <m:r>
+                          <a:rPr lang="en-GB" sz="3200" b="0" i="1" smtClean="0">
+                            <a:latin typeface="Cambria Math" panose="02040503050406030204" pitchFamily="18" charset="0"/>
+                          </a:rPr>
+                          <m:t>∗</m:t>
+                        </m:r>
+                        <m:f>
+                          <m:fPr>
+                            <m:ctrlPr>
+                              <a:rPr lang="en-GB" sz="3200" b="0" i="1" smtClean="0">
+                                <a:latin typeface="Cambria Math" panose="02040503050406030204" pitchFamily="18" charset="0"/>
+                              </a:rPr>
+                            </m:ctrlPr>
+                          </m:fPr>
+                          <m:num>
+                            <m:r>
+                              <m:rPr>
+                                <m:sty m:val="p"/>
+                              </m:rPr>
+                              <a:rPr lang="el-GR" sz="3200" b="0" i="1" smtClean="0">
+                                <a:latin typeface="Cambria Math" panose="02040503050406030204" pitchFamily="18" charset="0"/>
+                              </a:rPr>
+                              <m:t>σ</m:t>
+                            </m:r>
+                          </m:num>
+                          <m:den>
+                            <m:rad>
+                              <m:radPr>
+                                <m:degHide m:val="on"/>
+                                <m:ctrlPr>
+                                  <a:rPr lang="en-GB" sz="3200" b="0" i="1" smtClean="0">
+                                    <a:latin typeface="Cambria Math" panose="02040503050406030204" pitchFamily="18" charset="0"/>
+                                  </a:rPr>
+                                </m:ctrlPr>
+                              </m:radPr>
+                              <m:deg/>
+                              <m:e>
+                                <m:r>
+                                  <a:rPr lang="en-GB" sz="3200" b="0" i="1" smtClean="0">
+                                    <a:latin typeface="Cambria Math" panose="02040503050406030204" pitchFamily="18" charset="0"/>
+                                  </a:rPr>
+                                  <m:t>𝑛</m:t>
+                                </m:r>
+                              </m:e>
+                            </m:rad>
+                          </m:den>
+                        </m:f>
+                      </m:oMath>
+                    </m:oMathPara>
+                  </a14:m>
+                  <a:endParaRPr lang="en-GB" dirty="0"/>
+                </a:p>
+              </p:txBody>
+            </p:sp>
+          </mc:Choice>
+          <mc:Fallback>
+            <p:sp>
+              <p:nvSpPr>
+                <p:cNvPr id="2" name="TextBox 1">
+                  <a:extLst>
+                    <a:ext uri="{FF2B5EF4-FFF2-40B4-BE49-F238E27FC236}">
+                      <a16:creationId xmlns:a16="http://schemas.microsoft.com/office/drawing/2014/main" id="{1F09F100-F7A1-D91A-5B68-F0F354445F33}"/>
+                    </a:ext>
+                  </a:extLst>
+                </p:cNvPr>
+                <p:cNvSpPr txBox="1">
+                  <a:spLocks noRot="1" noChangeAspect="1" noMove="1" noResize="1" noEditPoints="1" noAdjustHandles="1" noChangeArrowheads="1" noChangeShapeType="1" noTextEdit="1"/>
+                </p:cNvSpPr>
+                <p:nvPr/>
+              </p:nvSpPr>
+              <p:spPr>
+                <a:xfrm>
+                  <a:off x="7572802" y="2824206"/>
+                  <a:ext cx="2427203" cy="932563"/>
+                </a:xfrm>
+                <a:prstGeom prst="rect">
+                  <a:avLst/>
+                </a:prstGeom>
+                <a:blipFill>
+                  <a:blip r:embed="rId3"/>
+                  <a:stretch>
+                    <a:fillRect/>
+                  </a:stretch>
+                </a:blipFill>
+              </p:spPr>
+              <p:txBody>
+                <a:bodyPr/>
+                <a:lstStyle/>
+                <a:p>
+                  <a:r>
+                    <a:rPr lang="en-GB">
+                      <a:noFill/>
+                    </a:rPr>
+                    <a:t> </a:t>
+                  </a:r>
+                </a:p>
+              </p:txBody>
+            </p:sp>
+          </mc:Fallback>
+        </mc:AlternateContent>
+        <p:sp>
+          <p:nvSpPr>
+            <p:cNvPr id="3" name="TextBox 2">
+              <a:extLst>
+                <a:ext uri="{FF2B5EF4-FFF2-40B4-BE49-F238E27FC236}">
+                  <a16:creationId xmlns:a16="http://schemas.microsoft.com/office/drawing/2014/main" id="{E6B24E45-2D63-EED0-1431-F72E1E1E6992}"/>
+                </a:ext>
+              </a:extLst>
+            </p:cNvPr>
+            <p:cNvSpPr txBox="1"/>
+            <p:nvPr/>
+          </p:nvSpPr>
+          <p:spPr>
+            <a:xfrm>
+              <a:off x="7464669" y="2410864"/>
+              <a:ext cx="2728824" cy="369332"/>
+            </a:xfrm>
+            <a:prstGeom prst="rect">
+              <a:avLst/>
+            </a:prstGeom>
+            <a:noFill/>
+          </p:spPr>
+          <p:txBody>
+            <a:bodyPr wrap="none" rtlCol="0">
+              <a:spAutoFit/>
+            </a:bodyPr>
+            <a:lstStyle/>
+            <a:p>
+              <a:r>
+                <a:rPr lang="en-GB" dirty="0"/>
+                <a:t>Population variance known</a:t>
+              </a:r>
+            </a:p>
+          </p:txBody>
+        </p:sp>
+      </p:grpSp>
+      <p:grpSp>
+        <p:nvGrpSpPr>
+          <p:cNvPr id="12" name="Group 11">
+            <a:extLst>
+              <a:ext uri="{FF2B5EF4-FFF2-40B4-BE49-F238E27FC236}">
+                <a16:creationId xmlns:a16="http://schemas.microsoft.com/office/drawing/2014/main" id="{216B7A89-9578-57D1-0319-4C681DE83479}"/>
+              </a:ext>
+            </a:extLst>
+          </p:cNvPr>
+          <p:cNvGrpSpPr/>
+          <p:nvPr/>
+        </p:nvGrpSpPr>
+        <p:grpSpPr>
+          <a:xfrm>
+            <a:off x="7464669" y="4343128"/>
+            <a:ext cx="3153582" cy="1304716"/>
+            <a:chOff x="7464669" y="4343128"/>
+            <a:chExt cx="3153582" cy="1304716"/>
+          </a:xfrm>
+        </p:grpSpPr>
+        <mc:AlternateContent xmlns:mc="http://schemas.openxmlformats.org/markup-compatibility/2006">
+          <mc:Choice xmlns:a14="http://schemas.microsoft.com/office/drawing/2010/main" Requires="a14">
+            <p:sp>
+              <p:nvSpPr>
+                <p:cNvPr id="9" name="TextBox 8">
+                  <a:extLst>
+                    <a:ext uri="{FF2B5EF4-FFF2-40B4-BE49-F238E27FC236}">
+                      <a16:creationId xmlns:a16="http://schemas.microsoft.com/office/drawing/2014/main" id="{9E32B187-6C4B-010D-261D-6D34A9B1CC19}"/>
+                    </a:ext>
+                  </a:extLst>
+                </p:cNvPr>
+                <p:cNvSpPr txBox="1"/>
+                <p:nvPr/>
+              </p:nvSpPr>
+              <p:spPr>
+                <a:xfrm>
+                  <a:off x="7572802" y="4712460"/>
+                  <a:ext cx="3045449" cy="935384"/>
+                </a:xfrm>
+                <a:prstGeom prst="rect">
+                  <a:avLst/>
+                </a:prstGeom>
+                <a:noFill/>
+              </p:spPr>
+              <p:txBody>
+                <a:bodyPr wrap="none" lIns="0" tIns="0" rIns="0" bIns="0" rtlCol="0">
+                  <a:spAutoFit/>
+                </a:bodyPr>
+                <a:lstStyle/>
+                <a:p>
+                  <a:pPr/>
+                  <a14:m>
+                    <m:oMathPara xmlns:m="http://schemas.openxmlformats.org/officeDocument/2006/math">
+                      <m:oMathParaPr>
+                        <m:jc m:val="centerGroup"/>
+                      </m:oMathParaPr>
+                      <m:oMath xmlns:m="http://schemas.openxmlformats.org/officeDocument/2006/math">
+                        <m:acc>
+                          <m:accPr>
+                            <m:chr m:val="̅"/>
+                            <m:ctrlPr>
+                              <a:rPr lang="pt-BR" sz="3200" i="1" smtClean="0">
+                                <a:latin typeface="Cambria Math" panose="02040503050406030204" pitchFamily="18" charset="0"/>
+                              </a:rPr>
+                            </m:ctrlPr>
+                          </m:accPr>
+                          <m:e>
+                            <m:r>
+                              <a:rPr lang="en-GB" sz="3200" b="0" i="1" smtClean="0">
+                                <a:latin typeface="Cambria Math" panose="02040503050406030204" pitchFamily="18" charset="0"/>
+                              </a:rPr>
+                              <m:t>𝑥</m:t>
+                            </m:r>
+                          </m:e>
+                        </m:acc>
+                        <m:r>
+                          <a:rPr lang="pt-BR" sz="3200" i="1">
+                            <a:latin typeface="Cambria Math" panose="02040503050406030204" pitchFamily="18" charset="0"/>
+                          </a:rPr>
+                          <m:t>±</m:t>
+                        </m:r>
+                        <m:sSub>
+                          <m:sSubPr>
+                            <m:ctrlPr>
+                              <a:rPr lang="pt-BR" sz="3200" i="1" smtClean="0">
+                                <a:latin typeface="Cambria Math" panose="02040503050406030204" pitchFamily="18" charset="0"/>
+                              </a:rPr>
+                            </m:ctrlPr>
+                          </m:sSubPr>
+                          <m:e>
+                            <m:r>
+                              <a:rPr lang="en-GB" sz="3200" b="0" i="1" smtClean="0">
+                                <a:latin typeface="Cambria Math" panose="02040503050406030204" pitchFamily="18" charset="0"/>
+                              </a:rPr>
+                              <m:t>𝑡</m:t>
+                            </m:r>
+                          </m:e>
+                          <m:sub>
+                            <m:r>
+                              <a:rPr lang="en-GB" sz="3200" b="0" i="1" smtClean="0">
+                                <a:latin typeface="Cambria Math" panose="02040503050406030204" pitchFamily="18" charset="0"/>
+                              </a:rPr>
+                              <m:t>𝑛</m:t>
+                            </m:r>
+                            <m:r>
+                              <a:rPr lang="en-GB" sz="3200" b="0" i="1" smtClean="0">
+                                <a:latin typeface="Cambria Math" panose="02040503050406030204" pitchFamily="18" charset="0"/>
+                              </a:rPr>
+                              <m:t>−1,</m:t>
+                            </m:r>
+                            <m:r>
+                              <m:rPr>
+                                <m:sty m:val="p"/>
+                              </m:rPr>
+                              <a:rPr lang="el-GR" sz="3200" i="1" smtClean="0">
+                                <a:latin typeface="Cambria Math" panose="02040503050406030204" pitchFamily="18" charset="0"/>
+                              </a:rPr>
+                              <m:t>α</m:t>
+                            </m:r>
+                            <m:r>
+                              <a:rPr lang="en-GB" sz="3200" b="0" i="1" smtClean="0">
+                                <a:latin typeface="Cambria Math" panose="02040503050406030204" pitchFamily="18" charset="0"/>
+                              </a:rPr>
+                              <m:t>/2</m:t>
+                            </m:r>
+                          </m:sub>
+                        </m:sSub>
+                        <m:r>
+                          <a:rPr lang="en-GB" sz="3200" b="0" i="1" smtClean="0">
+                            <a:latin typeface="Cambria Math" panose="02040503050406030204" pitchFamily="18" charset="0"/>
+                          </a:rPr>
+                          <m:t>∗</m:t>
+                        </m:r>
+                        <m:f>
+                          <m:fPr>
+                            <m:ctrlPr>
+                              <a:rPr lang="en-GB" sz="3200" b="0" i="1" smtClean="0">
+                                <a:latin typeface="Cambria Math" panose="02040503050406030204" pitchFamily="18" charset="0"/>
+                              </a:rPr>
+                            </m:ctrlPr>
+                          </m:fPr>
+                          <m:num>
+                            <m:r>
+                              <a:rPr lang="en-GB" sz="3200" b="0" i="1" smtClean="0">
+                                <a:latin typeface="Cambria Math" panose="02040503050406030204" pitchFamily="18" charset="0"/>
+                              </a:rPr>
+                              <m:t>𝑠</m:t>
+                            </m:r>
+                          </m:num>
+                          <m:den>
+                            <m:rad>
+                              <m:radPr>
+                                <m:degHide m:val="on"/>
+                                <m:ctrlPr>
+                                  <a:rPr lang="en-GB" sz="3200" b="0" i="1" smtClean="0">
+                                    <a:latin typeface="Cambria Math" panose="02040503050406030204" pitchFamily="18" charset="0"/>
+                                  </a:rPr>
+                                </m:ctrlPr>
+                              </m:radPr>
+                              <m:deg/>
+                              <m:e>
+                                <m:r>
+                                  <a:rPr lang="en-GB" sz="3200" b="0" i="1" smtClean="0">
+                                    <a:latin typeface="Cambria Math" panose="02040503050406030204" pitchFamily="18" charset="0"/>
+                                  </a:rPr>
+                                  <m:t>𝑛</m:t>
+                                </m:r>
+                              </m:e>
+                            </m:rad>
+                          </m:den>
+                        </m:f>
+                      </m:oMath>
+                    </m:oMathPara>
+                  </a14:m>
+                  <a:endParaRPr lang="en-GB" dirty="0"/>
+                </a:p>
+              </p:txBody>
+            </p:sp>
+          </mc:Choice>
+          <mc:Fallback>
+            <p:sp>
+              <p:nvSpPr>
+                <p:cNvPr id="9" name="TextBox 8">
+                  <a:extLst>
+                    <a:ext uri="{FF2B5EF4-FFF2-40B4-BE49-F238E27FC236}">
+                      <a16:creationId xmlns:a16="http://schemas.microsoft.com/office/drawing/2014/main" id="{9E32B187-6C4B-010D-261D-6D34A9B1CC19}"/>
+                    </a:ext>
+                  </a:extLst>
+                </p:cNvPr>
+                <p:cNvSpPr txBox="1">
+                  <a:spLocks noRot="1" noChangeAspect="1" noMove="1" noResize="1" noEditPoints="1" noAdjustHandles="1" noChangeArrowheads="1" noChangeShapeType="1" noTextEdit="1"/>
+                </p:cNvSpPr>
+                <p:nvPr/>
+              </p:nvSpPr>
+              <p:spPr>
+                <a:xfrm>
+                  <a:off x="7572802" y="4712460"/>
+                  <a:ext cx="3045449" cy="935384"/>
+                </a:xfrm>
+                <a:prstGeom prst="rect">
+                  <a:avLst/>
+                </a:prstGeom>
+                <a:blipFill>
+                  <a:blip r:embed="rId4"/>
+                  <a:stretch>
+                    <a:fillRect/>
+                  </a:stretch>
+                </a:blipFill>
+              </p:spPr>
+              <p:txBody>
+                <a:bodyPr/>
+                <a:lstStyle/>
+                <a:p>
+                  <a:r>
+                    <a:rPr lang="en-GB">
+                      <a:noFill/>
+                    </a:rPr>
+                    <a:t> </a:t>
+                  </a:r>
+                </a:p>
+              </p:txBody>
+            </p:sp>
+          </mc:Fallback>
+        </mc:AlternateContent>
+        <p:sp>
+          <p:nvSpPr>
+            <p:cNvPr id="11" name="TextBox 10">
+              <a:extLst>
+                <a:ext uri="{FF2B5EF4-FFF2-40B4-BE49-F238E27FC236}">
+                  <a16:creationId xmlns:a16="http://schemas.microsoft.com/office/drawing/2014/main" id="{FFC1BAD0-C01B-32BF-F8FD-C27CFDB381B9}"/>
+                </a:ext>
+              </a:extLst>
+            </p:cNvPr>
+            <p:cNvSpPr txBox="1"/>
+            <p:nvPr/>
+          </p:nvSpPr>
+          <p:spPr>
+            <a:xfrm>
+              <a:off x="7464669" y="4343128"/>
+              <a:ext cx="2972480" cy="369332"/>
+            </a:xfrm>
+            <a:prstGeom prst="rect">
+              <a:avLst/>
+            </a:prstGeom>
+            <a:noFill/>
+          </p:spPr>
+          <p:txBody>
+            <a:bodyPr wrap="none" rtlCol="0">
+              <a:spAutoFit/>
+            </a:bodyPr>
+            <a:lstStyle/>
+            <a:p>
+              <a:r>
+                <a:rPr lang="en-GB" dirty="0"/>
+                <a:t>Population variance unknown</a:t>
+              </a:r>
+            </a:p>
+          </p:txBody>
+        </p:sp>
+      </p:grpSp>
+    </p:spTree>
+    <p:extLst>
+      <p:ext uri="{BB962C8B-B14F-4D97-AF65-F5344CB8AC3E}">
+        <p14:creationId xmlns:p14="http://schemas.microsoft.com/office/powerpoint/2010/main" val="711204315"/>
+      </p:ext>
+    </p:extLst>
+  </p:cSld>
+  <p:clrMapOvr>
+    <a:masterClrMapping/>
+  </p:clrMapOvr>
+</p:sld>
+</file>
+
+<file path=ppt/slides/slide24.xml><?xml version="1.0" encoding="utf-8"?>
+<p:sld xmlns:a="http://schemas.openxmlformats.org/drawingml/2006/main" xmlns:r="http://schemas.openxmlformats.org/officeDocument/2006/relationships" xmlns:p="http://schemas.openxmlformats.org/presentationml/2006/main">
+  <p:cSld>
+    <p:spTree>
+      <p:nvGrpSpPr>
+        <p:cNvPr id="1" name=""/>
+        <p:cNvGrpSpPr/>
+        <p:nvPr/>
+      </p:nvGrpSpPr>
+      <p:grpSpPr>
+        <a:xfrm>
+          <a:off x="0" y="0"/>
+          <a:ext cx="0" cy="0"/>
+          <a:chOff x="0" y="0"/>
+          <a:chExt cx="0" cy="0"/>
+        </a:xfrm>
+      </p:grpSpPr>
+      <p:sp>
+        <p:nvSpPr>
+          <p:cNvPr id="4" name="TextBox 3">
+            <a:extLst>
+              <a:ext uri="{FF2B5EF4-FFF2-40B4-BE49-F238E27FC236}">
+                <a16:creationId xmlns:a16="http://schemas.microsoft.com/office/drawing/2014/main" id="{EB45A09E-5C1B-7029-F408-457C3D063C26}"/>
+              </a:ext>
+            </a:extLst>
+          </p:cNvPr>
+          <p:cNvSpPr txBox="1"/>
+          <p:nvPr/>
+        </p:nvSpPr>
+        <p:spPr>
+          <a:xfrm>
+            <a:off x="503853" y="531845"/>
+            <a:ext cx="11243388" cy="954107"/>
+          </a:xfrm>
+          <a:prstGeom prst="rect">
+            <a:avLst/>
+          </a:prstGeom>
+          <a:noFill/>
+        </p:spPr>
+        <p:txBody>
+          <a:bodyPr wrap="square" rtlCol="0">
+            <a:spAutoFit/>
+          </a:bodyPr>
+          <a:lstStyle/>
+          <a:p>
+            <a:r>
+              <a:rPr lang="en-GB" sz="2400" b="1" dirty="0"/>
+              <a:t>T distribution</a:t>
+            </a:r>
+          </a:p>
+          <a:p>
+            <a:r>
+              <a:rPr lang="en-GB" sz="1600" dirty="0"/>
+              <a:t>The T distribution, also known as the Student's t-distribution, is a type of probability distribution that is similar to the normal distribution but with a greater chance for extreme values, hence the fatter tails.</a:t>
+            </a:r>
+          </a:p>
+        </p:txBody>
+      </p:sp>
+      <p:pic>
+        <p:nvPicPr>
+          <p:cNvPr id="1026" name="Picture 2">
+            <a:extLst>
+              <a:ext uri="{FF2B5EF4-FFF2-40B4-BE49-F238E27FC236}">
+                <a16:creationId xmlns:a16="http://schemas.microsoft.com/office/drawing/2014/main" id="{8C9BBFDA-0641-26EE-AF92-8274B5BE2DF3}"/>
+              </a:ext>
+            </a:extLst>
+          </p:cNvPr>
+          <p:cNvPicPr>
+            <a:picLocks noChangeAspect="1" noChangeArrowheads="1"/>
+          </p:cNvPicPr>
+          <p:nvPr/>
+        </p:nvPicPr>
+        <p:blipFill>
+          <a:blip r:embed="rId2">
+            <a:extLst>
+              <a:ext uri="{28A0092B-C50C-407E-A947-70E740481C1C}">
+                <a14:useLocalDpi xmlns:a14="http://schemas.microsoft.com/office/drawing/2010/main" val="0"/>
+              </a:ext>
+            </a:extLst>
+          </a:blip>
+          <a:srcRect/>
+          <a:stretch>
+            <a:fillRect/>
+          </a:stretch>
+        </p:blipFill>
+        <p:spPr bwMode="auto">
+          <a:xfrm>
+            <a:off x="812065" y="2521237"/>
+            <a:ext cx="5606318" cy="3747079"/>
+          </a:xfrm>
+          <a:prstGeom prst="rect">
+            <a:avLst/>
+          </a:prstGeom>
+          <a:noFill/>
+          <a:extLst>
+            <a:ext uri="{909E8E84-426E-40DD-AFC4-6F175D3DCCD1}">
+              <a14:hiddenFill xmlns:a14="http://schemas.microsoft.com/office/drawing/2010/main">
+                <a:solidFill>
+                  <a:srgbClr val="FFFFFF"/>
+                </a:solidFill>
+              </a14:hiddenFill>
+            </a:ext>
+          </a:extLst>
+        </p:spPr>
+      </p:pic>
+      <p:pic>
+        <p:nvPicPr>
+          <p:cNvPr id="5" name="Picture 4">
+            <a:extLst>
+              <a:ext uri="{FF2B5EF4-FFF2-40B4-BE49-F238E27FC236}">
+                <a16:creationId xmlns:a16="http://schemas.microsoft.com/office/drawing/2014/main" id="{DD018E26-4685-4F7E-9D58-FB0DA7306EAA}"/>
+              </a:ext>
+            </a:extLst>
+          </p:cNvPr>
+          <p:cNvPicPr>
+            <a:picLocks noChangeAspect="1"/>
+          </p:cNvPicPr>
+          <p:nvPr/>
+        </p:nvPicPr>
+        <p:blipFill>
+          <a:blip r:embed="rId3"/>
+          <a:stretch>
+            <a:fillRect/>
+          </a:stretch>
+        </p:blipFill>
+        <p:spPr>
+          <a:xfrm>
+            <a:off x="7587762" y="1257301"/>
+            <a:ext cx="3855560" cy="5484202"/>
+          </a:xfrm>
+          <a:prstGeom prst="rect">
+            <a:avLst/>
+          </a:prstGeom>
+        </p:spPr>
+      </p:pic>
+    </p:spTree>
+    <p:extLst>
+      <p:ext uri="{BB962C8B-B14F-4D97-AF65-F5344CB8AC3E}">
+        <p14:creationId xmlns:p14="http://schemas.microsoft.com/office/powerpoint/2010/main" val="2285416668"/>
+      </p:ext>
+    </p:extLst>
+  </p:cSld>
+  <p:clrMapOvr>
+    <a:masterClrMapping/>
+  </p:clrMapOvr>
+</p:sld>
+</file>
+
+<file path=ppt/slides/slide25.xml><?xml version="1.0" encoding="utf-8"?>
+<p:sld xmlns:a="http://schemas.openxmlformats.org/drawingml/2006/main" xmlns:r="http://schemas.openxmlformats.org/officeDocument/2006/relationships" xmlns:p="http://schemas.openxmlformats.org/presentationml/2006/main">
+  <p:cSld>
+    <p:spTree>
+      <p:nvGrpSpPr>
+        <p:cNvPr id="1" name=""/>
+        <p:cNvGrpSpPr/>
+        <p:nvPr/>
+      </p:nvGrpSpPr>
+      <p:grpSpPr>
+        <a:xfrm>
+          <a:off x="0" y="0"/>
+          <a:ext cx="0" cy="0"/>
+          <a:chOff x="0" y="0"/>
+          <a:chExt cx="0" cy="0"/>
+        </a:xfrm>
+      </p:grpSpPr>
+      <p:sp>
+        <p:nvSpPr>
+          <p:cNvPr id="4" name="TextBox 3">
+            <a:extLst>
+              <a:ext uri="{FF2B5EF4-FFF2-40B4-BE49-F238E27FC236}">
+                <a16:creationId xmlns:a16="http://schemas.microsoft.com/office/drawing/2014/main" id="{5BC546FC-3FA5-F4A7-9137-68D234C6086A}"/>
+              </a:ext>
+            </a:extLst>
+          </p:cNvPr>
+          <p:cNvSpPr txBox="1"/>
+          <p:nvPr/>
+        </p:nvSpPr>
+        <p:spPr>
+          <a:xfrm>
+            <a:off x="503853" y="531845"/>
+            <a:ext cx="11243388" cy="461665"/>
+          </a:xfrm>
+          <a:prstGeom prst="rect">
+            <a:avLst/>
+          </a:prstGeom>
+          <a:noFill/>
+        </p:spPr>
+        <p:txBody>
+          <a:bodyPr wrap="square" rtlCol="0">
+            <a:spAutoFit/>
+          </a:bodyPr>
+          <a:lstStyle/>
+          <a:p>
+            <a:r>
+              <a:rPr lang="en-GB" sz="2400" b="1" dirty="0"/>
+              <a:t>z-score or t-score?</a:t>
+            </a:r>
+          </a:p>
+        </p:txBody>
+      </p:sp>
+      <p:sp>
+        <p:nvSpPr>
+          <p:cNvPr id="7" name="TextBox 6">
+            <a:extLst>
+              <a:ext uri="{FF2B5EF4-FFF2-40B4-BE49-F238E27FC236}">
+                <a16:creationId xmlns:a16="http://schemas.microsoft.com/office/drawing/2014/main" id="{887EADBB-8312-99F9-0B92-BBDFEE8263B0}"/>
+              </a:ext>
+            </a:extLst>
+          </p:cNvPr>
+          <p:cNvSpPr txBox="1"/>
+          <p:nvPr/>
+        </p:nvSpPr>
+        <p:spPr>
+          <a:xfrm>
+            <a:off x="3692770" y="1714500"/>
+            <a:ext cx="4232890" cy="369332"/>
+          </a:xfrm>
+          <a:prstGeom prst="rect">
+            <a:avLst/>
+          </a:prstGeom>
+          <a:noFill/>
+          <a:ln>
+            <a:solidFill>
+              <a:schemeClr val="tx1"/>
+            </a:solidFill>
+          </a:ln>
+        </p:spPr>
+        <p:txBody>
+          <a:bodyPr wrap="square" rtlCol="0">
+            <a:spAutoFit/>
+          </a:bodyPr>
+          <a:lstStyle/>
+          <a:p>
+            <a:r>
+              <a:rPr lang="en-GB" dirty="0"/>
+              <a:t>Do you know the population standard dev?</a:t>
+            </a:r>
+          </a:p>
+        </p:txBody>
+      </p:sp>
+      <p:sp>
+        <p:nvSpPr>
+          <p:cNvPr id="8" name="TextBox 7">
+            <a:extLst>
+              <a:ext uri="{FF2B5EF4-FFF2-40B4-BE49-F238E27FC236}">
+                <a16:creationId xmlns:a16="http://schemas.microsoft.com/office/drawing/2014/main" id="{A4C58ECF-77FB-4BC7-B579-3CBEE748D93D}"/>
+              </a:ext>
+            </a:extLst>
+          </p:cNvPr>
+          <p:cNvSpPr txBox="1"/>
+          <p:nvPr/>
+        </p:nvSpPr>
+        <p:spPr>
+          <a:xfrm>
+            <a:off x="1793631" y="3042166"/>
+            <a:ext cx="2841996" cy="369332"/>
+          </a:xfrm>
+          <a:prstGeom prst="rect">
+            <a:avLst/>
+          </a:prstGeom>
+          <a:noFill/>
+          <a:ln>
+            <a:solidFill>
+              <a:schemeClr val="tx1"/>
+            </a:solidFill>
+          </a:ln>
+        </p:spPr>
+        <p:txBody>
+          <a:bodyPr wrap="none" rtlCol="0">
+            <a:spAutoFit/>
+          </a:bodyPr>
+          <a:lstStyle/>
+          <a:p>
+            <a:r>
+              <a:rPr lang="en-GB" dirty="0"/>
+              <a:t>Is the sample size above 30?</a:t>
+            </a:r>
+          </a:p>
+        </p:txBody>
+      </p:sp>
+      <p:sp>
+        <p:nvSpPr>
+          <p:cNvPr id="9" name="TextBox 8">
+            <a:extLst>
+              <a:ext uri="{FF2B5EF4-FFF2-40B4-BE49-F238E27FC236}">
+                <a16:creationId xmlns:a16="http://schemas.microsoft.com/office/drawing/2014/main" id="{14D0045A-D94E-0824-5EFD-1ACDB7AC0F8A}"/>
+              </a:ext>
+            </a:extLst>
+          </p:cNvPr>
+          <p:cNvSpPr txBox="1"/>
+          <p:nvPr/>
+        </p:nvSpPr>
+        <p:spPr>
+          <a:xfrm>
+            <a:off x="7925660" y="3042166"/>
+            <a:ext cx="1237711" cy="369332"/>
+          </a:xfrm>
+          <a:prstGeom prst="rect">
+            <a:avLst/>
+          </a:prstGeom>
+          <a:noFill/>
+          <a:ln>
+            <a:solidFill>
+              <a:schemeClr val="tx1"/>
+            </a:solidFill>
+          </a:ln>
+        </p:spPr>
+        <p:txBody>
+          <a:bodyPr wrap="none" rtlCol="0">
+            <a:spAutoFit/>
+          </a:bodyPr>
+          <a:lstStyle/>
+          <a:p>
+            <a:r>
+              <a:rPr lang="en-GB" dirty="0"/>
+              <a:t>Use t-score</a:t>
+            </a:r>
+          </a:p>
+        </p:txBody>
+      </p:sp>
+      <p:sp>
+        <p:nvSpPr>
+          <p:cNvPr id="10" name="TextBox 9">
+            <a:extLst>
+              <a:ext uri="{FF2B5EF4-FFF2-40B4-BE49-F238E27FC236}">
+                <a16:creationId xmlns:a16="http://schemas.microsoft.com/office/drawing/2014/main" id="{A70A0001-0725-0BE2-6B58-B8B499258243}"/>
+              </a:ext>
+            </a:extLst>
+          </p:cNvPr>
+          <p:cNvSpPr txBox="1"/>
+          <p:nvPr/>
+        </p:nvSpPr>
+        <p:spPr>
+          <a:xfrm>
+            <a:off x="1359414" y="4484104"/>
+            <a:ext cx="1252138" cy="369332"/>
+          </a:xfrm>
+          <a:prstGeom prst="rect">
+            <a:avLst/>
+          </a:prstGeom>
+          <a:noFill/>
+          <a:ln>
+            <a:solidFill>
+              <a:schemeClr val="tx1"/>
+            </a:solidFill>
+          </a:ln>
+        </p:spPr>
+        <p:txBody>
+          <a:bodyPr wrap="none" rtlCol="0">
+            <a:spAutoFit/>
+          </a:bodyPr>
+          <a:lstStyle/>
+          <a:p>
+            <a:r>
+              <a:rPr lang="en-GB" dirty="0"/>
+              <a:t>Use z-score</a:t>
+            </a:r>
+          </a:p>
+        </p:txBody>
+      </p:sp>
+      <p:sp>
+        <p:nvSpPr>
+          <p:cNvPr id="11" name="TextBox 10">
+            <a:extLst>
+              <a:ext uri="{FF2B5EF4-FFF2-40B4-BE49-F238E27FC236}">
+                <a16:creationId xmlns:a16="http://schemas.microsoft.com/office/drawing/2014/main" id="{18CBAAB0-BE5D-24A2-E4CA-0B2B9A34B75B}"/>
+              </a:ext>
+            </a:extLst>
+          </p:cNvPr>
+          <p:cNvSpPr txBox="1"/>
+          <p:nvPr/>
+        </p:nvSpPr>
+        <p:spPr>
+          <a:xfrm>
+            <a:off x="3539907" y="4484104"/>
+            <a:ext cx="1237711" cy="369332"/>
+          </a:xfrm>
+          <a:prstGeom prst="rect">
+            <a:avLst/>
+          </a:prstGeom>
+          <a:noFill/>
+          <a:ln>
+            <a:solidFill>
+              <a:schemeClr val="tx1"/>
+            </a:solidFill>
+          </a:ln>
+        </p:spPr>
+        <p:txBody>
+          <a:bodyPr wrap="none" rtlCol="0">
+            <a:spAutoFit/>
+          </a:bodyPr>
+          <a:lstStyle/>
+          <a:p>
+            <a:r>
+              <a:rPr lang="en-GB" dirty="0"/>
+              <a:t>Use t-score</a:t>
+            </a:r>
+          </a:p>
+        </p:txBody>
+      </p:sp>
+      <p:cxnSp>
+        <p:nvCxnSpPr>
+          <p:cNvPr id="14" name="Straight Arrow Connector 13">
+            <a:extLst>
+              <a:ext uri="{FF2B5EF4-FFF2-40B4-BE49-F238E27FC236}">
+                <a16:creationId xmlns:a16="http://schemas.microsoft.com/office/drawing/2014/main" id="{ED3C86DC-8A66-F6E8-89E2-635EC841D919}"/>
+              </a:ext>
+            </a:extLst>
+          </p:cNvPr>
+          <p:cNvCxnSpPr/>
+          <p:nvPr/>
+        </p:nvCxnSpPr>
+        <p:spPr>
+          <a:xfrm flipH="1">
+            <a:off x="3780693" y="2083832"/>
+            <a:ext cx="633046" cy="958334"/>
+          </a:xfrm>
+          <a:prstGeom prst="straightConnector1">
+            <a:avLst/>
+          </a:prstGeom>
+          <a:ln>
+            <a:solidFill>
+              <a:schemeClr val="tx1"/>
+            </a:solidFill>
+            <a:tailEnd type="triangle"/>
+          </a:ln>
+        </p:spPr>
+        <p:style>
+          <a:lnRef idx="1">
+            <a:schemeClr val="accent1"/>
+          </a:lnRef>
+          <a:fillRef idx="0">
+            <a:schemeClr val="accent1"/>
+          </a:fillRef>
+          <a:effectRef idx="0">
+            <a:schemeClr val="accent1"/>
+          </a:effectRef>
+          <a:fontRef idx="minor">
+            <a:schemeClr val="tx1"/>
+          </a:fontRef>
+        </p:style>
+      </p:cxnSp>
+      <p:cxnSp>
+        <p:nvCxnSpPr>
+          <p:cNvPr id="15" name="Straight Arrow Connector 14">
+            <a:extLst>
+              <a:ext uri="{FF2B5EF4-FFF2-40B4-BE49-F238E27FC236}">
+                <a16:creationId xmlns:a16="http://schemas.microsoft.com/office/drawing/2014/main" id="{D1DE622D-E345-8B76-B84E-4DA09D0D7BFB}"/>
+              </a:ext>
+            </a:extLst>
+          </p:cNvPr>
+          <p:cNvCxnSpPr>
+            <a:cxnSpLocks/>
+          </p:cNvCxnSpPr>
+          <p:nvPr/>
+        </p:nvCxnSpPr>
+        <p:spPr>
+          <a:xfrm>
+            <a:off x="7228044" y="2083832"/>
+            <a:ext cx="1025005" cy="958334"/>
+          </a:xfrm>
+          <a:prstGeom prst="straightConnector1">
+            <a:avLst/>
+          </a:prstGeom>
+          <a:ln>
+            <a:solidFill>
+              <a:schemeClr val="tx1"/>
+            </a:solidFill>
+            <a:tailEnd type="triangle"/>
+          </a:ln>
+        </p:spPr>
+        <p:style>
+          <a:lnRef idx="1">
+            <a:schemeClr val="accent1"/>
+          </a:lnRef>
+          <a:fillRef idx="0">
+            <a:schemeClr val="accent1"/>
+          </a:fillRef>
+          <a:effectRef idx="0">
+            <a:schemeClr val="accent1"/>
+          </a:effectRef>
+          <a:fontRef idx="minor">
+            <a:schemeClr val="tx1"/>
+          </a:fontRef>
+        </p:style>
+      </p:cxnSp>
+      <p:cxnSp>
+        <p:nvCxnSpPr>
+          <p:cNvPr id="17" name="Straight Arrow Connector 16">
+            <a:extLst>
+              <a:ext uri="{FF2B5EF4-FFF2-40B4-BE49-F238E27FC236}">
+                <a16:creationId xmlns:a16="http://schemas.microsoft.com/office/drawing/2014/main" id="{C6562C8F-A7B4-9174-BC59-74DB4C16430D}"/>
+              </a:ext>
+            </a:extLst>
+          </p:cNvPr>
+          <p:cNvCxnSpPr>
+            <a:cxnSpLocks/>
+          </p:cNvCxnSpPr>
+          <p:nvPr/>
+        </p:nvCxnSpPr>
+        <p:spPr>
+          <a:xfrm flipH="1">
+            <a:off x="2136531" y="3420318"/>
+            <a:ext cx="633046" cy="1063786"/>
+          </a:xfrm>
+          <a:prstGeom prst="straightConnector1">
+            <a:avLst/>
+          </a:prstGeom>
+          <a:ln>
+            <a:solidFill>
+              <a:schemeClr val="tx1"/>
+            </a:solidFill>
+            <a:tailEnd type="triangle"/>
+          </a:ln>
+        </p:spPr>
+        <p:style>
+          <a:lnRef idx="1">
+            <a:schemeClr val="accent1"/>
+          </a:lnRef>
+          <a:fillRef idx="0">
+            <a:schemeClr val="accent1"/>
+          </a:fillRef>
+          <a:effectRef idx="0">
+            <a:schemeClr val="accent1"/>
+          </a:effectRef>
+          <a:fontRef idx="minor">
+            <a:schemeClr val="tx1"/>
+          </a:fontRef>
+        </p:style>
+      </p:cxnSp>
+      <p:cxnSp>
+        <p:nvCxnSpPr>
+          <p:cNvPr id="19" name="Straight Arrow Connector 18">
+            <a:extLst>
+              <a:ext uri="{FF2B5EF4-FFF2-40B4-BE49-F238E27FC236}">
+                <a16:creationId xmlns:a16="http://schemas.microsoft.com/office/drawing/2014/main" id="{96119A78-91F1-283F-F39A-95BA4C1DBF1C}"/>
+              </a:ext>
+            </a:extLst>
+          </p:cNvPr>
+          <p:cNvCxnSpPr>
+            <a:cxnSpLocks/>
+          </p:cNvCxnSpPr>
+          <p:nvPr/>
+        </p:nvCxnSpPr>
+        <p:spPr>
+          <a:xfrm>
+            <a:off x="3608241" y="3418126"/>
+            <a:ext cx="550522" cy="1065978"/>
+          </a:xfrm>
+          <a:prstGeom prst="straightConnector1">
+            <a:avLst/>
+          </a:prstGeom>
+          <a:ln>
+            <a:solidFill>
+              <a:schemeClr val="tx1"/>
+            </a:solidFill>
+            <a:tailEnd type="triangle"/>
+          </a:ln>
+        </p:spPr>
+        <p:style>
+          <a:lnRef idx="1">
+            <a:schemeClr val="accent1"/>
+          </a:lnRef>
+          <a:fillRef idx="0">
+            <a:schemeClr val="accent1"/>
+          </a:fillRef>
+          <a:effectRef idx="0">
+            <a:schemeClr val="accent1"/>
+          </a:effectRef>
+          <a:fontRef idx="minor">
+            <a:schemeClr val="tx1"/>
+          </a:fontRef>
+        </p:style>
+      </p:cxnSp>
+      <p:sp>
+        <p:nvSpPr>
+          <p:cNvPr id="24" name="TextBox 23">
+            <a:extLst>
+              <a:ext uri="{FF2B5EF4-FFF2-40B4-BE49-F238E27FC236}">
+                <a16:creationId xmlns:a16="http://schemas.microsoft.com/office/drawing/2014/main" id="{5836C3E0-ACE5-6539-E188-E6D42A8328CC}"/>
+              </a:ext>
+            </a:extLst>
+          </p:cNvPr>
+          <p:cNvSpPr txBox="1"/>
+          <p:nvPr/>
+        </p:nvSpPr>
+        <p:spPr>
+          <a:xfrm>
+            <a:off x="8015975" y="5020408"/>
+            <a:ext cx="2294792" cy="646331"/>
+          </a:xfrm>
+          <a:prstGeom prst="rect">
+            <a:avLst/>
+          </a:prstGeom>
+          <a:noFill/>
+          <a:ln>
+            <a:solidFill>
+              <a:srgbClr val="92D050"/>
+            </a:solidFill>
+          </a:ln>
+        </p:spPr>
+        <p:txBody>
+          <a:bodyPr wrap="square" rtlCol="0">
+            <a:spAutoFit/>
+          </a:bodyPr>
+          <a:lstStyle/>
+          <a:p>
+            <a:r>
+              <a:rPr lang="en-GB" dirty="0"/>
+              <a:t>If sample size n &gt; 30 </a:t>
+            </a:r>
+            <a:r>
+              <a:rPr lang="en-GB" dirty="0">
+                <a:sym typeface="Wingdings" panose="05000000000000000000" pitchFamily="2" charset="2"/>
+              </a:rPr>
+              <a:t> </a:t>
+            </a:r>
+            <a:r>
+              <a:rPr lang="en-GB" dirty="0"/>
+              <a:t>t-score ~ z-score</a:t>
+            </a:r>
+          </a:p>
+        </p:txBody>
+      </p:sp>
+      <p:sp>
+        <p:nvSpPr>
+          <p:cNvPr id="25" name="TextBox 24">
+            <a:extLst>
+              <a:ext uri="{FF2B5EF4-FFF2-40B4-BE49-F238E27FC236}">
+                <a16:creationId xmlns:a16="http://schemas.microsoft.com/office/drawing/2014/main" id="{9D4231A4-C66F-F699-E416-CD0EF87E7417}"/>
+              </a:ext>
+            </a:extLst>
+          </p:cNvPr>
+          <p:cNvSpPr txBox="1"/>
+          <p:nvPr/>
+        </p:nvSpPr>
+        <p:spPr>
+          <a:xfrm>
+            <a:off x="3558805" y="2369475"/>
+            <a:ext cx="491225" cy="369332"/>
+          </a:xfrm>
+          <a:prstGeom prst="rect">
+            <a:avLst/>
+          </a:prstGeom>
+          <a:noFill/>
+        </p:spPr>
+        <p:txBody>
+          <a:bodyPr wrap="none" rtlCol="0">
+            <a:spAutoFit/>
+          </a:bodyPr>
+          <a:lstStyle/>
+          <a:p>
+            <a:r>
+              <a:rPr lang="en-GB" dirty="0"/>
+              <a:t>yes</a:t>
+            </a:r>
+          </a:p>
+        </p:txBody>
+      </p:sp>
+      <p:sp>
+        <p:nvSpPr>
+          <p:cNvPr id="26" name="TextBox 25">
+            <a:extLst>
+              <a:ext uri="{FF2B5EF4-FFF2-40B4-BE49-F238E27FC236}">
+                <a16:creationId xmlns:a16="http://schemas.microsoft.com/office/drawing/2014/main" id="{163B746C-D014-C068-7B47-D6A59790BB6F}"/>
+              </a:ext>
+            </a:extLst>
+          </p:cNvPr>
+          <p:cNvSpPr txBox="1"/>
+          <p:nvPr/>
+        </p:nvSpPr>
+        <p:spPr>
+          <a:xfrm>
+            <a:off x="1816615" y="3763135"/>
+            <a:ext cx="491225" cy="369332"/>
+          </a:xfrm>
+          <a:prstGeom prst="rect">
+            <a:avLst/>
+          </a:prstGeom>
+          <a:noFill/>
+        </p:spPr>
+        <p:txBody>
+          <a:bodyPr wrap="none" rtlCol="0">
+            <a:spAutoFit/>
+          </a:bodyPr>
+          <a:lstStyle/>
+          <a:p>
+            <a:r>
+              <a:rPr lang="en-GB" dirty="0"/>
+              <a:t>yes</a:t>
+            </a:r>
+          </a:p>
+        </p:txBody>
+      </p:sp>
+      <p:sp>
+        <p:nvSpPr>
+          <p:cNvPr id="27" name="TextBox 26">
+            <a:extLst>
+              <a:ext uri="{FF2B5EF4-FFF2-40B4-BE49-F238E27FC236}">
+                <a16:creationId xmlns:a16="http://schemas.microsoft.com/office/drawing/2014/main" id="{1C2FE88E-4836-B03E-240F-C4F5C28943AD}"/>
+              </a:ext>
+            </a:extLst>
+          </p:cNvPr>
+          <p:cNvSpPr txBox="1"/>
+          <p:nvPr/>
+        </p:nvSpPr>
+        <p:spPr>
+          <a:xfrm>
+            <a:off x="3947312" y="3631168"/>
+            <a:ext cx="428322" cy="369332"/>
+          </a:xfrm>
+          <a:prstGeom prst="rect">
+            <a:avLst/>
+          </a:prstGeom>
+          <a:noFill/>
+        </p:spPr>
+        <p:txBody>
+          <a:bodyPr wrap="none" rtlCol="0">
+            <a:spAutoFit/>
+          </a:bodyPr>
+          <a:lstStyle/>
+          <a:p>
+            <a:r>
+              <a:rPr lang="en-GB" dirty="0"/>
+              <a:t>no</a:t>
+            </a:r>
+          </a:p>
+        </p:txBody>
+      </p:sp>
+      <p:sp>
+        <p:nvSpPr>
+          <p:cNvPr id="28" name="TextBox 27">
+            <a:extLst>
+              <a:ext uri="{FF2B5EF4-FFF2-40B4-BE49-F238E27FC236}">
+                <a16:creationId xmlns:a16="http://schemas.microsoft.com/office/drawing/2014/main" id="{03FCD6DC-A9DB-4AE3-B37B-806F8572BBE2}"/>
+              </a:ext>
+            </a:extLst>
+          </p:cNvPr>
+          <p:cNvSpPr txBox="1"/>
+          <p:nvPr/>
+        </p:nvSpPr>
+        <p:spPr>
+          <a:xfrm>
+            <a:off x="7770617" y="2268498"/>
+            <a:ext cx="428322" cy="369332"/>
+          </a:xfrm>
+          <a:prstGeom prst="rect">
+            <a:avLst/>
+          </a:prstGeom>
+          <a:noFill/>
+        </p:spPr>
+        <p:txBody>
+          <a:bodyPr wrap="none" rtlCol="0">
+            <a:spAutoFit/>
+          </a:bodyPr>
+          <a:lstStyle/>
+          <a:p>
+            <a:r>
+              <a:rPr lang="en-GB" dirty="0"/>
+              <a:t>no</a:t>
+            </a:r>
+          </a:p>
+        </p:txBody>
+      </p:sp>
+    </p:spTree>
+    <p:extLst>
+      <p:ext uri="{BB962C8B-B14F-4D97-AF65-F5344CB8AC3E}">
+        <p14:creationId xmlns:p14="http://schemas.microsoft.com/office/powerpoint/2010/main" val="379105158"/>
+      </p:ext>
+    </p:extLst>
+  </p:cSld>
+  <p:clrMapOvr>
+    <a:masterClrMapping/>
+  </p:clrMapOvr>
+</p:sld>
+</file>
+
 <file path=ppt/slides/slide26.xml><?xml version="1.0" encoding="utf-8"?>
 <p:sld xmlns:a="http://schemas.openxmlformats.org/drawingml/2006/main" xmlns:r="http://schemas.openxmlformats.org/officeDocument/2006/relationships" xmlns:p="http://schemas.openxmlformats.org/presentationml/2006/main">
   <p:cSld>
@@ -14707,7 +14841,7 @@
         <p:spPr>
           <a:xfrm>
             <a:off x="503853" y="531845"/>
-            <a:ext cx="11243388" cy="2492990"/>
+            <a:ext cx="11243388" cy="2769989"/>
           </a:xfrm>
           <a:prstGeom prst="rect">
             <a:avLst/>
@@ -14731,19 +14865,7 @@
           <a:p>
             <a:r>
               <a:rPr lang="en-GB" dirty="0"/>
-              <a:t>In any experiment that involves drawing samples at random from a population there is always the possibility that an effect occurred purely by chance. We must set a threshold for </a:t>
-            </a:r>
-            <a:r>
-              <a:rPr lang="en-GB" b="1" dirty="0"/>
-              <a:t>statistical significance </a:t>
-            </a:r>
-            <a:r>
-              <a:rPr lang="el-GR" b="1" dirty="0"/>
-              <a:t>α</a:t>
-            </a:r>
-            <a:r>
-              <a:rPr lang="en-GB" dirty="0"/>
-              <a:t>.</a:t>
+              <a:t>In any experiment that involves drawing samples at random from a population there is always the possibility that an effect occurred purely by chance.</a:t>
             </a:r>
           </a:p>
           <a:p>
@@ -14782,24 +14904,17 @@
             </a:pPr>
             <a:r>
               <a:rPr lang="en-GB" dirty="0"/>
-              <a:t>Compute the probability (</a:t>
-            </a:r>
-            <a:r>
-              <a:rPr lang="en-GB" b="1" dirty="0"/>
-              <a:t>p-value</a:t>
-            </a:r>
-            <a:r>
-              <a:rPr lang="en-GB" dirty="0"/>
-              <a:t>) of the </a:t>
-            </a:r>
-            <a:r>
-              <a:rPr lang="en-GB" b="1" dirty="0"/>
-              <a:t>test statistic</a:t>
-            </a:r>
-            <a:r>
-              <a:rPr lang="en-GB" dirty="0"/>
-              <a:t> under null hypothesis.</a:t>
-            </a:r>
+              <a:t>Set a significance level </a:t>
+            </a:r>
+            <a:r>
+              <a:rPr lang="el-GR" b="1" dirty="0"/>
+              <a:t>α</a:t>
+            </a:r>
+            <a:r>
+              <a:rPr lang="it-IT" b="1" dirty="0"/>
+              <a:t>.</a:t>
+            </a:r>
+            <a:endParaRPr lang="en-GB" dirty="0"/>
           </a:p>
           <a:p>
             <a:pPr marL="285750" indent="-285750">
@@ -14808,6 +14923,32 @@
             </a:pPr>
             <a:r>
               <a:rPr lang="en-GB" dirty="0"/>
+              <a:t>Compute the probability (</a:t>
+            </a:r>
+            <a:r>
+              <a:rPr lang="en-GB" b="1" dirty="0"/>
+              <a:t>p-value</a:t>
+            </a:r>
+            <a:r>
+              <a:rPr lang="en-GB" dirty="0"/>
+              <a:t>) of the </a:t>
+            </a:r>
+            <a:r>
+              <a:rPr lang="en-GB" b="1" dirty="0"/>
+              <a:t>test statistic</a:t>
+            </a:r>
+            <a:r>
+              <a:rPr lang="en-GB" dirty="0"/>
+              <a:t> under null hypothesis.</a:t>
+            </a:r>
+          </a:p>
+          <a:p>
+            <a:pPr marL="285750" indent="-285750">
+              <a:buFont typeface="Arial" panose="020B0604020202020204" pitchFamily="34" charset="0"/>
+              <a:buChar char="•"/>
+            </a:pPr>
+            <a:r>
+              <a:rPr lang="en-GB" dirty="0"/>
               <a:t>Decide whether that probability is sufficiently small (p-value &lt; </a:t>
             </a:r>
             <a:r>
@@ -14821,268 +14962,116 @@
           </a:p>
         </p:txBody>
       </p:sp>
-      <p:pic>
-        <p:nvPicPr>
-          <p:cNvPr id="19466" name="Picture 10">
+      <p:grpSp>
+        <p:nvGrpSpPr>
+          <p:cNvPr id="7" name="Group 6">
             <a:extLst>
               <a:ext uri="{FF2B5EF4-FFF2-40B4-BE49-F238E27FC236}">
-                <a16:creationId xmlns:a16="http://schemas.microsoft.com/office/drawing/2014/main" id="{53654438-7A3C-DE5D-8578-3B11AA965B73}"/>
+                <a16:creationId xmlns:a16="http://schemas.microsoft.com/office/drawing/2014/main" id="{6D4C7478-485F-37A5-E52C-B90F78D6F303}"/>
               </a:ext>
             </a:extLst>
           </p:cNvPr>
-          <p:cNvPicPr>
-            <a:picLocks noChangeAspect="1" noChangeArrowheads="1"/>
-          </p:cNvPicPr>
+          <p:cNvGrpSpPr/>
           <p:nvPr/>
-        </p:nvPicPr>
-        <p:blipFill>
-          <a:blip r:embed="rId2">
+        </p:nvGrpSpPr>
+        <p:grpSpPr>
+          <a:xfrm>
+            <a:off x="2993367" y="3429000"/>
+            <a:ext cx="5600279" cy="3271120"/>
+            <a:chOff x="2993367" y="3429000"/>
+            <a:chExt cx="5600279" cy="3271120"/>
+          </a:xfrm>
+        </p:grpSpPr>
+        <p:pic>
+          <p:nvPicPr>
+            <p:cNvPr id="1032" name="Picture 8" descr="Level of Significance &amp; Hypothesis Testing - Data Analytics">
+              <a:extLst>
+                <a:ext uri="{FF2B5EF4-FFF2-40B4-BE49-F238E27FC236}">
+                  <a16:creationId xmlns:a16="http://schemas.microsoft.com/office/drawing/2014/main" id="{1C16DE6E-C592-65ED-0A80-2142B2ABC528}"/>
+                </a:ext>
+              </a:extLst>
+            </p:cNvPr>
+            <p:cNvPicPr>
+              <a:picLocks noChangeAspect="1" noChangeArrowheads="1"/>
+            </p:cNvPicPr>
+            <p:nvPr/>
+          </p:nvPicPr>
+          <p:blipFill>
+            <a:blip r:embed="rId2">
+              <a:extLst>
+                <a:ext uri="{28A0092B-C50C-407E-A947-70E740481C1C}">
+                  <a14:useLocalDpi xmlns:a14="http://schemas.microsoft.com/office/drawing/2010/main" val="0"/>
+                </a:ext>
+              </a:extLst>
+            </a:blip>
+            <a:srcRect/>
+            <a:stretch>
+              <a:fillRect/>
+            </a:stretch>
+          </p:blipFill>
+          <p:spPr bwMode="auto">
+            <a:xfrm>
+              <a:off x="2993367" y="3429000"/>
+              <a:ext cx="5600279" cy="3271120"/>
+            </a:xfrm>
+            <a:prstGeom prst="rect">
+              <a:avLst/>
+            </a:prstGeom>
+            <a:noFill/>
             <a:extLst>
-              <a:ext uri="{28A0092B-C50C-407E-A947-70E740481C1C}">
-                <a14:useLocalDpi xmlns:a14="http://schemas.microsoft.com/office/drawing/2010/main" val="0"/>
+              <a:ext uri="{909E8E84-426E-40DD-AFC4-6F175D3DCCD1}">
+                <a14:hiddenFill xmlns:a14="http://schemas.microsoft.com/office/drawing/2010/main">
+                  <a:solidFill>
+                    <a:srgbClr val="FFFFFF"/>
+                  </a:solidFill>
+                </a14:hiddenFill>
               </a:ext>
             </a:extLst>
-          </a:blip>
-          <a:srcRect/>
-          <a:stretch>
-            <a:fillRect/>
-          </a:stretch>
-        </p:blipFill>
-        <p:spPr bwMode="auto">
-          <a:xfrm>
-            <a:off x="2519656" y="3301834"/>
-            <a:ext cx="4912275" cy="3404804"/>
-          </a:xfrm>
-          <a:prstGeom prst="rect">
-            <a:avLst/>
-          </a:prstGeom>
-          <a:noFill/>
-          <a:extLst>
-            <a:ext uri="{909E8E84-426E-40DD-AFC4-6F175D3DCCD1}">
-              <a14:hiddenFill xmlns:a14="http://schemas.microsoft.com/office/drawing/2010/main">
-                <a:solidFill>
-                  <a:srgbClr val="FFFFFF"/>
-                </a:solidFill>
-              </a14:hiddenFill>
-            </a:ext>
-          </a:extLst>
-        </p:spPr>
-      </p:pic>
-      <p:cxnSp>
-        <p:nvCxnSpPr>
-          <p:cNvPr id="3" name="Straight Arrow Connector 2">
-            <a:extLst>
-              <a:ext uri="{FF2B5EF4-FFF2-40B4-BE49-F238E27FC236}">
-                <a16:creationId xmlns:a16="http://schemas.microsoft.com/office/drawing/2014/main" id="{A3585024-0D44-E541-89D8-815211BA3480}"/>
-              </a:ext>
-            </a:extLst>
-          </p:cNvPr>
-          <p:cNvCxnSpPr>
-            <a:cxnSpLocks/>
-            <a:stCxn id="5" idx="2"/>
-          </p:cNvCxnSpPr>
-          <p:nvPr/>
-        </p:nvCxnSpPr>
-        <p:spPr>
-          <a:xfrm flipH="1">
-            <a:off x="6096000" y="4793645"/>
-            <a:ext cx="473047" cy="1023609"/>
-          </a:xfrm>
-          <a:prstGeom prst="straightConnector1">
-            <a:avLst/>
-          </a:prstGeom>
-          <a:ln>
-            <a:solidFill>
+          </p:spPr>
+        </p:pic>
+        <p:cxnSp>
+          <p:nvCxnSpPr>
+            <p:cNvPr id="6" name="Straight Connector 5">
+              <a:extLst>
+                <a:ext uri="{FF2B5EF4-FFF2-40B4-BE49-F238E27FC236}">
+                  <a16:creationId xmlns:a16="http://schemas.microsoft.com/office/drawing/2014/main" id="{C1C5AC5F-5F5B-E664-D7D2-51E85DC4EFA5}"/>
+                </a:ext>
+              </a:extLst>
+            </p:cNvPr>
+            <p:cNvCxnSpPr/>
+            <p:nvPr/>
+          </p:nvCxnSpPr>
+          <p:spPr>
+            <a:xfrm>
+              <a:off x="5667555" y="3588589"/>
+              <a:ext cx="0" cy="2234241"/>
+            </a:xfrm>
+            <a:prstGeom prst="line">
+              <a:avLst/>
+            </a:prstGeom>
+            <a:ln w="28575">
+              <a:solidFill>
+                <a:schemeClr val="tx1"/>
+              </a:solidFill>
+              <a:prstDash val="dash"/>
+            </a:ln>
+          </p:spPr>
+          <p:style>
+            <a:lnRef idx="1">
+              <a:schemeClr val="accent1"/>
+            </a:lnRef>
+            <a:fillRef idx="0">
+              <a:schemeClr val="accent1"/>
+            </a:fillRef>
+            <a:effectRef idx="0">
+              <a:schemeClr val="accent1"/>
+            </a:effectRef>
+            <a:fontRef idx="minor">
               <a:schemeClr val="tx1"/>
-            </a:solidFill>
-            <a:tailEnd type="triangle"/>
-          </a:ln>
-        </p:spPr>
-        <p:style>
-          <a:lnRef idx="1">
-            <a:schemeClr val="accent1"/>
-          </a:lnRef>
-          <a:fillRef idx="0">
-            <a:schemeClr val="accent1"/>
-          </a:fillRef>
-          <a:effectRef idx="0">
-            <a:schemeClr val="accent1"/>
-          </a:effectRef>
-          <a:fontRef idx="minor">
-            <a:schemeClr val="tx1"/>
-          </a:fontRef>
-        </p:style>
-      </p:cxnSp>
-      <p:sp>
-        <p:nvSpPr>
-          <p:cNvPr id="5" name="TextBox 4">
-            <a:extLst>
-              <a:ext uri="{FF2B5EF4-FFF2-40B4-BE49-F238E27FC236}">
-                <a16:creationId xmlns:a16="http://schemas.microsoft.com/office/drawing/2014/main" id="{560555A3-B75B-2171-795B-6CBA4E7CED70}"/>
-              </a:ext>
-            </a:extLst>
-          </p:cNvPr>
-          <p:cNvSpPr txBox="1"/>
-          <p:nvPr/>
-        </p:nvSpPr>
-        <p:spPr>
-          <a:xfrm>
-            <a:off x="6096000" y="4424313"/>
-            <a:ext cx="946093" cy="369332"/>
-          </a:xfrm>
-          <a:prstGeom prst="rect">
-            <a:avLst/>
-          </a:prstGeom>
-          <a:noFill/>
-        </p:spPr>
-        <p:txBody>
-          <a:bodyPr wrap="none" rtlCol="0">
-            <a:spAutoFit/>
-          </a:bodyPr>
-          <a:lstStyle/>
-          <a:p>
-            <a:r>
-              <a:rPr lang="el-GR" dirty="0"/>
-              <a:t>α</a:t>
-            </a:r>
-            <a:r>
-              <a:rPr lang="it-IT" dirty="0"/>
-              <a:t> = 0.05</a:t>
-            </a:r>
-            <a:endParaRPr lang="en-GB" dirty="0"/>
-          </a:p>
-        </p:txBody>
-      </p:sp>
-      <p:cxnSp>
-        <p:nvCxnSpPr>
-          <p:cNvPr id="12" name="Straight Arrow Connector 11">
-            <a:extLst>
-              <a:ext uri="{FF2B5EF4-FFF2-40B4-BE49-F238E27FC236}">
-                <a16:creationId xmlns:a16="http://schemas.microsoft.com/office/drawing/2014/main" id="{CC1F8093-882B-F974-6F7D-8F7803681DB3}"/>
-              </a:ext>
-            </a:extLst>
-          </p:cNvPr>
-          <p:cNvCxnSpPr>
-            <a:cxnSpLocks/>
-            <a:stCxn id="13" idx="2"/>
-          </p:cNvCxnSpPr>
-          <p:nvPr/>
-        </p:nvCxnSpPr>
-        <p:spPr>
-          <a:xfrm flipH="1">
-            <a:off x="6303523" y="5342112"/>
-            <a:ext cx="1882686" cy="667571"/>
-          </a:xfrm>
-          <a:prstGeom prst="straightConnector1">
-            <a:avLst/>
-          </a:prstGeom>
-          <a:ln>
-            <a:solidFill>
-              <a:schemeClr val="tx1"/>
-            </a:solidFill>
-            <a:tailEnd type="triangle"/>
-          </a:ln>
-        </p:spPr>
-        <p:style>
-          <a:lnRef idx="1">
-            <a:schemeClr val="accent1"/>
-          </a:lnRef>
-          <a:fillRef idx="0">
-            <a:schemeClr val="accent1"/>
-          </a:fillRef>
-          <a:effectRef idx="0">
-            <a:schemeClr val="accent1"/>
-          </a:effectRef>
-          <a:fontRef idx="minor">
-            <a:schemeClr val="tx1"/>
-          </a:fontRef>
-        </p:style>
-      </p:cxnSp>
-      <p:sp>
-        <p:nvSpPr>
-          <p:cNvPr id="13" name="TextBox 12">
-            <a:extLst>
-              <a:ext uri="{FF2B5EF4-FFF2-40B4-BE49-F238E27FC236}">
-                <a16:creationId xmlns:a16="http://schemas.microsoft.com/office/drawing/2014/main" id="{18DD5596-075D-F12A-5D79-D5B7B4B98D44}"/>
-              </a:ext>
-            </a:extLst>
-          </p:cNvPr>
-          <p:cNvSpPr txBox="1"/>
-          <p:nvPr/>
-        </p:nvSpPr>
-        <p:spPr>
-          <a:xfrm>
-            <a:off x="7431931" y="4972780"/>
-            <a:ext cx="1508555" cy="369332"/>
-          </a:xfrm>
-          <a:prstGeom prst="rect">
-            <a:avLst/>
-          </a:prstGeom>
-          <a:noFill/>
-        </p:spPr>
-        <p:txBody>
-          <a:bodyPr wrap="none" rtlCol="0">
-            <a:spAutoFit/>
-          </a:bodyPr>
-          <a:lstStyle/>
-          <a:p>
-            <a:r>
-              <a:rPr lang="it-IT" dirty="0"/>
-              <a:t>p-</a:t>
-            </a:r>
-            <a:r>
-              <a:rPr lang="it-IT" dirty="0" err="1"/>
-              <a:t>value</a:t>
-            </a:r>
-            <a:r>
-              <a:rPr lang="it-IT" dirty="0"/>
-              <a:t> &lt; 0.05</a:t>
-            </a:r>
-            <a:endParaRPr lang="en-GB" dirty="0"/>
-          </a:p>
-        </p:txBody>
-      </p:sp>
-      <p:sp>
-        <p:nvSpPr>
-          <p:cNvPr id="19" name="TextBox 18">
-            <a:extLst>
-              <a:ext uri="{FF2B5EF4-FFF2-40B4-BE49-F238E27FC236}">
-                <a16:creationId xmlns:a16="http://schemas.microsoft.com/office/drawing/2014/main" id="{A26D96D4-9926-70C9-AF3E-07CB16E9648C}"/>
-              </a:ext>
-            </a:extLst>
-          </p:cNvPr>
-          <p:cNvSpPr txBox="1"/>
-          <p:nvPr/>
-        </p:nvSpPr>
-        <p:spPr>
-          <a:xfrm>
-            <a:off x="3125619" y="3429000"/>
-            <a:ext cx="1218603" cy="646331"/>
-          </a:xfrm>
-          <a:prstGeom prst="rect">
-            <a:avLst/>
-          </a:prstGeom>
-          <a:noFill/>
-        </p:spPr>
-        <p:txBody>
-          <a:bodyPr wrap="none" rtlCol="0">
-            <a:spAutoFit/>
-          </a:bodyPr>
-          <a:lstStyle/>
-          <a:p>
-            <a:r>
-              <a:rPr lang="en-GB" dirty="0"/>
-              <a:t>µ = 164 cm</a:t>
-            </a:r>
-          </a:p>
-          <a:p>
-            <a:r>
-              <a:rPr lang="en-GB" dirty="0"/>
-              <a:t>σ = 7 cm</a:t>
-            </a:r>
-          </a:p>
-        </p:txBody>
-      </p:sp>
+            </a:fontRef>
+          </p:style>
+        </p:cxnSp>
+      </p:grpSp>
     </p:spTree>
     <p:extLst>
       <p:ext uri="{BB962C8B-B14F-4D97-AF65-F5344CB8AC3E}">
@@ -15118,7 +15107,7 @@
           <p:cNvPr id="4" name="TextBox 3">
             <a:extLst>
               <a:ext uri="{FF2B5EF4-FFF2-40B4-BE49-F238E27FC236}">
-                <a16:creationId xmlns:a16="http://schemas.microsoft.com/office/drawing/2014/main" id="{6825F4BE-1649-65A4-F2B2-93E884365B2D}"/>
+                <a16:creationId xmlns:a16="http://schemas.microsoft.com/office/drawing/2014/main" id="{EB45A09E-5C1B-7029-F408-457C3D063C26}"/>
               </a:ext>
             </a:extLst>
           </p:cNvPr>
@@ -15128,7 +15117,7 @@
         <p:spPr>
           <a:xfrm>
             <a:off x="503853" y="531845"/>
-            <a:ext cx="11243388" cy="3046988"/>
+            <a:ext cx="11243388" cy="830997"/>
           </a:xfrm>
           <a:prstGeom prst="rect">
             <a:avLst/>
@@ -15143,130 +15132,65 @@
           <a:p>
             <a:r>
               <a:rPr lang="en-GB" sz="2400" b="1" dirty="0"/>
-              <a:t>A/B testing</a:t>
+              <a:t>Hypothesis testing</a:t>
             </a:r>
           </a:p>
           <a:p>
             <a:endParaRPr lang="en-GB" sz="2400" b="1" dirty="0"/>
-          </a:p>
-          <a:p>
-            <a:r>
-              <a:rPr lang="en-GB" dirty="0"/>
-              <a:t>The process of A/B testing is identical to the process of hypothesis. </a:t>
-            </a:r>
-          </a:p>
-          <a:p>
-            <a:r>
-              <a:rPr lang="en-GB" dirty="0"/>
-              <a:t>It requires analysts to conduct some initial research to understand what is happening and determine what feature needs to be tested. At this point, the analyst can also determine what are the success and tracking metrics because they would have used these statistics to understand the trend of the observations. After this, the hypotheses will be formulated. Without these hypotheses, the testing campaign will be directionless. Next, variations of the testing feature will be randomly assigned to users. Results are then collected and </a:t>
-            </a:r>
-            <a:r>
-              <a:rPr lang="en-GB" dirty="0" err="1"/>
-              <a:t>analyzed</a:t>
-            </a:r>
-            <a:r>
-              <a:rPr lang="en-GB" dirty="0"/>
-              <a:t>, and the successful variant will be deployed.</a:t>
-            </a:r>
-          </a:p>
-          <a:p>
-            <a:pPr marL="285750" indent="-285750">
-              <a:buFont typeface="Arial" panose="020B0604020202020204" pitchFamily="34" charset="0"/>
-              <a:buChar char="•"/>
-            </a:pPr>
-            <a:endParaRPr lang="en-GB" dirty="0"/>
           </a:p>
         </p:txBody>
       </p:sp>
-    </p:spTree>
-    <p:extLst>
-      <p:ext uri="{BB962C8B-B14F-4D97-AF65-F5344CB8AC3E}">
-        <p14:creationId xmlns:p14="http://schemas.microsoft.com/office/powerpoint/2010/main" val="2970520931"/>
-      </p:ext>
-    </p:extLst>
-  </p:cSld>
-  <p:clrMapOvr>
-    <a:masterClrMapping/>
-  </p:clrMapOvr>
-</p:sld>
-</file>
-
-<file path=ppt/slides/slide28.xml><?xml version="1.0" encoding="utf-8"?>
-<p:sld xmlns:a="http://schemas.openxmlformats.org/drawingml/2006/main" xmlns:r="http://schemas.openxmlformats.org/officeDocument/2006/relationships" xmlns:p="http://schemas.openxmlformats.org/presentationml/2006/main">
-  <p:cSld>
-    <p:spTree>
-      <p:nvGrpSpPr>
-        <p:cNvPr id="1" name=""/>
-        <p:cNvGrpSpPr/>
-        <p:nvPr/>
-      </p:nvGrpSpPr>
-      <p:grpSpPr>
-        <a:xfrm>
-          <a:off x="0" y="0"/>
-          <a:ext cx="0" cy="0"/>
-          <a:chOff x="0" y="0"/>
-          <a:chExt cx="0" cy="0"/>
-        </a:xfrm>
-      </p:grpSpPr>
-      <p:sp>
-        <p:nvSpPr>
-          <p:cNvPr id="4" name="TextBox 3">
+      <p:pic>
+        <p:nvPicPr>
+          <p:cNvPr id="1028" name="Picture 4" descr="Statistical Tests — When to use Which ? | by vibhor nigam | Towards Data  Science">
             <a:extLst>
               <a:ext uri="{FF2B5EF4-FFF2-40B4-BE49-F238E27FC236}">
-                <a16:creationId xmlns:a16="http://schemas.microsoft.com/office/drawing/2014/main" id="{23EF3775-F8F9-76D7-38A3-502BDDFBD324}"/>
+                <a16:creationId xmlns:a16="http://schemas.microsoft.com/office/drawing/2014/main" id="{64487C4F-EBE3-69B6-B71B-55F41AF9044F}"/>
               </a:ext>
             </a:extLst>
           </p:cNvPr>
-          <p:cNvSpPr txBox="1"/>
+          <p:cNvPicPr>
+            <a:picLocks noChangeAspect="1" noChangeArrowheads="1"/>
+          </p:cNvPicPr>
           <p:nvPr/>
-        </p:nvSpPr>
-        <p:spPr>
+        </p:nvPicPr>
+        <p:blipFill>
+          <a:blip r:embed="rId2">
+            <a:extLst>
+              <a:ext uri="{28A0092B-C50C-407E-A947-70E740481C1C}">
+                <a14:useLocalDpi xmlns:a14="http://schemas.microsoft.com/office/drawing/2010/main" val="0"/>
+              </a:ext>
+            </a:extLst>
+          </a:blip>
+          <a:srcRect/>
+          <a:stretch>
+            <a:fillRect/>
+          </a:stretch>
+        </p:blipFill>
+        <p:spPr bwMode="auto">
           <a:xfrm>
-            <a:off x="826477" y="1746738"/>
-            <a:ext cx="10539046" cy="2308324"/>
+            <a:off x="1776413" y="1329222"/>
+            <a:ext cx="8161217" cy="4996933"/>
           </a:xfrm>
           <a:prstGeom prst="rect">
             <a:avLst/>
           </a:prstGeom>
           <a:noFill/>
+          <a:extLst>
+            <a:ext uri="{909E8E84-426E-40DD-AFC4-6F175D3DCCD1}">
+              <a14:hiddenFill xmlns:a14="http://schemas.microsoft.com/office/drawing/2010/main">
+                <a:solidFill>
+                  <a:srgbClr val="FFFFFF"/>
+                </a:solidFill>
+              </a14:hiddenFill>
+            </a:ext>
+          </a:extLst>
         </p:spPr>
-        <p:txBody>
-          <a:bodyPr wrap="square" rtlCol="0">
-            <a:spAutoFit/>
-          </a:bodyPr>
-          <a:lstStyle/>
-          <a:p>
-            <a:r>
-              <a:rPr lang="en-GB" b="1" dirty="0"/>
-              <a:t>Frequentists</a:t>
-            </a:r>
-            <a:r>
-              <a:rPr lang="en-GB" dirty="0"/>
-              <a:t> address the probability as a measure of the frequency of various outcomes of an experiment. For example, if we have a fair coin (50% probability of landing heads) we expect that the half number of experiments will land on heads.</a:t>
-            </a:r>
-          </a:p>
-          <a:p>
-            <a:endParaRPr lang="en-GB" dirty="0"/>
-          </a:p>
-          <a:p>
-            <a:endParaRPr lang="en-GB" dirty="0"/>
-          </a:p>
-          <a:p>
-            <a:r>
-              <a:rPr lang="en-GB" b="1" dirty="0"/>
-              <a:t>Bayesians</a:t>
-            </a:r>
-            <a:r>
-              <a:rPr lang="en-GB" dirty="0"/>
-              <a:t> address the probability as an abstract concept that measures a state of knowledge or a degree of belief in a given proposition. This means that probability has a range of values that may be true, rather than a single one.</a:t>
-            </a:r>
-          </a:p>
-        </p:txBody>
-      </p:sp>
+      </p:pic>
     </p:spTree>
     <p:extLst>
       <p:ext uri="{BB962C8B-B14F-4D97-AF65-F5344CB8AC3E}">
-        <p14:creationId xmlns:p14="http://schemas.microsoft.com/office/powerpoint/2010/main" val="2537903547"/>
+        <p14:creationId xmlns:p14="http://schemas.microsoft.com/office/powerpoint/2010/main" val="3815249339"/>
       </p:ext>
     </p:extLst>
   </p:cSld>

--- a/Probability_Statistics/Probability_Statistics_intro.pptx
+++ b/Probability_Statistics/Probability_Statistics_intro.pptx
@@ -32,6 +32,8 @@
     <p:sldId id="290" r:id="rId26"/>
     <p:sldId id="278" r:id="rId27"/>
     <p:sldId id="295" r:id="rId28"/>
+    <p:sldId id="296" r:id="rId29"/>
+    <p:sldId id="297" r:id="rId30"/>
   </p:sldIdLst>
   <p:sldSz cx="12192000" cy="6858000"/>
   <p:notesSz cx="6858000" cy="9144000"/>
@@ -419,7 +421,7 @@
           <a:p>
             <a:fld id="{C369705D-41FE-4C2A-AD94-64E2E5127CB0}" type="datetimeFigureOut">
               <a:rPr lang="it-IT" smtClean="0"/>
-              <a:t>22/06/2022</a:t>
+              <a:t>16/07/2022</a:t>
             </a:fld>
             <a:endParaRPr lang="it-IT"/>
           </a:p>
@@ -619,7 +621,7 @@
           <a:p>
             <a:fld id="{C369705D-41FE-4C2A-AD94-64E2E5127CB0}" type="datetimeFigureOut">
               <a:rPr lang="it-IT" smtClean="0"/>
-              <a:t>22/06/2022</a:t>
+              <a:t>16/07/2022</a:t>
             </a:fld>
             <a:endParaRPr lang="it-IT"/>
           </a:p>
@@ -829,7 +831,7 @@
           <a:p>
             <a:fld id="{C369705D-41FE-4C2A-AD94-64E2E5127CB0}" type="datetimeFigureOut">
               <a:rPr lang="it-IT" smtClean="0"/>
-              <a:t>22/06/2022</a:t>
+              <a:t>16/07/2022</a:t>
             </a:fld>
             <a:endParaRPr lang="it-IT"/>
           </a:p>
@@ -1029,7 +1031,7 @@
           <a:p>
             <a:fld id="{C369705D-41FE-4C2A-AD94-64E2E5127CB0}" type="datetimeFigureOut">
               <a:rPr lang="it-IT" smtClean="0"/>
-              <a:t>22/06/2022</a:t>
+              <a:t>16/07/2022</a:t>
             </a:fld>
             <a:endParaRPr lang="it-IT"/>
           </a:p>
@@ -1305,7 +1307,7 @@
           <a:p>
             <a:fld id="{C369705D-41FE-4C2A-AD94-64E2E5127CB0}" type="datetimeFigureOut">
               <a:rPr lang="it-IT" smtClean="0"/>
-              <a:t>22/06/2022</a:t>
+              <a:t>16/07/2022</a:t>
             </a:fld>
             <a:endParaRPr lang="it-IT"/>
           </a:p>
@@ -1573,7 +1575,7 @@
           <a:p>
             <a:fld id="{C369705D-41FE-4C2A-AD94-64E2E5127CB0}" type="datetimeFigureOut">
               <a:rPr lang="it-IT" smtClean="0"/>
-              <a:t>22/06/2022</a:t>
+              <a:t>16/07/2022</a:t>
             </a:fld>
             <a:endParaRPr lang="it-IT"/>
           </a:p>
@@ -1988,7 +1990,7 @@
           <a:p>
             <a:fld id="{C369705D-41FE-4C2A-AD94-64E2E5127CB0}" type="datetimeFigureOut">
               <a:rPr lang="it-IT" smtClean="0"/>
-              <a:t>22/06/2022</a:t>
+              <a:t>16/07/2022</a:t>
             </a:fld>
             <a:endParaRPr lang="it-IT"/>
           </a:p>
@@ -2130,7 +2132,7 @@
           <a:p>
             <a:fld id="{C369705D-41FE-4C2A-AD94-64E2E5127CB0}" type="datetimeFigureOut">
               <a:rPr lang="it-IT" smtClean="0"/>
-              <a:t>22/06/2022</a:t>
+              <a:t>16/07/2022</a:t>
             </a:fld>
             <a:endParaRPr lang="it-IT"/>
           </a:p>
@@ -2243,7 +2245,7 @@
           <a:p>
             <a:fld id="{C369705D-41FE-4C2A-AD94-64E2E5127CB0}" type="datetimeFigureOut">
               <a:rPr lang="it-IT" smtClean="0"/>
-              <a:t>22/06/2022</a:t>
+              <a:t>16/07/2022</a:t>
             </a:fld>
             <a:endParaRPr lang="it-IT"/>
           </a:p>
@@ -2556,7 +2558,7 @@
           <a:p>
             <a:fld id="{C369705D-41FE-4C2A-AD94-64E2E5127CB0}" type="datetimeFigureOut">
               <a:rPr lang="it-IT" smtClean="0"/>
-              <a:t>22/06/2022</a:t>
+              <a:t>16/07/2022</a:t>
             </a:fld>
             <a:endParaRPr lang="it-IT"/>
           </a:p>
@@ -2845,7 +2847,7 @@
           <a:p>
             <a:fld id="{C369705D-41FE-4C2A-AD94-64E2E5127CB0}" type="datetimeFigureOut">
               <a:rPr lang="it-IT" smtClean="0"/>
-              <a:t>22/06/2022</a:t>
+              <a:t>16/07/2022</a:t>
             </a:fld>
             <a:endParaRPr lang="it-IT"/>
           </a:p>
@@ -3088,7 +3090,7 @@
           <a:p>
             <a:fld id="{C369705D-41FE-4C2A-AD94-64E2E5127CB0}" type="datetimeFigureOut">
               <a:rPr lang="it-IT" smtClean="0"/>
-              <a:t>22/06/2022</a:t>
+              <a:t>16/07/2022</a:t>
             </a:fld>
             <a:endParaRPr lang="it-IT"/>
           </a:p>
@@ -11211,7 +11213,7 @@
         <p:spPr>
           <a:xfrm>
             <a:off x="503853" y="531845"/>
-            <a:ext cx="11243388" cy="1015663"/>
+            <a:ext cx="11243388" cy="1569660"/>
           </a:xfrm>
           <a:prstGeom prst="rect">
             <a:avLst/>
@@ -11232,8 +11234,11 @@
           <a:p>
             <a:r>
               <a:rPr lang="en-GB" dirty="0"/>
-              <a:t>Normal distribution, also known as the Gaussian distribution, is a probability distribution that is symmetric about the mean, showing that data near the mean are more frequent in occurrence than data far from the mean. </a:t>
-            </a:r>
+              <a:t>In statistics, a normal distribution (also known as Gaussian distribution) is a type of continuous probability distribution for a real-valued random variable. It is symmetric about the mean, showing that data near the mean are more frequent in occurrence than data far from the mean. </a:t>
+            </a:r>
+          </a:p>
+          <a:p>
+            <a:endParaRPr lang="en-GB" dirty="0"/>
           </a:p>
         </p:txBody>
       </p:sp>
@@ -13523,9 +13528,9 @@
         <p:grpSpPr>
           <a:xfrm>
             <a:off x="7464669" y="2410864"/>
-            <a:ext cx="2728824" cy="1345905"/>
+            <a:ext cx="3056824" cy="1345905"/>
             <a:chOff x="7464669" y="2410864"/>
-            <a:chExt cx="2728824" cy="1345905"/>
+            <a:chExt cx="3056824" cy="1345905"/>
           </a:xfrm>
         </p:grpSpPr>
         <mc:AlternateContent xmlns:mc="http://schemas.openxmlformats.org/markup-compatibility/2006">
@@ -13545,7 +13550,7 @@
               <p:spPr>
                 <a:xfrm>
                   <a:off x="7572802" y="2824206"/>
-                  <a:ext cx="2427203" cy="932563"/>
+                  <a:ext cx="2948691" cy="932563"/>
                 </a:xfrm>
                 <a:prstGeom prst="rect">
                   <a:avLst/>
@@ -13565,6 +13570,18 @@
                         <m:jc m:val="centerGroup"/>
                       </m:oMathParaPr>
                       <m:oMath xmlns:m="http://schemas.openxmlformats.org/officeDocument/2006/math">
+                        <m:r>
+                          <a:rPr lang="it-IT" sz="3200" b="0" i="1" smtClean="0">
+                            <a:latin typeface="Cambria Math" panose="02040503050406030204" pitchFamily="18" charset="0"/>
+                          </a:rPr>
+                          <m:t>𝐶𝐼</m:t>
+                        </m:r>
+                        <m:r>
+                          <a:rPr lang="it-IT" sz="3200" b="0" i="1" smtClean="0">
+                            <a:latin typeface="Cambria Math" panose="02040503050406030204" pitchFamily="18" charset="0"/>
+                          </a:rPr>
+                          <m:t>= </m:t>
+                        </m:r>
                         <m:acc>
                           <m:accPr>
                             <m:chr m:val="̅"/>
@@ -13589,40 +13606,12 @@
                           </a:rPr>
                           <m:t>±</m:t>
                         </m:r>
-                        <m:sSub>
-                          <m:sSubPr>
-                            <m:ctrlPr>
-                              <a:rPr lang="pt-BR" sz="3200" i="1" smtClean="0">
-                                <a:latin typeface="Cambria Math" panose="02040503050406030204" pitchFamily="18" charset="0"/>
-                              </a:rPr>
-                            </m:ctrlPr>
-                          </m:sSubPr>
-                          <m:e>
-                            <m:r>
-                              <a:rPr lang="en-GB" sz="3200" b="0" i="1" smtClean="0">
-                                <a:latin typeface="Cambria Math" panose="02040503050406030204" pitchFamily="18" charset="0"/>
-                              </a:rPr>
-                              <m:t>𝑧</m:t>
-                            </m:r>
-                          </m:e>
-                          <m:sub>
-                            <m:r>
-                              <m:rPr>
-                                <m:sty m:val="p"/>
-                              </m:rPr>
-                              <a:rPr lang="el-GR" sz="3200" i="1" smtClean="0">
-                                <a:latin typeface="Cambria Math" panose="02040503050406030204" pitchFamily="18" charset="0"/>
-                              </a:rPr>
-                              <m:t>α</m:t>
-                            </m:r>
-                            <m:r>
-                              <a:rPr lang="en-GB" sz="3200" b="0" i="1" smtClean="0">
-                                <a:latin typeface="Cambria Math" panose="02040503050406030204" pitchFamily="18" charset="0"/>
-                              </a:rPr>
-                              <m:t>/2</m:t>
-                            </m:r>
-                          </m:sub>
-                        </m:sSub>
+                        <m:r>
+                          <a:rPr lang="it-IT" sz="3200" b="0" i="1" smtClean="0">
+                            <a:latin typeface="Cambria Math" panose="02040503050406030204" pitchFamily="18" charset="0"/>
+                          </a:rPr>
+                          <m:t>𝑧</m:t>
+                        </m:r>
                         <m:r>
                           <a:rPr lang="en-GB" sz="3200" b="0" i="1" smtClean="0">
                             <a:latin typeface="Cambria Math" panose="02040503050406030204" pitchFamily="18" charset="0"/>
@@ -13696,7 +13685,7 @@
               <p:spPr>
                 <a:xfrm>
                   <a:off x="7572802" y="2824206"/>
-                  <a:ext cx="2427203" cy="932563"/>
+                  <a:ext cx="2948691" cy="932563"/>
                 </a:xfrm>
                 <a:prstGeom prst="rect">
                   <a:avLst/>
@@ -13774,9 +13763,9 @@
         <p:grpSpPr>
           <a:xfrm>
             <a:off x="7464669" y="4343128"/>
-            <a:ext cx="3153582" cy="1304716"/>
+            <a:ext cx="3614221" cy="1304716"/>
             <a:chOff x="7464669" y="4343128"/>
-            <a:chExt cx="3153582" cy="1304716"/>
+            <a:chExt cx="3614221" cy="1304716"/>
           </a:xfrm>
         </p:grpSpPr>
         <mc:AlternateContent xmlns:mc="http://schemas.openxmlformats.org/markup-compatibility/2006">
@@ -13796,7 +13785,7 @@
               <p:spPr>
                 <a:xfrm>
                   <a:off x="7572802" y="4712460"/>
-                  <a:ext cx="3045449" cy="935384"/>
+                  <a:ext cx="3506088" cy="935384"/>
                 </a:xfrm>
                 <a:prstGeom prst="rect">
                   <a:avLst/>
@@ -13816,6 +13805,18 @@
                         <m:jc m:val="centerGroup"/>
                       </m:oMathParaPr>
                       <m:oMath xmlns:m="http://schemas.openxmlformats.org/officeDocument/2006/math">
+                        <m:r>
+                          <a:rPr lang="it-IT" sz="3200" b="0" i="1" smtClean="0">
+                            <a:latin typeface="Cambria Math" panose="02040503050406030204" pitchFamily="18" charset="0"/>
+                          </a:rPr>
+                          <m:t>𝐶𝐼</m:t>
+                        </m:r>
+                        <m:r>
+                          <a:rPr lang="it-IT" sz="3200" b="0" i="1" smtClean="0">
+                            <a:latin typeface="Cambria Math" panose="02040503050406030204" pitchFamily="18" charset="0"/>
+                          </a:rPr>
+                          <m:t>= </m:t>
+                        </m:r>
                         <m:acc>
                           <m:accPr>
                             <m:chr m:val="̅"/>
@@ -13867,22 +13868,7 @@
                               <a:rPr lang="en-GB" sz="3200" b="0" i="1" smtClean="0">
                                 <a:latin typeface="Cambria Math" panose="02040503050406030204" pitchFamily="18" charset="0"/>
                               </a:rPr>
-                              <m:t>−1,</m:t>
-                            </m:r>
-                            <m:r>
-                              <m:rPr>
-                                <m:sty m:val="p"/>
-                              </m:rPr>
-                              <a:rPr lang="el-GR" sz="3200" i="1" smtClean="0">
-                                <a:latin typeface="Cambria Math" panose="02040503050406030204" pitchFamily="18" charset="0"/>
-                              </a:rPr>
-                              <m:t>α</m:t>
-                            </m:r>
-                            <m:r>
-                              <a:rPr lang="en-GB" sz="3200" b="0" i="1" smtClean="0">
-                                <a:latin typeface="Cambria Math" panose="02040503050406030204" pitchFamily="18" charset="0"/>
-                              </a:rPr>
-                              <m:t>/2</m:t>
+                              <m:t>−1</m:t>
                             </m:r>
                           </m:sub>
                         </m:sSub>
@@ -13956,7 +13942,7 @@
               <p:spPr>
                 <a:xfrm>
                   <a:off x="7572802" y="4712460"/>
-                  <a:ext cx="3045449" cy="935384"/>
+                  <a:ext cx="3506088" cy="935384"/>
                 </a:xfrm>
                 <a:prstGeom prst="rect">
                   <a:avLst/>
@@ -15191,6 +15177,447 @@
     <p:extLst>
       <p:ext uri="{BB962C8B-B14F-4D97-AF65-F5344CB8AC3E}">
         <p14:creationId xmlns:p14="http://schemas.microsoft.com/office/powerpoint/2010/main" val="3815249339"/>
+      </p:ext>
+    </p:extLst>
+  </p:cSld>
+  <p:clrMapOvr>
+    <a:masterClrMapping/>
+  </p:clrMapOvr>
+</p:sld>
+</file>
+
+<file path=ppt/slides/slide28.xml><?xml version="1.0" encoding="utf-8"?>
+<p:sld xmlns:a="http://schemas.openxmlformats.org/drawingml/2006/main" xmlns:r="http://schemas.openxmlformats.org/officeDocument/2006/relationships" xmlns:p="http://schemas.openxmlformats.org/presentationml/2006/main">
+  <p:cSld>
+    <p:spTree>
+      <p:nvGrpSpPr>
+        <p:cNvPr id="1" name=""/>
+        <p:cNvGrpSpPr/>
+        <p:nvPr/>
+      </p:nvGrpSpPr>
+      <p:grpSpPr>
+        <a:xfrm>
+          <a:off x="0" y="0"/>
+          <a:ext cx="0" cy="0"/>
+          <a:chOff x="0" y="0"/>
+          <a:chExt cx="0" cy="0"/>
+        </a:xfrm>
+      </p:grpSpPr>
+      <p:pic>
+        <p:nvPicPr>
+          <p:cNvPr id="14" name="Picture 13">
+            <a:extLst>
+              <a:ext uri="{FF2B5EF4-FFF2-40B4-BE49-F238E27FC236}">
+                <a16:creationId xmlns:a16="http://schemas.microsoft.com/office/drawing/2014/main" id="{49C07CFF-3641-F7FA-19A7-075A450C4608}"/>
+              </a:ext>
+            </a:extLst>
+          </p:cNvPr>
+          <p:cNvPicPr>
+            <a:picLocks noChangeAspect="1"/>
+          </p:cNvPicPr>
+          <p:nvPr/>
+        </p:nvPicPr>
+        <p:blipFill>
+          <a:blip r:embed="rId2"/>
+          <a:stretch>
+            <a:fillRect/>
+          </a:stretch>
+        </p:blipFill>
+        <p:spPr>
+          <a:xfrm>
+            <a:off x="1227754" y="486562"/>
+            <a:ext cx="8897592" cy="2095792"/>
+          </a:xfrm>
+          <a:prstGeom prst="rect">
+            <a:avLst/>
+          </a:prstGeom>
+        </p:spPr>
+      </p:pic>
+      <p:sp>
+        <p:nvSpPr>
+          <p:cNvPr id="16" name="TextBox 15">
+            <a:extLst>
+              <a:ext uri="{FF2B5EF4-FFF2-40B4-BE49-F238E27FC236}">
+                <a16:creationId xmlns:a16="http://schemas.microsoft.com/office/drawing/2014/main" id="{15665F42-A917-05D9-ECC6-6D083F355FC2}"/>
+              </a:ext>
+            </a:extLst>
+          </p:cNvPr>
+          <p:cNvSpPr txBox="1"/>
+          <p:nvPr/>
+        </p:nvSpPr>
+        <p:spPr>
+          <a:xfrm>
+            <a:off x="974603" y="2975756"/>
+            <a:ext cx="9403893" cy="2585323"/>
+          </a:xfrm>
+          <a:prstGeom prst="rect">
+            <a:avLst/>
+          </a:prstGeom>
+          <a:noFill/>
+        </p:spPr>
+        <p:txBody>
+          <a:bodyPr wrap="square">
+            <a:spAutoFit/>
+          </a:bodyPr>
+          <a:lstStyle/>
+          <a:p>
+            <a:pPr algn="l"/>
+            <a:r>
+              <a:rPr lang="en-GB" b="1" i="0" dirty="0">
+                <a:solidFill>
+                  <a:srgbClr val="292929"/>
+                </a:solidFill>
+                <a:effectLst/>
+                <a:latin typeface="charter"/>
+              </a:rPr>
+              <a:t>T-test: </a:t>
+            </a:r>
+            <a:r>
+              <a:rPr lang="en-GB" b="0" i="0" dirty="0">
+                <a:solidFill>
+                  <a:srgbClr val="292929"/>
+                </a:solidFill>
+                <a:effectLst/>
+                <a:latin typeface="charter"/>
+              </a:rPr>
+              <a:t>compare two groups/categories of numeric variables with small sample size</a:t>
+            </a:r>
+          </a:p>
+          <a:p>
+            <a:pPr algn="l"/>
+            <a:endParaRPr lang="en-GB" b="0" i="0" dirty="0">
+              <a:solidFill>
+                <a:srgbClr val="292929"/>
+              </a:solidFill>
+              <a:effectLst/>
+              <a:latin typeface="charter"/>
+            </a:endParaRPr>
+          </a:p>
+          <a:p>
+            <a:pPr algn="l"/>
+            <a:r>
+              <a:rPr lang="en-GB" b="1" i="0" dirty="0">
+                <a:solidFill>
+                  <a:srgbClr val="292929"/>
+                </a:solidFill>
+                <a:effectLst/>
+                <a:latin typeface="charter"/>
+              </a:rPr>
+              <a:t>Z-test:</a:t>
+            </a:r>
+            <a:r>
+              <a:rPr lang="en-GB" b="0" i="0" dirty="0">
+                <a:solidFill>
+                  <a:srgbClr val="292929"/>
+                </a:solidFill>
+                <a:effectLst/>
+                <a:latin typeface="charter"/>
+              </a:rPr>
+              <a:t> compare two groups/categories of numeric variables with large sample size</a:t>
+            </a:r>
+          </a:p>
+          <a:p>
+            <a:pPr algn="l"/>
+            <a:endParaRPr lang="en-GB" b="0" i="0" dirty="0">
+              <a:solidFill>
+                <a:srgbClr val="292929"/>
+              </a:solidFill>
+              <a:effectLst/>
+              <a:latin typeface="charter"/>
+            </a:endParaRPr>
+          </a:p>
+          <a:p>
+            <a:pPr algn="l"/>
+            <a:r>
+              <a:rPr lang="en-GB" b="1" i="0" dirty="0">
+                <a:solidFill>
+                  <a:srgbClr val="292929"/>
+                </a:solidFill>
+                <a:effectLst/>
+                <a:latin typeface="charter"/>
+              </a:rPr>
+              <a:t>ANOVA test:</a:t>
+            </a:r>
+            <a:r>
+              <a:rPr lang="en-GB" b="0" i="0" dirty="0">
+                <a:solidFill>
+                  <a:srgbClr val="292929"/>
+                </a:solidFill>
+                <a:effectLst/>
+                <a:latin typeface="charter"/>
+              </a:rPr>
+              <a:t> compare the difference between two or more groups/categories of numeric variables</a:t>
+            </a:r>
+          </a:p>
+          <a:p>
+            <a:pPr algn="l"/>
+            <a:endParaRPr lang="en-GB" b="0" i="0" dirty="0">
+              <a:solidFill>
+                <a:srgbClr val="292929"/>
+              </a:solidFill>
+              <a:effectLst/>
+              <a:latin typeface="charter"/>
+            </a:endParaRPr>
+          </a:p>
+          <a:p>
+            <a:pPr algn="l"/>
+            <a:r>
+              <a:rPr lang="en-GB" b="1" i="0" dirty="0">
+                <a:solidFill>
+                  <a:srgbClr val="292929"/>
+                </a:solidFill>
+                <a:effectLst/>
+                <a:latin typeface="charter"/>
+              </a:rPr>
+              <a:t>Chi-Squared test:</a:t>
+            </a:r>
+            <a:r>
+              <a:rPr lang="en-GB" b="0" i="0" dirty="0">
+                <a:solidFill>
+                  <a:srgbClr val="292929"/>
+                </a:solidFill>
+                <a:effectLst/>
+                <a:latin typeface="charter"/>
+              </a:rPr>
+              <a:t> examine the relationship between two categorical variables</a:t>
+            </a:r>
+          </a:p>
+          <a:p>
+            <a:pPr algn="l"/>
+            <a:endParaRPr lang="en-GB" b="0" i="0" dirty="0">
+              <a:solidFill>
+                <a:srgbClr val="292929"/>
+              </a:solidFill>
+              <a:effectLst/>
+              <a:latin typeface="charter"/>
+            </a:endParaRPr>
+          </a:p>
+          <a:p>
+            <a:pPr algn="l"/>
+            <a:r>
+              <a:rPr lang="en-GB" b="1" i="0" dirty="0">
+                <a:solidFill>
+                  <a:srgbClr val="292929"/>
+                </a:solidFill>
+                <a:effectLst/>
+                <a:latin typeface="charter"/>
+              </a:rPr>
+              <a:t>Correlation test:</a:t>
+            </a:r>
+            <a:r>
+              <a:rPr lang="en-GB" b="0" i="0" dirty="0">
+                <a:solidFill>
+                  <a:srgbClr val="292929"/>
+                </a:solidFill>
+                <a:effectLst/>
+                <a:latin typeface="charter"/>
+              </a:rPr>
+              <a:t> examine the relationship between two numeric variables</a:t>
+            </a:r>
+          </a:p>
+        </p:txBody>
+      </p:sp>
+      <p:sp>
+        <p:nvSpPr>
+          <p:cNvPr id="18" name="TextBox 17">
+            <a:extLst>
+              <a:ext uri="{FF2B5EF4-FFF2-40B4-BE49-F238E27FC236}">
+                <a16:creationId xmlns:a16="http://schemas.microsoft.com/office/drawing/2014/main" id="{2793DD62-29C4-9430-136C-E31A8FA993E9}"/>
+              </a:ext>
+            </a:extLst>
+          </p:cNvPr>
+          <p:cNvSpPr txBox="1"/>
+          <p:nvPr/>
+        </p:nvSpPr>
+        <p:spPr>
+          <a:xfrm>
+            <a:off x="2416029" y="6508480"/>
+            <a:ext cx="7029975" cy="261610"/>
+          </a:xfrm>
+          <a:prstGeom prst="rect">
+            <a:avLst/>
+          </a:prstGeom>
+          <a:noFill/>
+        </p:spPr>
+        <p:txBody>
+          <a:bodyPr wrap="square">
+            <a:spAutoFit/>
+          </a:bodyPr>
+          <a:lstStyle/>
+          <a:p>
+            <a:r>
+              <a:rPr lang="en-GB" sz="1100" dirty="0"/>
+              <a:t>Source: https://medium.com/towards-data-science/an-interactive-guide-to-hypothesis-testing-in-python-979f4d62d85</a:t>
+            </a:r>
+          </a:p>
+        </p:txBody>
+      </p:sp>
+    </p:spTree>
+    <p:extLst>
+      <p:ext uri="{BB962C8B-B14F-4D97-AF65-F5344CB8AC3E}">
+        <p14:creationId xmlns:p14="http://schemas.microsoft.com/office/powerpoint/2010/main" val="904932713"/>
+      </p:ext>
+    </p:extLst>
+  </p:cSld>
+  <p:clrMapOvr>
+    <a:masterClrMapping/>
+  </p:clrMapOvr>
+</p:sld>
+</file>
+
+<file path=ppt/slides/slide29.xml><?xml version="1.0" encoding="utf-8"?>
+<p:sld xmlns:a="http://schemas.openxmlformats.org/drawingml/2006/main" xmlns:r="http://schemas.openxmlformats.org/officeDocument/2006/relationships" xmlns:p="http://schemas.openxmlformats.org/presentationml/2006/main">
+  <p:cSld>
+    <p:spTree>
+      <p:nvGrpSpPr>
+        <p:cNvPr id="1" name=""/>
+        <p:cNvGrpSpPr/>
+        <p:nvPr/>
+      </p:nvGrpSpPr>
+      <p:grpSpPr>
+        <a:xfrm>
+          <a:off x="0" y="0"/>
+          <a:ext cx="0" cy="0"/>
+          <a:chOff x="0" y="0"/>
+          <a:chExt cx="0" cy="0"/>
+        </a:xfrm>
+      </p:grpSpPr>
+      <p:sp>
+        <p:nvSpPr>
+          <p:cNvPr id="9" name="TextBox 8">
+            <a:extLst>
+              <a:ext uri="{FF2B5EF4-FFF2-40B4-BE49-F238E27FC236}">
+                <a16:creationId xmlns:a16="http://schemas.microsoft.com/office/drawing/2014/main" id="{CC946E21-B2F2-8E17-5525-D563D247E94C}"/>
+              </a:ext>
+            </a:extLst>
+          </p:cNvPr>
+          <p:cNvSpPr txBox="1"/>
+          <p:nvPr/>
+        </p:nvSpPr>
+        <p:spPr>
+          <a:xfrm>
+            <a:off x="503852" y="1702046"/>
+            <a:ext cx="10217277" cy="2862322"/>
+          </a:xfrm>
+          <a:prstGeom prst="rect">
+            <a:avLst/>
+          </a:prstGeom>
+          <a:noFill/>
+        </p:spPr>
+        <p:txBody>
+          <a:bodyPr wrap="square">
+            <a:spAutoFit/>
+          </a:bodyPr>
+          <a:lstStyle/>
+          <a:p>
+            <a:r>
+              <a:rPr lang="en-GB" dirty="0"/>
+              <a:t>Implication of hypothesis testing:</a:t>
+            </a:r>
+          </a:p>
+          <a:p>
+            <a:endParaRPr lang="en-GB" dirty="0"/>
+          </a:p>
+          <a:p>
+            <a:pPr marL="285750" indent="-285750">
+              <a:buFont typeface="Arial" panose="020B0604020202020204" pitchFamily="34" charset="0"/>
+              <a:buChar char="•"/>
+            </a:pPr>
+            <a:r>
+              <a:rPr lang="en-GB" b="1" dirty="0"/>
+              <a:t>clinical research</a:t>
+            </a:r>
+            <a:r>
+              <a:rPr lang="en-GB" dirty="0"/>
+              <a:t>: widely used in psychology, biology and healthcare research to examine the effectiveness of clinical trials</a:t>
+            </a:r>
+          </a:p>
+          <a:p>
+            <a:pPr marL="285750" indent="-285750">
+              <a:buFont typeface="Arial" panose="020B0604020202020204" pitchFamily="34" charset="0"/>
+              <a:buChar char="•"/>
+            </a:pPr>
+            <a:endParaRPr lang="en-GB" dirty="0"/>
+          </a:p>
+          <a:p>
+            <a:pPr marL="285750" indent="-285750">
+              <a:buFont typeface="Arial" panose="020B0604020202020204" pitchFamily="34" charset="0"/>
+              <a:buChar char="•"/>
+            </a:pPr>
+            <a:r>
+              <a:rPr lang="en-GB" b="1" dirty="0"/>
+              <a:t>A/B testing</a:t>
+            </a:r>
+            <a:r>
+              <a:rPr lang="en-GB" dirty="0"/>
+              <a:t>: can be applied in business context to improve conversions through testing different versions of campaign incentives, website designs, etc.</a:t>
+            </a:r>
+          </a:p>
+          <a:p>
+            <a:pPr marL="285750" indent="-285750">
+              <a:buFont typeface="Arial" panose="020B0604020202020204" pitchFamily="34" charset="0"/>
+              <a:buChar char="•"/>
+            </a:pPr>
+            <a:endParaRPr lang="en-GB" dirty="0"/>
+          </a:p>
+          <a:p>
+            <a:pPr marL="285750" indent="-285750">
+              <a:buFont typeface="Arial" panose="020B0604020202020204" pitchFamily="34" charset="0"/>
+              <a:buChar char="•"/>
+            </a:pPr>
+            <a:r>
+              <a:rPr lang="en-GB" b="1" dirty="0"/>
+              <a:t>feature selection</a:t>
+            </a:r>
+            <a:r>
+              <a:rPr lang="en-GB" dirty="0"/>
+              <a:t> in machine learning: filter-based feature selection methods use different statistical tests to determine the feature importance</a:t>
+            </a:r>
+          </a:p>
+        </p:txBody>
+      </p:sp>
+      <p:sp>
+        <p:nvSpPr>
+          <p:cNvPr id="10" name="TextBox 9">
+            <a:extLst>
+              <a:ext uri="{FF2B5EF4-FFF2-40B4-BE49-F238E27FC236}">
+                <a16:creationId xmlns:a16="http://schemas.microsoft.com/office/drawing/2014/main" id="{272A165C-5594-5908-8767-2CB099F77B68}"/>
+              </a:ext>
+            </a:extLst>
+          </p:cNvPr>
+          <p:cNvSpPr txBox="1"/>
+          <p:nvPr/>
+        </p:nvSpPr>
+        <p:spPr>
+          <a:xfrm>
+            <a:off x="503853" y="531845"/>
+            <a:ext cx="11243388" cy="830997"/>
+          </a:xfrm>
+          <a:prstGeom prst="rect">
+            <a:avLst/>
+          </a:prstGeom>
+          <a:noFill/>
+        </p:spPr>
+        <p:txBody>
+          <a:bodyPr wrap="square" rtlCol="0">
+            <a:spAutoFit/>
+          </a:bodyPr>
+          <a:lstStyle/>
+          <a:p>
+            <a:r>
+              <a:rPr lang="en-GB" sz="2400" b="1" dirty="0"/>
+              <a:t>Hypothesis testing</a:t>
+            </a:r>
+          </a:p>
+          <a:p>
+            <a:endParaRPr lang="en-GB" sz="2400" b="1" dirty="0"/>
+          </a:p>
+        </p:txBody>
+      </p:sp>
+    </p:spTree>
+    <p:extLst>
+      <p:ext uri="{BB962C8B-B14F-4D97-AF65-F5344CB8AC3E}">
+        <p14:creationId xmlns:p14="http://schemas.microsoft.com/office/powerpoint/2010/main" val="2676199308"/>
       </p:ext>
     </p:extLst>
   </p:cSld>
@@ -18538,7 +18965,7 @@
         <p:spPr>
           <a:xfrm>
             <a:off x="503853" y="531845"/>
-            <a:ext cx="11243388" cy="1569660"/>
+            <a:ext cx="11243388" cy="1292662"/>
           </a:xfrm>
           <a:prstGeom prst="rect">
             <a:avLst/>
@@ -18576,9 +19003,6 @@
               </a:rPr>
               <a:t>: the average outcome we expect if we run an experiment many times.</a:t>
             </a:r>
-          </a:p>
-          <a:p>
-            <a:endParaRPr lang="en-GB" b="1" dirty="0"/>
           </a:p>
           <a:p>
             <a:endParaRPr lang="en-GB" b="1" dirty="0"/>
